--- a/Startup Pitch.pptx
+++ b/Startup Pitch.pptx
@@ -18,31 +18,30 @@
     <p:sldId id="263" r:id="rId13"/>
     <p:sldId id="264" r:id="rId14"/>
     <p:sldId id="265" r:id="rId15"/>
-    <p:sldId id="266" r:id="rId16"/>
   </p:sldIdLst>
   <p:sldSz cy="5143500" cx="9144000"/>
   <p:notesSz cx="6858000" cy="9144000"/>
   <p:embeddedFontLst>
     <p:embeddedFont>
       <p:font typeface="Montserrat SemiBold"/>
-      <p:regular r:id="rId17"/>
-      <p:bold r:id="rId18"/>
-      <p:italic r:id="rId19"/>
-      <p:boldItalic r:id="rId20"/>
+      <p:regular r:id="rId16"/>
+      <p:bold r:id="rId17"/>
+      <p:italic r:id="rId18"/>
+      <p:boldItalic r:id="rId19"/>
     </p:embeddedFont>
     <p:embeddedFont>
       <p:font typeface="Montserrat"/>
-      <p:regular r:id="rId21"/>
-      <p:bold r:id="rId22"/>
-      <p:italic r:id="rId23"/>
-      <p:boldItalic r:id="rId24"/>
+      <p:regular r:id="rId20"/>
+      <p:bold r:id="rId21"/>
+      <p:italic r:id="rId22"/>
+      <p:boldItalic r:id="rId23"/>
     </p:embeddedFont>
     <p:embeddedFont>
       <p:font typeface="Montserrat Medium"/>
-      <p:regular r:id="rId25"/>
-      <p:bold r:id="rId26"/>
-      <p:italic r:id="rId27"/>
-      <p:boldItalic r:id="rId28"/>
+      <p:regular r:id="rId24"/>
+      <p:bold r:id="rId25"/>
+      <p:italic r:id="rId26"/>
+      <p:boldItalic r:id="rId27"/>
     </p:embeddedFont>
   </p:embeddedFontLst>
   <p:defaultTextStyle>
@@ -288,6 +287,16 @@
           </p15:clr>
         </p15:guide>
         <p15:guide id="3" pos="2976">
+          <p15:clr>
+            <a:srgbClr val="9AA0A6"/>
+          </p15:clr>
+        </p15:guide>
+        <p15:guide id="4" pos="5443">
+          <p15:clr>
+            <a:srgbClr val="9AA0A6"/>
+          </p15:clr>
+        </p15:guide>
+        <p15:guide id="5" orient="horz" pos="2976">
           <p15:clr>
             <a:srgbClr val="9AA0A6"/>
           </p15:clr>
@@ -828,7 +837,7 @@
   <p:cSld>
     <p:spTree>
       <p:nvGrpSpPr>
-        <p:cNvPr id="132" name="Shape 132"/>
+        <p:cNvPr id="177" name="Shape 177"/>
         <p:cNvGrpSpPr/>
         <p:nvPr/>
       </p:nvGrpSpPr>
@@ -842,7 +851,7 @@
       </p:grpSpPr>
       <p:sp>
         <p:nvSpPr>
-          <p:cNvPr id="133" name="Google Shape;133;g177fbc5d1cc_0_57:notes"/>
+          <p:cNvPr id="178" name="Google Shape;178;g177fbc5d1cc_0_76:notes"/>
           <p:cNvSpPr/>
           <p:nvPr>
             <p:ph idx="2" type="sldImg"/>
@@ -877,106 +886,7 @@
       </p:sp>
       <p:sp>
         <p:nvSpPr>
-          <p:cNvPr id="134" name="Google Shape;134;g177fbc5d1cc_0_57:notes"/>
-          <p:cNvSpPr txBox="1"/>
-          <p:nvPr>
-            <p:ph idx="1" type="body"/>
-          </p:nvPr>
-        </p:nvSpPr>
-        <p:spPr>
-          <a:xfrm>
-            <a:off x="685800" y="4343400"/>
-            <a:ext cx="5486400" cy="4114800"/>
-          </a:xfrm>
-          <a:prstGeom prst="rect">
-            <a:avLst/>
-          </a:prstGeom>
-        </p:spPr>
-        <p:txBody>
-          <a:bodyPr anchorCtr="0" anchor="t" bIns="91425" lIns="91425" spcFirstLastPara="1" rIns="91425" wrap="square" tIns="91425">
-            <a:noAutofit/>
-          </a:bodyPr>
-          <a:lstStyle/>
-          <a:p>
-            <a:pPr indent="0" lvl="0" marL="0" rtl="0" algn="l">
-              <a:spcBef>
-                <a:spcPts val="0"/>
-              </a:spcBef>
-              <a:spcAft>
-                <a:spcPts val="0"/>
-              </a:spcAft>
-              <a:buNone/>
-            </a:pPr>
-            <a:r>
-              <a:t/>
-            </a:r>
-            <a:endParaRPr/>
-          </a:p>
-        </p:txBody>
-      </p:sp>
-    </p:spTree>
-  </p:cSld>
-  <p:clrMapOvr>
-    <a:masterClrMapping/>
-  </p:clrMapOvr>
-</p:notes>
-</file>
-
-<file path=ppt/notesSlides/notesSlide11.xml><?xml version="1.0" encoding="utf-8"?>
-<p:notes xmlns:a="http://schemas.openxmlformats.org/drawingml/2006/main" xmlns:r="http://schemas.openxmlformats.org/officeDocument/2006/relationships" xmlns:mc="http://schemas.openxmlformats.org/markup-compatibility/2006" xmlns:mv="urn:schemas-microsoft-com:mac:vml" xmlns:p="http://schemas.openxmlformats.org/presentationml/2006/main" xmlns:c="http://schemas.openxmlformats.org/drawingml/2006/chart" xmlns:dgm="http://schemas.openxmlformats.org/drawingml/2006/diagram" xmlns:o="urn:schemas-microsoft-com:office:office" xmlns:v="urn:schemas-microsoft-com:vml" xmlns:pvml="urn:schemas-microsoft-com:office:powerpoint" xmlns:com="http://schemas.openxmlformats.org/drawingml/2006/compatibility" xmlns:p14="http://schemas.microsoft.com/office/powerpoint/2010/main" xmlns:p15="http://schemas.microsoft.com/office/powerpoint/2012/main" xmlns:ahyp="http://schemas.microsoft.com/office/drawing/2018/hyperlinkcolor" showMasterPhAnim="0" showMasterSp="0">
-  <p:cSld>
-    <p:spTree>
-      <p:nvGrpSpPr>
-        <p:cNvPr id="147" name="Shape 147"/>
-        <p:cNvGrpSpPr/>
-        <p:nvPr/>
-      </p:nvGrpSpPr>
-      <p:grpSpPr>
-        <a:xfrm>
-          <a:off x="0" y="0"/>
-          <a:ext cx="0" cy="0"/>
-          <a:chOff x="0" y="0"/>
-          <a:chExt cx="0" cy="0"/>
-        </a:xfrm>
-      </p:grpSpPr>
-      <p:sp>
-        <p:nvSpPr>
-          <p:cNvPr id="148" name="Google Shape;148;g177fbc5d1cc_0_76:notes"/>
-          <p:cNvSpPr/>
-          <p:nvPr>
-            <p:ph idx="2" type="sldImg"/>
-          </p:nvPr>
-        </p:nvSpPr>
-        <p:spPr>
-          <a:xfrm>
-            <a:off x="381300" y="685800"/>
-            <a:ext cx="6096000" cy="3429000"/>
-          </a:xfrm>
-          <a:custGeom>
-            <a:rect b="b" l="l" r="r" t="t"/>
-            <a:pathLst>
-              <a:path extrusionOk="0" h="120000" w="120000">
-                <a:moveTo>
-                  <a:pt x="0" y="0"/>
-                </a:moveTo>
-                <a:lnTo>
-                  <a:pt x="120000" y="0"/>
-                </a:lnTo>
-                <a:lnTo>
-                  <a:pt x="120000" y="120000"/>
-                </a:lnTo>
-                <a:lnTo>
-                  <a:pt x="0" y="120000"/>
-                </a:lnTo>
-                <a:close/>
-              </a:path>
-            </a:pathLst>
-          </a:custGeom>
-        </p:spPr>
-      </p:sp>
-      <p:sp>
-        <p:nvSpPr>
-          <p:cNvPr id="149" name="Google Shape;149;g177fbc5d1cc_0_76:notes"/>
+          <p:cNvPr id="179" name="Google Shape;179;g177fbc5d1cc_0_76:notes"/>
           <p:cNvSpPr txBox="1"/>
           <p:nvPr>
             <p:ph idx="1" type="body"/>
@@ -1125,7 +1035,7 @@
   <p:cSld>
     <p:spTree>
       <p:nvGrpSpPr>
-        <p:cNvPr id="73" name="Shape 73"/>
+        <p:cNvPr id="75" name="Shape 75"/>
         <p:cNvGrpSpPr/>
         <p:nvPr/>
       </p:nvGrpSpPr>
@@ -1139,7 +1049,7 @@
       </p:grpSpPr>
       <p:sp>
         <p:nvSpPr>
-          <p:cNvPr id="74" name="Google Shape;74;g177fbc5d1cc_0_10:notes"/>
+          <p:cNvPr id="76" name="Google Shape;76;g177fbc5d1cc_0_10:notes"/>
           <p:cNvSpPr/>
           <p:nvPr>
             <p:ph idx="2" type="sldImg"/>
@@ -1174,7 +1084,7 @@
       </p:sp>
       <p:sp>
         <p:nvSpPr>
-          <p:cNvPr id="75" name="Google Shape;75;g177fbc5d1cc_0_10:notes"/>
+          <p:cNvPr id="77" name="Google Shape;77;g177fbc5d1cc_0_10:notes"/>
           <p:cNvSpPr txBox="1"/>
           <p:nvPr>
             <p:ph idx="1" type="body"/>
@@ -1224,7 +1134,7 @@
   <p:cSld>
     <p:spTree>
       <p:nvGrpSpPr>
-        <p:cNvPr id="80" name="Shape 80"/>
+        <p:cNvPr id="84" name="Shape 84"/>
         <p:cNvGrpSpPr/>
         <p:nvPr/>
       </p:nvGrpSpPr>
@@ -1238,7 +1148,7 @@
       </p:grpSpPr>
       <p:sp>
         <p:nvSpPr>
-          <p:cNvPr id="81" name="Google Shape;81;g177fbc5d1cc_0_15:notes"/>
+          <p:cNvPr id="85" name="Google Shape;85;g177fbc5d1cc_0_43:notes"/>
           <p:cNvSpPr/>
           <p:nvPr>
             <p:ph idx="2" type="sldImg"/>
@@ -1273,7 +1183,7 @@
       </p:sp>
       <p:sp>
         <p:nvSpPr>
-          <p:cNvPr id="82" name="Google Shape;82;g177fbc5d1cc_0_15:notes"/>
+          <p:cNvPr id="86" name="Google Shape;86;g177fbc5d1cc_0_43:notes"/>
           <p:cNvSpPr txBox="1"/>
           <p:nvPr>
             <p:ph idx="1" type="body"/>
@@ -1323,7 +1233,7 @@
   <p:cSld>
     <p:spTree>
       <p:nvGrpSpPr>
-        <p:cNvPr id="87" name="Shape 87"/>
+        <p:cNvPr id="98" name="Shape 98"/>
         <p:cNvGrpSpPr/>
         <p:nvPr/>
       </p:nvGrpSpPr>
@@ -1337,7 +1247,7 @@
       </p:grpSpPr>
       <p:sp>
         <p:nvSpPr>
-          <p:cNvPr id="88" name="Google Shape;88;g177fbc5d1cc_0_43:notes"/>
+          <p:cNvPr id="99" name="Google Shape;99;g1876e1577a6_0_16:notes"/>
           <p:cNvSpPr/>
           <p:nvPr>
             <p:ph idx="2" type="sldImg"/>
@@ -1372,7 +1282,7 @@
       </p:sp>
       <p:sp>
         <p:nvSpPr>
-          <p:cNvPr id="89" name="Google Shape;89;g177fbc5d1cc_0_43:notes"/>
+          <p:cNvPr id="100" name="Google Shape;100;g1876e1577a6_0_16:notes"/>
           <p:cNvSpPr txBox="1"/>
           <p:nvPr>
             <p:ph idx="1" type="body"/>
@@ -1422,7 +1332,7 @@
   <p:cSld>
     <p:spTree>
       <p:nvGrpSpPr>
-        <p:cNvPr id="92" name="Shape 92"/>
+        <p:cNvPr id="108" name="Shape 108"/>
         <p:cNvGrpSpPr/>
         <p:nvPr/>
       </p:nvGrpSpPr>
@@ -1436,7 +1346,7 @@
       </p:grpSpPr>
       <p:sp>
         <p:nvSpPr>
-          <p:cNvPr id="93" name="Google Shape;93;g177fbc5d1cc_0_48:notes"/>
+          <p:cNvPr id="109" name="Google Shape;109;g1876e1577a6_0_26:notes"/>
           <p:cNvSpPr/>
           <p:nvPr>
             <p:ph idx="2" type="sldImg"/>
@@ -1471,7 +1381,7 @@
       </p:sp>
       <p:sp>
         <p:nvSpPr>
-          <p:cNvPr id="94" name="Google Shape;94;g177fbc5d1cc_0_48:notes"/>
+          <p:cNvPr id="110" name="Google Shape;110;g1876e1577a6_0_26:notes"/>
           <p:cNvSpPr txBox="1"/>
           <p:nvPr>
             <p:ph idx="1" type="body"/>
@@ -1521,7 +1431,7 @@
   <p:cSld>
     <p:spTree>
       <p:nvGrpSpPr>
-        <p:cNvPr id="103" name="Shape 103"/>
+        <p:cNvPr id="116" name="Shape 116"/>
         <p:cNvGrpSpPr/>
         <p:nvPr/>
       </p:nvGrpSpPr>
@@ -1535,7 +1445,7 @@
       </p:grpSpPr>
       <p:sp>
         <p:nvSpPr>
-          <p:cNvPr id="104" name="Google Shape;104;g177fbc5d1cc_0_86:notes"/>
+          <p:cNvPr id="117" name="Google Shape;117;g1876e1577a6_0_33:notes"/>
           <p:cNvSpPr/>
           <p:nvPr>
             <p:ph idx="2" type="sldImg"/>
@@ -1570,7 +1480,7 @@
       </p:sp>
       <p:sp>
         <p:nvSpPr>
-          <p:cNvPr id="105" name="Google Shape;105;g177fbc5d1cc_0_86:notes"/>
+          <p:cNvPr id="118" name="Google Shape;118;g1876e1577a6_0_33:notes"/>
           <p:cNvSpPr txBox="1"/>
           <p:nvPr>
             <p:ph idx="1" type="body"/>
@@ -1620,7 +1530,7 @@
   <p:cSld>
     <p:spTree>
       <p:nvGrpSpPr>
-        <p:cNvPr id="113" name="Shape 113"/>
+        <p:cNvPr id="132" name="Shape 132"/>
         <p:cNvGrpSpPr/>
         <p:nvPr/>
       </p:nvGrpSpPr>
@@ -1634,7 +1544,7 @@
       </p:grpSpPr>
       <p:sp>
         <p:nvSpPr>
-          <p:cNvPr id="114" name="Google Shape;114;g177fbc5d1cc_0_95:notes"/>
+          <p:cNvPr id="133" name="Google Shape;133;g177fbc5d1cc_0_57:notes"/>
           <p:cNvSpPr/>
           <p:nvPr>
             <p:ph idx="2" type="sldImg"/>
@@ -1669,7 +1579,7 @@
       </p:sp>
       <p:sp>
         <p:nvSpPr>
-          <p:cNvPr id="115" name="Google Shape;115;g177fbc5d1cc_0_95:notes"/>
+          <p:cNvPr id="134" name="Google Shape;134;g177fbc5d1cc_0_57:notes"/>
           <p:cNvSpPr txBox="1"/>
           <p:nvPr>
             <p:ph idx="1" type="body"/>
@@ -1719,7 +1629,7 @@
   <p:cSld>
     <p:spTree>
       <p:nvGrpSpPr>
-        <p:cNvPr id="124" name="Shape 124"/>
+        <p:cNvPr id="155" name="Shape 155"/>
         <p:cNvGrpSpPr/>
         <p:nvPr/>
       </p:nvGrpSpPr>
@@ -1733,7 +1643,7 @@
       </p:grpSpPr>
       <p:sp>
         <p:nvSpPr>
-          <p:cNvPr id="125" name="Google Shape;125;g177fbc5d1cc_0_109:notes"/>
+          <p:cNvPr id="156" name="Google Shape;156;g1876e1577a6_0_57:notes"/>
           <p:cNvSpPr/>
           <p:nvPr>
             <p:ph idx="2" type="sldImg"/>
@@ -1768,7 +1678,7 @@
       </p:sp>
       <p:sp>
         <p:nvSpPr>
-          <p:cNvPr id="126" name="Google Shape;126;g177fbc5d1cc_0_109:notes"/>
+          <p:cNvPr id="157" name="Google Shape;157;g1876e1577a6_0_57:notes"/>
           <p:cNvSpPr txBox="1"/>
           <p:nvPr>
             <p:ph idx="1" type="body"/>
@@ -6567,7 +6477,7 @@
   <p:cSld>
     <p:spTree>
       <p:nvGrpSpPr>
-        <p:cNvPr id="135" name="Shape 135"/>
+        <p:cNvPr id="180" name="Shape 180"/>
         <p:cNvGrpSpPr/>
         <p:nvPr/>
       </p:nvGrpSpPr>
@@ -6581,545 +6491,7 @@
       </p:grpSpPr>
       <p:sp>
         <p:nvSpPr>
-          <p:cNvPr id="136" name="Google Shape;136;p22"/>
-          <p:cNvSpPr txBox="1"/>
-          <p:nvPr>
-            <p:ph type="title"/>
-          </p:nvPr>
-        </p:nvSpPr>
-        <p:spPr>
-          <a:xfrm>
-            <a:off x="727975" y="240400"/>
-            <a:ext cx="8520600" cy="572700"/>
-          </a:xfrm>
-          <a:prstGeom prst="rect">
-            <a:avLst/>
-          </a:prstGeom>
-        </p:spPr>
-        <p:txBody>
-          <a:bodyPr anchorCtr="0" anchor="t" bIns="91425" lIns="91425" spcFirstLastPara="1" rIns="91425" wrap="square" tIns="91425">
-            <a:normAutofit/>
-          </a:bodyPr>
-          <a:lstStyle/>
-          <a:p>
-            <a:pPr indent="0" lvl="0" marL="0" rtl="0" algn="l">
-              <a:spcBef>
-                <a:spcPts val="0"/>
-              </a:spcBef>
-              <a:spcAft>
-                <a:spcPts val="0"/>
-              </a:spcAft>
-              <a:buSzPts val="990"/>
-              <a:buNone/>
-            </a:pPr>
-            <a:r>
-              <a:rPr lang="ru" sz="1820">
-                <a:solidFill>
-                  <a:srgbClr val="CCCCCC"/>
-                </a:solidFill>
-                <a:latin typeface="Montserrat Medium"/>
-                <a:ea typeface="Montserrat Medium"/>
-                <a:cs typeface="Montserrat Medium"/>
-                <a:sym typeface="Montserrat Medium"/>
-              </a:rPr>
-              <a:t>RoadMap</a:t>
-            </a:r>
-            <a:endParaRPr sz="1820">
-              <a:solidFill>
-                <a:srgbClr val="CCCCCC"/>
-              </a:solidFill>
-              <a:latin typeface="Montserrat Medium"/>
-              <a:ea typeface="Montserrat Medium"/>
-              <a:cs typeface="Montserrat Medium"/>
-              <a:sym typeface="Montserrat Medium"/>
-            </a:endParaRPr>
-          </a:p>
-        </p:txBody>
-      </p:sp>
-      <p:cxnSp>
-        <p:nvCxnSpPr>
-          <p:cNvPr id="137" name="Google Shape;137;p22"/>
-          <p:cNvCxnSpPr/>
-          <p:nvPr/>
-        </p:nvCxnSpPr>
-        <p:spPr>
-          <a:xfrm flipH="1" rot="10800000">
-            <a:off x="812750" y="1989800"/>
-            <a:ext cx="8401800" cy="6900"/>
-          </a:xfrm>
-          <a:prstGeom prst="straightConnector1">
-            <a:avLst/>
-          </a:prstGeom>
-          <a:noFill/>
-          <a:ln cap="flat" cmpd="sng" w="114300">
-            <a:solidFill>
-              <a:srgbClr val="562CEF"/>
-            </a:solidFill>
-            <a:prstDash val="solid"/>
-            <a:round/>
-            <a:headEnd len="med" w="med" type="none"/>
-            <a:tailEnd len="med" w="med" type="none"/>
-          </a:ln>
-        </p:spPr>
-      </p:cxnSp>
-      <p:cxnSp>
-        <p:nvCxnSpPr>
-          <p:cNvPr id="138" name="Google Shape;138;p22"/>
-          <p:cNvCxnSpPr/>
-          <p:nvPr/>
-        </p:nvCxnSpPr>
-        <p:spPr>
-          <a:xfrm rot="10800000">
-            <a:off x="812750" y="1728575"/>
-            <a:ext cx="0" cy="338700"/>
-          </a:xfrm>
-          <a:prstGeom prst="straightConnector1">
-            <a:avLst/>
-          </a:prstGeom>
-          <a:noFill/>
-          <a:ln cap="flat" cmpd="sng" w="38100">
-            <a:solidFill>
-              <a:schemeClr val="lt1"/>
-            </a:solidFill>
-            <a:prstDash val="solid"/>
-            <a:round/>
-            <a:headEnd len="med" w="med" type="none"/>
-            <a:tailEnd len="med" w="med" type="oval"/>
-          </a:ln>
-        </p:spPr>
-      </p:cxnSp>
-      <p:cxnSp>
-        <p:nvCxnSpPr>
-          <p:cNvPr id="139" name="Google Shape;139;p22"/>
-          <p:cNvCxnSpPr>
-            <a:stCxn id="140" idx="2"/>
-          </p:cNvCxnSpPr>
-          <p:nvPr/>
-        </p:nvCxnSpPr>
-        <p:spPr>
-          <a:xfrm>
-            <a:off x="3025383" y="1940375"/>
-            <a:ext cx="0" cy="345600"/>
-          </a:xfrm>
-          <a:prstGeom prst="straightConnector1">
-            <a:avLst/>
-          </a:prstGeom>
-          <a:noFill/>
-          <a:ln cap="flat" cmpd="sng" w="38100">
-            <a:solidFill>
-              <a:schemeClr val="lt1"/>
-            </a:solidFill>
-            <a:prstDash val="solid"/>
-            <a:round/>
-            <a:headEnd len="med" w="med" type="none"/>
-            <a:tailEnd len="med" w="med" type="oval"/>
-          </a:ln>
-        </p:spPr>
-      </p:cxnSp>
-      <p:cxnSp>
-        <p:nvCxnSpPr>
-          <p:cNvPr id="141" name="Google Shape;141;p22"/>
-          <p:cNvCxnSpPr>
-            <a:stCxn id="142" idx="0"/>
-          </p:cNvCxnSpPr>
-          <p:nvPr/>
-        </p:nvCxnSpPr>
-        <p:spPr>
-          <a:xfrm rot="10800000">
-            <a:off x="5477874" y="1728450"/>
-            <a:ext cx="0" cy="323100"/>
-          </a:xfrm>
-          <a:prstGeom prst="straightConnector1">
-            <a:avLst/>
-          </a:prstGeom>
-          <a:noFill/>
-          <a:ln cap="flat" cmpd="sng" w="38100">
-            <a:solidFill>
-              <a:schemeClr val="lt1"/>
-            </a:solidFill>
-            <a:prstDash val="solid"/>
-            <a:round/>
-            <a:headEnd len="med" w="med" type="none"/>
-            <a:tailEnd len="med" w="med" type="oval"/>
-          </a:ln>
-        </p:spPr>
-      </p:cxnSp>
-      <p:sp>
-        <p:nvSpPr>
-          <p:cNvPr id="143" name="Google Shape;143;p22"/>
-          <p:cNvSpPr txBox="1"/>
-          <p:nvPr/>
-        </p:nvSpPr>
-        <p:spPr>
-          <a:xfrm>
-            <a:off x="246925" y="1262975"/>
-            <a:ext cx="2420100" cy="492600"/>
-          </a:xfrm>
-          <a:prstGeom prst="rect">
-            <a:avLst/>
-          </a:prstGeom>
-          <a:noFill/>
-          <a:ln>
-            <a:noFill/>
-          </a:ln>
-        </p:spPr>
-        <p:txBody>
-          <a:bodyPr anchorCtr="0" anchor="t" bIns="91425" lIns="91425" spcFirstLastPara="1" rIns="91425" wrap="square" tIns="91425">
-            <a:spAutoFit/>
-          </a:bodyPr>
-          <a:lstStyle/>
-          <a:p>
-            <a:pPr indent="0" lvl="0" marL="0" rtl="0" algn="l">
-              <a:spcBef>
-                <a:spcPts val="0"/>
-              </a:spcBef>
-              <a:spcAft>
-                <a:spcPts val="0"/>
-              </a:spcAft>
-              <a:buNone/>
-            </a:pPr>
-            <a:r>
-              <a:rPr lang="ru" sz="1000">
-                <a:solidFill>
-                  <a:schemeClr val="lt1"/>
-                </a:solidFill>
-                <a:latin typeface="Montserrat"/>
-                <a:ea typeface="Montserrat"/>
-                <a:cs typeface="Montserrat"/>
-                <a:sym typeface="Montserrat"/>
-              </a:rPr>
-              <a:t>Создание MVP и начало тестирования на ЦА</a:t>
-            </a:r>
-            <a:endParaRPr sz="1000">
-              <a:solidFill>
-                <a:schemeClr val="lt1"/>
-              </a:solidFill>
-              <a:latin typeface="Montserrat"/>
-              <a:ea typeface="Montserrat"/>
-              <a:cs typeface="Montserrat"/>
-              <a:sym typeface="Montserrat"/>
-            </a:endParaRPr>
-          </a:p>
-        </p:txBody>
-      </p:sp>
-      <p:sp>
-        <p:nvSpPr>
-          <p:cNvPr id="144" name="Google Shape;144;p22"/>
-          <p:cNvSpPr txBox="1"/>
-          <p:nvPr/>
-        </p:nvSpPr>
-        <p:spPr>
-          <a:xfrm>
-            <a:off x="246925" y="2051550"/>
-            <a:ext cx="1244700" cy="338700"/>
-          </a:xfrm>
-          <a:prstGeom prst="rect">
-            <a:avLst/>
-          </a:prstGeom>
-          <a:noFill/>
-          <a:ln>
-            <a:noFill/>
-          </a:ln>
-        </p:spPr>
-        <p:txBody>
-          <a:bodyPr anchorCtr="0" anchor="t" bIns="91425" lIns="91425" spcFirstLastPara="1" rIns="91425" wrap="square" tIns="91425">
-            <a:spAutoFit/>
-          </a:bodyPr>
-          <a:lstStyle/>
-          <a:p>
-            <a:pPr indent="0" lvl="0" marL="0" rtl="0" algn="l">
-              <a:spcBef>
-                <a:spcPts val="0"/>
-              </a:spcBef>
-              <a:spcAft>
-                <a:spcPts val="0"/>
-              </a:spcAft>
-              <a:buNone/>
-            </a:pPr>
-            <a:r>
-              <a:rPr lang="ru" sz="1000">
-                <a:solidFill>
-                  <a:srgbClr val="999999"/>
-                </a:solidFill>
-                <a:latin typeface="Montserrat"/>
-                <a:ea typeface="Montserrat"/>
-                <a:cs typeface="Montserrat"/>
-                <a:sym typeface="Montserrat"/>
-              </a:rPr>
-              <a:t>Декабрь 2022</a:t>
-            </a:r>
-            <a:endParaRPr sz="1000">
-              <a:solidFill>
-                <a:srgbClr val="999999"/>
-              </a:solidFill>
-              <a:latin typeface="Montserrat"/>
-              <a:ea typeface="Montserrat"/>
-              <a:cs typeface="Montserrat"/>
-              <a:sym typeface="Montserrat"/>
-            </a:endParaRPr>
-          </a:p>
-        </p:txBody>
-      </p:sp>
-      <p:sp>
-        <p:nvSpPr>
-          <p:cNvPr id="140" name="Google Shape;140;p22"/>
-          <p:cNvSpPr txBox="1"/>
-          <p:nvPr/>
-        </p:nvSpPr>
-        <p:spPr>
-          <a:xfrm>
-            <a:off x="2614683" y="1601675"/>
-            <a:ext cx="821400" cy="338700"/>
-          </a:xfrm>
-          <a:prstGeom prst="rect">
-            <a:avLst/>
-          </a:prstGeom>
-          <a:noFill/>
-          <a:ln>
-            <a:noFill/>
-          </a:ln>
-        </p:spPr>
-        <p:txBody>
-          <a:bodyPr anchorCtr="0" anchor="t" bIns="91425" lIns="91425" spcFirstLastPara="1" rIns="91425" wrap="square" tIns="91425">
-            <a:spAutoFit/>
-          </a:bodyPr>
-          <a:lstStyle/>
-          <a:p>
-            <a:pPr indent="0" lvl="0" marL="0" rtl="0" algn="l">
-              <a:spcBef>
-                <a:spcPts val="0"/>
-              </a:spcBef>
-              <a:spcAft>
-                <a:spcPts val="0"/>
-              </a:spcAft>
-              <a:buNone/>
-            </a:pPr>
-            <a:r>
-              <a:rPr lang="ru" sz="1000">
-                <a:solidFill>
-                  <a:srgbClr val="999999"/>
-                </a:solidFill>
-                <a:latin typeface="Montserrat"/>
-                <a:ea typeface="Montserrat"/>
-                <a:cs typeface="Montserrat"/>
-                <a:sym typeface="Montserrat"/>
-              </a:rPr>
-              <a:t>Май 2023</a:t>
-            </a:r>
-            <a:endParaRPr sz="1000">
-              <a:solidFill>
-                <a:srgbClr val="999999"/>
-              </a:solidFill>
-              <a:latin typeface="Montserrat"/>
-              <a:ea typeface="Montserrat"/>
-              <a:cs typeface="Montserrat"/>
-              <a:sym typeface="Montserrat"/>
-            </a:endParaRPr>
-          </a:p>
-        </p:txBody>
-      </p:sp>
-      <p:sp>
-        <p:nvSpPr>
-          <p:cNvPr id="145" name="Google Shape;145;p22"/>
-          <p:cNvSpPr txBox="1"/>
-          <p:nvPr/>
-        </p:nvSpPr>
-        <p:spPr>
-          <a:xfrm>
-            <a:off x="1815325" y="2438425"/>
-            <a:ext cx="2735400" cy="492600"/>
-          </a:xfrm>
-          <a:prstGeom prst="rect">
-            <a:avLst/>
-          </a:prstGeom>
-          <a:noFill/>
-          <a:ln>
-            <a:noFill/>
-          </a:ln>
-        </p:spPr>
-        <p:txBody>
-          <a:bodyPr anchorCtr="0" anchor="t" bIns="91425" lIns="91425" spcFirstLastPara="1" rIns="91425" wrap="square" tIns="91425">
-            <a:spAutoFit/>
-          </a:bodyPr>
-          <a:lstStyle/>
-          <a:p>
-            <a:pPr indent="0" lvl="0" marL="0" rtl="0" algn="l">
-              <a:spcBef>
-                <a:spcPts val="0"/>
-              </a:spcBef>
-              <a:spcAft>
-                <a:spcPts val="0"/>
-              </a:spcAft>
-              <a:buNone/>
-            </a:pPr>
-            <a:r>
-              <a:rPr lang="ru" sz="1000">
-                <a:solidFill>
-                  <a:schemeClr val="lt1"/>
-                </a:solidFill>
-                <a:latin typeface="Montserrat"/>
-                <a:ea typeface="Montserrat"/>
-                <a:cs typeface="Montserrat"/>
-                <a:sym typeface="Montserrat"/>
-              </a:rPr>
-              <a:t>Изучение результатов тестирования и добавления функционала</a:t>
-            </a:r>
-            <a:endParaRPr sz="1000">
-              <a:solidFill>
-                <a:schemeClr val="lt1"/>
-              </a:solidFill>
-              <a:latin typeface="Montserrat"/>
-              <a:ea typeface="Montserrat"/>
-              <a:cs typeface="Montserrat"/>
-              <a:sym typeface="Montserrat"/>
-            </a:endParaRPr>
-          </a:p>
-        </p:txBody>
-      </p:sp>
-      <p:sp>
-        <p:nvSpPr>
-          <p:cNvPr id="142" name="Google Shape;142;p22"/>
-          <p:cNvSpPr txBox="1"/>
-          <p:nvPr/>
-        </p:nvSpPr>
-        <p:spPr>
-          <a:xfrm>
-            <a:off x="4998774" y="2051550"/>
-            <a:ext cx="958200" cy="338700"/>
-          </a:xfrm>
-          <a:prstGeom prst="rect">
-            <a:avLst/>
-          </a:prstGeom>
-          <a:noFill/>
-          <a:ln>
-            <a:noFill/>
-          </a:ln>
-        </p:spPr>
-        <p:txBody>
-          <a:bodyPr anchorCtr="0" anchor="t" bIns="91425" lIns="91425" spcFirstLastPara="1" rIns="91425" wrap="square" tIns="91425">
-            <a:spAutoFit/>
-          </a:bodyPr>
-          <a:lstStyle/>
-          <a:p>
-            <a:pPr indent="0" lvl="0" marL="0" rtl="0" algn="l">
-              <a:spcBef>
-                <a:spcPts val="0"/>
-              </a:spcBef>
-              <a:spcAft>
-                <a:spcPts val="0"/>
-              </a:spcAft>
-              <a:buNone/>
-            </a:pPr>
-            <a:r>
-              <a:rPr lang="ru" sz="1000">
-                <a:solidFill>
-                  <a:srgbClr val="999999"/>
-                </a:solidFill>
-                <a:latin typeface="Montserrat"/>
-                <a:ea typeface="Montserrat"/>
-                <a:cs typeface="Montserrat"/>
-                <a:sym typeface="Montserrat"/>
-              </a:rPr>
-              <a:t>Август 2023</a:t>
-            </a:r>
-            <a:endParaRPr sz="1000">
-              <a:solidFill>
-                <a:srgbClr val="999999"/>
-              </a:solidFill>
-              <a:latin typeface="Montserrat"/>
-              <a:ea typeface="Montserrat"/>
-              <a:cs typeface="Montserrat"/>
-              <a:sym typeface="Montserrat"/>
-            </a:endParaRPr>
-          </a:p>
-        </p:txBody>
-      </p:sp>
-      <p:sp>
-        <p:nvSpPr>
-          <p:cNvPr id="146" name="Google Shape;146;p22"/>
-          <p:cNvSpPr txBox="1"/>
-          <p:nvPr/>
-        </p:nvSpPr>
-        <p:spPr>
-          <a:xfrm>
-            <a:off x="4386175" y="1262975"/>
-            <a:ext cx="2183400" cy="492600"/>
-          </a:xfrm>
-          <a:prstGeom prst="rect">
-            <a:avLst/>
-          </a:prstGeom>
-          <a:noFill/>
-          <a:ln>
-            <a:noFill/>
-          </a:ln>
-        </p:spPr>
-        <p:txBody>
-          <a:bodyPr anchorCtr="0" anchor="t" bIns="91425" lIns="91425" spcFirstLastPara="1" rIns="91425" wrap="square" tIns="91425">
-            <a:spAutoFit/>
-          </a:bodyPr>
-          <a:lstStyle/>
-          <a:p>
-            <a:pPr indent="0" lvl="0" marL="0" rtl="0" algn="l">
-              <a:spcBef>
-                <a:spcPts val="0"/>
-              </a:spcBef>
-              <a:spcAft>
-                <a:spcPts val="0"/>
-              </a:spcAft>
-              <a:buNone/>
-            </a:pPr>
-            <a:r>
-              <a:rPr lang="ru" sz="1000">
-                <a:solidFill>
-                  <a:schemeClr val="lt1"/>
-                </a:solidFill>
-                <a:latin typeface="Montserrat"/>
-                <a:ea typeface="Montserrat"/>
-                <a:cs typeface="Montserrat"/>
-                <a:sym typeface="Montserrat"/>
-              </a:rPr>
-              <a:t>Представление продукта потенциальным инвесторам </a:t>
-            </a:r>
-            <a:endParaRPr sz="1000">
-              <a:solidFill>
-                <a:schemeClr val="lt1"/>
-              </a:solidFill>
-              <a:latin typeface="Montserrat"/>
-              <a:ea typeface="Montserrat"/>
-              <a:cs typeface="Montserrat"/>
-              <a:sym typeface="Montserrat"/>
-            </a:endParaRPr>
-          </a:p>
-        </p:txBody>
-      </p:sp>
-    </p:spTree>
-  </p:cSld>
-  <p:clrMapOvr>
-    <a:masterClrMapping/>
-  </p:clrMapOvr>
-</p:sld>
-</file>
-
-<file path=ppt/slides/slide11.xml><?xml version="1.0" encoding="utf-8"?>
-<p:sld xmlns:a="http://schemas.openxmlformats.org/drawingml/2006/main" xmlns:r="http://schemas.openxmlformats.org/officeDocument/2006/relationships" xmlns:mc="http://schemas.openxmlformats.org/markup-compatibility/2006" xmlns:mv="urn:schemas-microsoft-com:mac:vml" xmlns:p="http://schemas.openxmlformats.org/presentationml/2006/main" xmlns:c="http://schemas.openxmlformats.org/drawingml/2006/chart" xmlns:dgm="http://schemas.openxmlformats.org/drawingml/2006/diagram" xmlns:o="urn:schemas-microsoft-com:office:office" xmlns:v="urn:schemas-microsoft-com:vml" xmlns:pvml="urn:schemas-microsoft-com:office:powerpoint" xmlns:com="http://schemas.openxmlformats.org/drawingml/2006/compatibility" xmlns:p14="http://schemas.microsoft.com/office/powerpoint/2010/main" xmlns:p15="http://schemas.microsoft.com/office/powerpoint/2012/main" xmlns:ahyp="http://schemas.microsoft.com/office/drawing/2018/hyperlinkcolor">
-  <p:cSld>
-    <p:spTree>
-      <p:nvGrpSpPr>
-        <p:cNvPr id="150" name="Shape 150"/>
-        <p:cNvGrpSpPr/>
-        <p:nvPr/>
-      </p:nvGrpSpPr>
-      <p:grpSpPr>
-        <a:xfrm>
-          <a:off x="0" y="0"/>
-          <a:ext cx="0" cy="0"/>
-          <a:chOff x="0" y="0"/>
-          <a:chExt cx="0" cy="0"/>
-        </a:xfrm>
-      </p:grpSpPr>
-      <p:sp>
-        <p:nvSpPr>
-          <p:cNvPr id="151" name="Google Shape;151;p23"/>
+          <p:cNvPr id="181" name="Google Shape;181;p22"/>
           <p:cNvSpPr txBox="1"/>
           <p:nvPr>
             <p:ph idx="1" type="body"/>
@@ -7228,9 +6600,18 @@
               <a:buNone/>
             </a:pPr>
             <a:r>
-              <a:t/>
-            </a:r>
-            <a:endParaRPr sz="2500">
+              <a:rPr lang="ru" sz="1200">
+                <a:solidFill>
+                  <a:schemeClr val="lt1"/>
+                </a:solidFill>
+                <a:latin typeface="Montserrat Medium"/>
+                <a:ea typeface="Montserrat Medium"/>
+                <a:cs typeface="Montserrat Medium"/>
+                <a:sym typeface="Montserrat Medium"/>
+              </a:rPr>
+              <a:t>tg: @DFCZok</a:t>
+            </a:r>
+            <a:endParaRPr sz="1200">
               <a:solidFill>
                 <a:schemeClr val="lt1"/>
               </a:solidFill>
@@ -7246,12 +6627,12 @@
                 <a:spcPts val="1200"/>
               </a:spcBef>
               <a:spcAft>
-                <a:spcPts val="1200"/>
-              </a:spcAft>
-              <a:buNone/>
-            </a:pPr>
-            <a:r>
-              <a:rPr lang="ru" sz="2500">
+                <a:spcPts val="0"/>
+              </a:spcAft>
+              <a:buNone/>
+            </a:pPr>
+            <a:r>
+              <a:rPr lang="ru" sz="1200">
                 <a:solidFill>
                   <a:schemeClr val="lt1"/>
                 </a:solidFill>
@@ -7260,10 +6641,30 @@
                 <a:cs typeface="Montserrat Medium"/>
                 <a:sym typeface="Montserrat Medium"/>
               </a:rPr>
-              <a:t>    </a:t>
-            </a:r>
-            <a:r>
-              <a:rPr lang="ru" sz="1000">
+              <a:t>+7 (913) 919-96-67   </a:t>
+            </a:r>
+            <a:endParaRPr sz="1200">
+              <a:solidFill>
+                <a:schemeClr val="lt1"/>
+              </a:solidFill>
+              <a:latin typeface="Montserrat Medium"/>
+              <a:ea typeface="Montserrat Medium"/>
+              <a:cs typeface="Montserrat Medium"/>
+              <a:sym typeface="Montserrat Medium"/>
+            </a:endParaRPr>
+          </a:p>
+          <a:p>
+            <a:pPr indent="0" lvl="0" marL="0" rtl="0" algn="l">
+              <a:spcBef>
+                <a:spcPts val="1200"/>
+              </a:spcBef>
+              <a:spcAft>
+                <a:spcPts val="0"/>
+              </a:spcAft>
+              <a:buNone/>
+            </a:pPr>
+            <a:r>
+              <a:rPr lang="ru" sz="1200">
                 <a:solidFill>
                   <a:schemeClr val="lt1"/>
                 </a:solidFill>
@@ -7274,6 +6675,29 @@
               </a:rPr>
               <a:t>v.lopatkin1@g.nsu.ru</a:t>
             </a:r>
+            <a:endParaRPr sz="1200">
+              <a:solidFill>
+                <a:schemeClr val="lt1"/>
+              </a:solidFill>
+              <a:latin typeface="Montserrat Medium"/>
+              <a:ea typeface="Montserrat Medium"/>
+              <a:cs typeface="Montserrat Medium"/>
+              <a:sym typeface="Montserrat Medium"/>
+            </a:endParaRPr>
+          </a:p>
+          <a:p>
+            <a:pPr indent="0" lvl="0" marL="0" rtl="0" algn="l">
+              <a:spcBef>
+                <a:spcPts val="1200"/>
+              </a:spcBef>
+              <a:spcAft>
+                <a:spcPts val="1200"/>
+              </a:spcAft>
+              <a:buNone/>
+            </a:pPr>
+            <a:r>
+              <a:t/>
+            </a:r>
             <a:endParaRPr sz="1000">
               <a:solidFill>
                 <a:schemeClr val="lt1"/>
@@ -7286,34 +6710,6 @@
           </a:p>
         </p:txBody>
       </p:sp>
-      <p:pic>
-        <p:nvPicPr>
-          <p:cNvPr id="152" name="Google Shape;152;p23"/>
-          <p:cNvPicPr preferRelativeResize="0"/>
-          <p:nvPr/>
-        </p:nvPicPr>
-        <p:blipFill>
-          <a:blip r:embed="rId3">
-            <a:alphaModFix/>
-          </a:blip>
-          <a:stretch>
-            <a:fillRect/>
-          </a:stretch>
-        </p:blipFill>
-        <p:spPr>
-          <a:xfrm>
-            <a:off x="884750" y="3735975"/>
-            <a:ext cx="258225" cy="258225"/>
-          </a:xfrm>
-          <a:prstGeom prst="rect">
-            <a:avLst/>
-          </a:prstGeom>
-          <a:noFill/>
-          <a:ln>
-            <a:noFill/>
-          </a:ln>
-        </p:spPr>
-      </p:pic>
     </p:spTree>
   </p:cSld>
   <p:clrMapOvr>
@@ -7404,7 +6800,7 @@
         </p:nvSpPr>
         <p:spPr>
           <a:xfrm>
-            <a:off x="853700" y="1645300"/>
+            <a:off x="853700" y="1017800"/>
             <a:ext cx="296400" cy="296400"/>
           </a:xfrm>
           <a:prstGeom prst="ellipse">
@@ -7453,7 +6849,7 @@
         </p:nvSpPr>
         <p:spPr>
           <a:xfrm>
-            <a:off x="853700" y="3129825"/>
+            <a:off x="853700" y="2557175"/>
             <a:ext cx="296400" cy="296400"/>
           </a:xfrm>
           <a:prstGeom prst="ellipse">
@@ -7502,7 +6898,7 @@
         </p:nvSpPr>
         <p:spPr>
           <a:xfrm>
-            <a:off x="4770950" y="1645300"/>
+            <a:off x="4770950" y="1017800"/>
             <a:ext cx="296400" cy="296400"/>
           </a:xfrm>
           <a:prstGeom prst="ellipse">
@@ -7551,7 +6947,7 @@
         </p:nvSpPr>
         <p:spPr>
           <a:xfrm>
-            <a:off x="4770950" y="3129825"/>
+            <a:off x="4724400" y="2557175"/>
             <a:ext cx="296400" cy="296400"/>
           </a:xfrm>
           <a:prstGeom prst="ellipse">
@@ -7600,8 +6996,8 @@
         </p:nvSpPr>
         <p:spPr>
           <a:xfrm>
-            <a:off x="853700" y="1645300"/>
-            <a:ext cx="296400" cy="307800"/>
+            <a:off x="853700" y="996650"/>
+            <a:ext cx="296400" cy="338700"/>
           </a:xfrm>
           <a:prstGeom prst="rect">
             <a:avLst/>
@@ -7627,7 +7023,7 @@
               <a:buNone/>
             </a:pPr>
             <a:r>
-              <a:rPr lang="ru" sz="800">
+              <a:rPr lang="ru" sz="1000">
                 <a:solidFill>
                   <a:schemeClr val="lt1"/>
                 </a:solidFill>
@@ -7638,7 +7034,7 @@
               </a:rPr>
               <a:t>1</a:t>
             </a:r>
-            <a:endParaRPr sz="800">
+            <a:endParaRPr sz="1000">
               <a:solidFill>
                 <a:schemeClr val="lt1"/>
               </a:solidFill>
@@ -7658,8 +7054,8 @@
         </p:nvSpPr>
         <p:spPr>
           <a:xfrm>
-            <a:off x="853700" y="3124125"/>
-            <a:ext cx="296400" cy="307800"/>
+            <a:off x="853700" y="2536025"/>
+            <a:ext cx="296400" cy="338700"/>
           </a:xfrm>
           <a:prstGeom prst="rect">
             <a:avLst/>
@@ -7685,7 +7081,7 @@
               <a:buNone/>
             </a:pPr>
             <a:r>
-              <a:rPr lang="ru" sz="800">
+              <a:rPr lang="ru" sz="1000">
                 <a:solidFill>
                   <a:schemeClr val="lt1"/>
                 </a:solidFill>
@@ -7696,7 +7092,7 @@
               </a:rPr>
               <a:t>2</a:t>
             </a:r>
-            <a:endParaRPr sz="800">
+            <a:endParaRPr sz="1000">
               <a:solidFill>
                 <a:schemeClr val="lt1"/>
               </a:solidFill>
@@ -7716,8 +7112,8 @@
         </p:nvSpPr>
         <p:spPr>
           <a:xfrm>
-            <a:off x="4770950" y="1645300"/>
-            <a:ext cx="296400" cy="307800"/>
+            <a:off x="4770950" y="996650"/>
+            <a:ext cx="296400" cy="338700"/>
           </a:xfrm>
           <a:prstGeom prst="rect">
             <a:avLst/>
@@ -7743,7 +7139,7 @@
               <a:buNone/>
             </a:pPr>
             <a:r>
-              <a:rPr lang="ru" sz="800">
+              <a:rPr lang="ru" sz="1000">
                 <a:solidFill>
                   <a:schemeClr val="lt1"/>
                 </a:solidFill>
@@ -7754,7 +7150,7 @@
               </a:rPr>
               <a:t>3</a:t>
             </a:r>
-            <a:endParaRPr sz="800">
+            <a:endParaRPr sz="1000">
               <a:solidFill>
                 <a:schemeClr val="lt1"/>
               </a:solidFill>
@@ -7774,8 +7170,8 @@
         </p:nvSpPr>
         <p:spPr>
           <a:xfrm>
-            <a:off x="4770950" y="3124125"/>
-            <a:ext cx="296400" cy="307800"/>
+            <a:off x="4724400" y="2536025"/>
+            <a:ext cx="296400" cy="338700"/>
           </a:xfrm>
           <a:prstGeom prst="rect">
             <a:avLst/>
@@ -7801,7 +7197,7 @@
               <a:buNone/>
             </a:pPr>
             <a:r>
-              <a:rPr lang="ru" sz="800">
+              <a:rPr lang="ru" sz="1000">
                 <a:solidFill>
                   <a:schemeClr val="lt1"/>
                 </a:solidFill>
@@ -7812,7 +7208,7 @@
               </a:rPr>
               <a:t>4</a:t>
             </a:r>
-            <a:endParaRPr sz="800">
+            <a:endParaRPr sz="1000">
               <a:solidFill>
                 <a:schemeClr val="lt1"/>
               </a:solidFill>
@@ -7832,8 +7228,8 @@
         </p:nvSpPr>
         <p:spPr>
           <a:xfrm>
-            <a:off x="1213525" y="1651000"/>
-            <a:ext cx="2709300" cy="800400"/>
+            <a:off x="1213525" y="1017800"/>
+            <a:ext cx="3065700" cy="1262100"/>
           </a:xfrm>
           <a:prstGeom prst="rect">
             <a:avLst/>
@@ -7859,7 +7255,7 @@
               <a:buNone/>
             </a:pPr>
             <a:r>
-              <a:rPr lang="ru" sz="1000">
+              <a:rPr lang="ru">
                 <a:solidFill>
                   <a:schemeClr val="lt1"/>
                 </a:solidFill>
@@ -7870,7 +7266,7 @@
               </a:rPr>
               <a:t>Регистрация в различных сервисах для одноразового пользования, но там нужно оставлять свой номер телефона или почту.</a:t>
             </a:r>
-            <a:endParaRPr sz="1000">
+            <a:endParaRPr>
               <a:solidFill>
                 <a:schemeClr val="lt1"/>
               </a:solidFill>
@@ -7890,7 +7286,7 @@
         </p:nvSpPr>
         <p:spPr>
           <a:xfrm>
-            <a:off x="2307175" y="1989675"/>
+            <a:off x="2307175" y="1362175"/>
             <a:ext cx="4064100" cy="400200"/>
           </a:xfrm>
           <a:prstGeom prst="rect">
@@ -7931,8 +7327,8 @@
         </p:nvSpPr>
         <p:spPr>
           <a:xfrm>
-            <a:off x="1213525" y="3124125"/>
-            <a:ext cx="2709300" cy="800400"/>
+            <a:off x="1213525" y="2517650"/>
+            <a:ext cx="3065700" cy="1262100"/>
           </a:xfrm>
           <a:prstGeom prst="rect">
             <a:avLst/>
@@ -7958,7 +7354,7 @@
               <a:buNone/>
             </a:pPr>
             <a:r>
-              <a:rPr lang="ru" sz="1000">
+              <a:rPr lang="ru">
                 <a:solidFill>
                   <a:schemeClr val="lt1"/>
                 </a:solidFill>
@@ -7970,7 +7366,7 @@
               <a:t>Единоразовое общение с другим человеком, </a:t>
             </a:r>
             <a:r>
-              <a:rPr lang="ru" sz="1000">
+              <a:rPr lang="ru">
                 <a:solidFill>
                   <a:schemeClr val="lt1"/>
                 </a:solidFill>
@@ -7982,7 +7378,7 @@
               <a:t>которому</a:t>
             </a:r>
             <a:r>
-              <a:rPr lang="ru" sz="1000">
+              <a:rPr lang="ru">
                 <a:solidFill>
                   <a:schemeClr val="lt1"/>
                 </a:solidFill>
@@ -7993,7 +7389,7 @@
               </a:rPr>
               <a:t> не хочется оставлять возможность пообщаться с вами еще раз.</a:t>
             </a:r>
-            <a:endParaRPr sz="1000">
+            <a:endParaRPr>
               <a:solidFill>
                 <a:schemeClr val="lt1"/>
               </a:solidFill>
@@ -8013,8 +7409,8 @@
         </p:nvSpPr>
         <p:spPr>
           <a:xfrm>
-            <a:off x="5140675" y="1651000"/>
-            <a:ext cx="2709300" cy="800400"/>
+            <a:off x="5140675" y="1023500"/>
+            <a:ext cx="3357900" cy="1262100"/>
           </a:xfrm>
           <a:prstGeom prst="rect">
             <a:avLst/>
@@ -8040,7 +7436,7 @@
               <a:buNone/>
             </a:pPr>
             <a:r>
-              <a:rPr lang="ru" sz="1000">
+              <a:rPr lang="ru">
                 <a:solidFill>
                   <a:schemeClr val="lt1"/>
                 </a:solidFill>
@@ -8051,7 +7447,7 @@
               </a:rPr>
               <a:t>Не все сервисы предоставляют возможность создания подменного номера при публикации ваших контактов в сети. </a:t>
             </a:r>
-            <a:endParaRPr sz="1000">
+            <a:endParaRPr>
               <a:solidFill>
                 <a:schemeClr val="lt1"/>
               </a:solidFill>
@@ -8071,8 +7467,8 @@
         </p:nvSpPr>
         <p:spPr>
           <a:xfrm>
-            <a:off x="5140675" y="3084600"/>
-            <a:ext cx="2709300" cy="492600"/>
+            <a:off x="5094125" y="2511950"/>
+            <a:ext cx="3404400" cy="831300"/>
           </a:xfrm>
           <a:prstGeom prst="rect">
             <a:avLst/>
@@ -8098,7 +7494,7 @@
               <a:buNone/>
             </a:pPr>
             <a:r>
-              <a:rPr lang="ru" sz="1000">
+              <a:rPr lang="ru">
                 <a:solidFill>
                   <a:schemeClr val="lt1"/>
                 </a:solidFill>
@@ -8109,7 +7505,7 @@
               </a:rPr>
               <a:t>Спам и нежелательные звонки после публикации своих контактов.</a:t>
             </a:r>
-            <a:endParaRPr sz="1000">
+            <a:endParaRPr>
               <a:solidFill>
                 <a:schemeClr val="lt1"/>
               </a:solidFill>
@@ -8117,6 +7513,113 @@
               <a:ea typeface="Montserrat"/>
               <a:cs typeface="Montserrat"/>
               <a:sym typeface="Montserrat"/>
+            </a:endParaRPr>
+          </a:p>
+        </p:txBody>
+      </p:sp>
+      <p:sp>
+        <p:nvSpPr>
+          <p:cNvPr id="73" name="Google Shape;73;p14"/>
+          <p:cNvSpPr/>
+          <p:nvPr/>
+        </p:nvSpPr>
+        <p:spPr>
+          <a:xfrm>
+            <a:off x="8491800" y="4576850"/>
+            <a:ext cx="296400" cy="296400"/>
+          </a:xfrm>
+          <a:prstGeom prst="ellipse">
+            <a:avLst/>
+          </a:prstGeom>
+          <a:solidFill>
+            <a:srgbClr val="562CEF"/>
+          </a:solidFill>
+          <a:ln cap="flat" cmpd="sng" w="9525">
+            <a:solidFill>
+              <a:srgbClr val="562CEF"/>
+            </a:solidFill>
+            <a:prstDash val="solid"/>
+            <a:round/>
+            <a:headEnd len="sm" w="sm" type="none"/>
+            <a:tailEnd len="sm" w="sm" type="none"/>
+          </a:ln>
+        </p:spPr>
+        <p:txBody>
+          <a:bodyPr anchorCtr="0" anchor="ctr" bIns="91425" lIns="91425" spcFirstLastPara="1" rIns="91425" wrap="square" tIns="91425">
+            <a:noAutofit/>
+          </a:bodyPr>
+          <a:lstStyle/>
+          <a:p>
+            <a:pPr indent="0" lvl="0" marL="0" rtl="0" algn="l">
+              <a:spcBef>
+                <a:spcPts val="0"/>
+              </a:spcBef>
+              <a:spcAft>
+                <a:spcPts val="0"/>
+              </a:spcAft>
+              <a:buNone/>
+            </a:pPr>
+            <a:r>
+              <a:t/>
+            </a:r>
+            <a:endParaRPr/>
+          </a:p>
+        </p:txBody>
+      </p:sp>
+      <p:sp>
+        <p:nvSpPr>
+          <p:cNvPr id="74" name="Google Shape;74;p14"/>
+          <p:cNvSpPr txBox="1"/>
+          <p:nvPr/>
+        </p:nvSpPr>
+        <p:spPr>
+          <a:xfrm>
+            <a:off x="8491800" y="4555700"/>
+            <a:ext cx="296400" cy="338700"/>
+          </a:xfrm>
+          <a:prstGeom prst="rect">
+            <a:avLst/>
+          </a:prstGeom>
+          <a:noFill/>
+          <a:ln>
+            <a:noFill/>
+          </a:ln>
+        </p:spPr>
+        <p:txBody>
+          <a:bodyPr anchorCtr="0" anchor="t" bIns="91425" lIns="91425" spcFirstLastPara="1" rIns="91425" wrap="square" tIns="91425">
+            <a:spAutoFit/>
+          </a:bodyPr>
+          <a:lstStyle/>
+          <a:p>
+            <a:pPr indent="0" lvl="0" marL="0" rtl="0" algn="ctr">
+              <a:spcBef>
+                <a:spcPts val="0"/>
+              </a:spcBef>
+              <a:spcAft>
+                <a:spcPts val="0"/>
+              </a:spcAft>
+              <a:buNone/>
+            </a:pPr>
+            <a:r>
+              <a:rPr lang="ru" sz="1000">
+                <a:solidFill>
+                  <a:schemeClr val="lt1"/>
+                </a:solidFill>
+                <a:latin typeface="Montserrat Medium"/>
+                <a:ea typeface="Montserrat Medium"/>
+                <a:cs typeface="Montserrat Medium"/>
+                <a:sym typeface="Montserrat Medium"/>
+              </a:rPr>
+              <a:t>2</a:t>
+            </a:r>
+            <a:endParaRPr sz="1000">
+              <a:solidFill>
+                <a:schemeClr val="lt1"/>
+              </a:solidFill>
+              <a:latin typeface="Montserrat Medium"/>
+              <a:ea typeface="Montserrat Medium"/>
+              <a:cs typeface="Montserrat Medium"/>
+              <a:sym typeface="Montserrat Medium"/>
             </a:endParaRPr>
           </a:p>
         </p:txBody>
@@ -8134,7 +7637,7 @@
   <p:cSld>
     <p:spTree>
       <p:nvGrpSpPr>
-        <p:cNvPr id="76" name="Shape 76"/>
+        <p:cNvPr id="78" name="Shape 78"/>
         <p:cNvGrpSpPr/>
         <p:nvPr/>
       </p:nvGrpSpPr>
@@ -8148,7 +7651,7 @@
       </p:grpSpPr>
       <p:sp>
         <p:nvSpPr>
-          <p:cNvPr id="77" name="Google Shape;77;p15"/>
+          <p:cNvPr id="79" name="Google Shape;79;p15"/>
           <p:cNvSpPr txBox="1"/>
           <p:nvPr>
             <p:ph type="title"/>
@@ -8205,7 +7708,7 @@
       </p:sp>
       <p:sp>
         <p:nvSpPr>
-          <p:cNvPr id="78" name="Google Shape;78;p15"/>
+          <p:cNvPr id="80" name="Google Shape;80;p15"/>
           <p:cNvSpPr txBox="1"/>
           <p:nvPr>
             <p:ph idx="1" type="body"/>
@@ -8277,7 +7780,7 @@
                 <a:cs typeface="Montserrat"/>
                 <a:sym typeface="Montserrat"/>
               </a:rPr>
-              <a:t>Пользователям будет дана возможность создавать анонимные визитки, куда человек сможет вписывать подменные контактные данные.</a:t>
+              <a:t>Решение простое! мы не будем давать свои настоящие контакты!</a:t>
             </a:r>
             <a:endParaRPr sz="1400">
               <a:solidFill>
@@ -8300,6 +7803,38 @@
               <a:buNone/>
             </a:pPr>
             <a:r>
+              <a:rPr lang="ru" sz="1400">
+                <a:solidFill>
+                  <a:schemeClr val="lt1"/>
+                </a:solidFill>
+                <a:latin typeface="Montserrat"/>
+                <a:ea typeface="Montserrat"/>
+                <a:cs typeface="Montserrat"/>
+                <a:sym typeface="Montserrat"/>
+              </a:rPr>
+              <a:t>Пользователям будет дана возможность создавать анонимные визитки, куда человек сможет вписывать подменные контактные данные.</a:t>
+            </a:r>
+            <a:endParaRPr sz="1400">
+              <a:solidFill>
+                <a:schemeClr val="lt1"/>
+              </a:solidFill>
+              <a:latin typeface="Montserrat"/>
+              <a:ea typeface="Montserrat"/>
+              <a:cs typeface="Montserrat"/>
+              <a:sym typeface="Montserrat"/>
+            </a:endParaRPr>
+          </a:p>
+          <a:p>
+            <a:pPr indent="0" lvl="0" marL="0" rtl="0" algn="l">
+              <a:spcBef>
+                <a:spcPts val="1200"/>
+              </a:spcBef>
+              <a:spcAft>
+                <a:spcPts val="0"/>
+              </a:spcAft>
+              <a:buNone/>
+            </a:pPr>
+            <a:r>
               <a:t/>
             </a:r>
             <a:endParaRPr>
@@ -8339,7 +7874,7 @@
       </p:sp>
       <p:pic>
         <p:nvPicPr>
-          <p:cNvPr id="79" name="Google Shape;79;p15"/>
+          <p:cNvPr id="81" name="Google Shape;81;p15"/>
           <p:cNvPicPr preferRelativeResize="0"/>
           <p:nvPr/>
         </p:nvPicPr>
@@ -8364,6 +7899,113 @@
           </a:ln>
         </p:spPr>
       </p:pic>
+      <p:sp>
+        <p:nvSpPr>
+          <p:cNvPr id="82" name="Google Shape;82;p15"/>
+          <p:cNvSpPr/>
+          <p:nvPr/>
+        </p:nvSpPr>
+        <p:spPr>
+          <a:xfrm>
+            <a:off x="8491800" y="4576850"/>
+            <a:ext cx="296400" cy="296400"/>
+          </a:xfrm>
+          <a:prstGeom prst="ellipse">
+            <a:avLst/>
+          </a:prstGeom>
+          <a:solidFill>
+            <a:srgbClr val="562CEF"/>
+          </a:solidFill>
+          <a:ln cap="flat" cmpd="sng" w="9525">
+            <a:solidFill>
+              <a:srgbClr val="562CEF"/>
+            </a:solidFill>
+            <a:prstDash val="solid"/>
+            <a:round/>
+            <a:headEnd len="sm" w="sm" type="none"/>
+            <a:tailEnd len="sm" w="sm" type="none"/>
+          </a:ln>
+        </p:spPr>
+        <p:txBody>
+          <a:bodyPr anchorCtr="0" anchor="ctr" bIns="91425" lIns="91425" spcFirstLastPara="1" rIns="91425" wrap="square" tIns="91425">
+            <a:noAutofit/>
+          </a:bodyPr>
+          <a:lstStyle/>
+          <a:p>
+            <a:pPr indent="0" lvl="0" marL="0" rtl="0" algn="l">
+              <a:spcBef>
+                <a:spcPts val="0"/>
+              </a:spcBef>
+              <a:spcAft>
+                <a:spcPts val="0"/>
+              </a:spcAft>
+              <a:buNone/>
+            </a:pPr>
+            <a:r>
+              <a:t/>
+            </a:r>
+            <a:endParaRPr/>
+          </a:p>
+        </p:txBody>
+      </p:sp>
+      <p:sp>
+        <p:nvSpPr>
+          <p:cNvPr id="83" name="Google Shape;83;p15"/>
+          <p:cNvSpPr txBox="1"/>
+          <p:nvPr/>
+        </p:nvSpPr>
+        <p:spPr>
+          <a:xfrm>
+            <a:off x="8491800" y="4555700"/>
+            <a:ext cx="296400" cy="338700"/>
+          </a:xfrm>
+          <a:prstGeom prst="rect">
+            <a:avLst/>
+          </a:prstGeom>
+          <a:noFill/>
+          <a:ln>
+            <a:noFill/>
+          </a:ln>
+        </p:spPr>
+        <p:txBody>
+          <a:bodyPr anchorCtr="0" anchor="t" bIns="91425" lIns="91425" spcFirstLastPara="1" rIns="91425" wrap="square" tIns="91425">
+            <a:spAutoFit/>
+          </a:bodyPr>
+          <a:lstStyle/>
+          <a:p>
+            <a:pPr indent="0" lvl="0" marL="0" rtl="0" algn="ctr">
+              <a:spcBef>
+                <a:spcPts val="0"/>
+              </a:spcBef>
+              <a:spcAft>
+                <a:spcPts val="0"/>
+              </a:spcAft>
+              <a:buNone/>
+            </a:pPr>
+            <a:r>
+              <a:rPr lang="ru" sz="1000">
+                <a:solidFill>
+                  <a:schemeClr val="lt1"/>
+                </a:solidFill>
+                <a:latin typeface="Montserrat Medium"/>
+                <a:ea typeface="Montserrat Medium"/>
+                <a:cs typeface="Montserrat Medium"/>
+                <a:sym typeface="Montserrat Medium"/>
+              </a:rPr>
+              <a:t>3</a:t>
+            </a:r>
+            <a:endParaRPr sz="1000">
+              <a:solidFill>
+                <a:schemeClr val="lt1"/>
+              </a:solidFill>
+              <a:latin typeface="Montserrat Medium"/>
+              <a:ea typeface="Montserrat Medium"/>
+              <a:cs typeface="Montserrat Medium"/>
+              <a:sym typeface="Montserrat Medium"/>
+            </a:endParaRPr>
+          </a:p>
+        </p:txBody>
+      </p:sp>
     </p:spTree>
   </p:cSld>
   <p:clrMapOvr>
@@ -8377,7 +8019,7 @@
   <p:cSld>
     <p:spTree>
       <p:nvGrpSpPr>
-        <p:cNvPr id="83" name="Shape 83"/>
+        <p:cNvPr id="87" name="Shape 87"/>
         <p:cNvGrpSpPr/>
         <p:nvPr/>
       </p:nvGrpSpPr>
@@ -8391,7 +8033,7 @@
       </p:grpSpPr>
       <p:sp>
         <p:nvSpPr>
-          <p:cNvPr id="84" name="Google Shape;84;p16"/>
+          <p:cNvPr id="88" name="Google Shape;88;p16"/>
           <p:cNvSpPr txBox="1"/>
           <p:nvPr>
             <p:ph type="title"/>
@@ -8399,7 +8041,7 @@
         </p:nvSpPr>
         <p:spPr>
           <a:xfrm>
-            <a:off x="735025" y="289800"/>
+            <a:off x="727975" y="240400"/>
             <a:ext cx="8520600" cy="572700"/>
           </a:xfrm>
           <a:prstGeom prst="rect">
@@ -8408,7 +8050,7 @@
         </p:spPr>
         <p:txBody>
           <a:bodyPr anchorCtr="0" anchor="t" bIns="91425" lIns="91425" spcFirstLastPara="1" rIns="91425" wrap="square" tIns="91425">
-            <a:noAutofit/>
+            <a:normAutofit/>
           </a:bodyPr>
           <a:lstStyle/>
           <a:p>
@@ -8423,7 +8065,7 @@
               <a:buNone/>
             </a:pPr>
             <a:r>
-              <a:rPr lang="ru" sz="1800">
+              <a:rPr lang="ru" sz="1820">
                 <a:solidFill>
                   <a:srgbClr val="CCCCCC"/>
                 </a:solidFill>
@@ -8432,9 +8074,9 @@
                 <a:cs typeface="Montserrat Medium"/>
                 <a:sym typeface="Montserrat Medium"/>
               </a:rPr>
-              <a:t>Vision</a:t>
-            </a:r>
-            <a:endParaRPr sz="1800">
+              <a:t>Анализ рынка</a:t>
+            </a:r>
+            <a:endParaRPr sz="1820">
               <a:solidFill>
                 <a:srgbClr val="CCCCCC"/>
               </a:solidFill>
@@ -8448,24 +8090,75 @@
       </p:sp>
       <p:sp>
         <p:nvSpPr>
-          <p:cNvPr id="85" name="Google Shape;85;p16"/>
+          <p:cNvPr id="89" name="Google Shape;89;p16"/>
+          <p:cNvSpPr/>
+          <p:nvPr/>
+        </p:nvSpPr>
+        <p:spPr>
+          <a:xfrm>
+            <a:off x="3005700" y="600175"/>
+            <a:ext cx="3437400" cy="3437400"/>
+          </a:xfrm>
+          <a:prstGeom prst="ellipse">
+            <a:avLst/>
+          </a:prstGeom>
+          <a:solidFill>
+            <a:srgbClr val="CCBEED"/>
+          </a:solidFill>
+          <a:ln cap="flat" cmpd="sng" w="9525">
+            <a:solidFill>
+              <a:srgbClr val="CCBEED"/>
+            </a:solidFill>
+            <a:prstDash val="solid"/>
+            <a:round/>
+            <a:headEnd len="sm" w="sm" type="none"/>
+            <a:tailEnd len="sm" w="sm" type="none"/>
+          </a:ln>
+        </p:spPr>
+        <p:txBody>
+          <a:bodyPr anchorCtr="0" anchor="ctr" bIns="91425" lIns="91425" spcFirstLastPara="1" rIns="91425" wrap="square" tIns="91425">
+            <a:noAutofit/>
+          </a:bodyPr>
+          <a:lstStyle/>
+          <a:p>
+            <a:pPr indent="0" lvl="0" marL="0" rtl="0" algn="l">
+              <a:spcBef>
+                <a:spcPts val="0"/>
+              </a:spcBef>
+              <a:spcAft>
+                <a:spcPts val="0"/>
+              </a:spcAft>
+              <a:buNone/>
+            </a:pPr>
+            <a:r>
+              <a:t/>
+            </a:r>
+            <a:endParaRPr/>
+          </a:p>
+        </p:txBody>
+      </p:sp>
+      <p:sp>
+        <p:nvSpPr>
+          <p:cNvPr id="90" name="Google Shape;90;p16"/>
           <p:cNvSpPr txBox="1"/>
-          <p:nvPr>
-            <p:ph idx="1" type="body"/>
-          </p:nvPr>
-        </p:nvSpPr>
-        <p:spPr>
-          <a:xfrm>
-            <a:off x="776100" y="863550"/>
-            <a:ext cx="3948300" cy="3416400"/>
+          <p:nvPr/>
+        </p:nvSpPr>
+        <p:spPr>
+          <a:xfrm>
+            <a:off x="3883125" y="900275"/>
+            <a:ext cx="1578600" cy="400200"/>
           </a:xfrm>
           <a:prstGeom prst="rect">
             <a:avLst/>
           </a:prstGeom>
+          <a:noFill/>
+          <a:ln>
+            <a:noFill/>
+          </a:ln>
         </p:spPr>
         <p:txBody>
           <a:bodyPr anchorCtr="0" anchor="t" bIns="91425" lIns="91425" spcFirstLastPara="1" rIns="91425" wrap="square" tIns="91425">
-            <a:normAutofit/>
+            <a:spAutoFit/>
           </a:bodyPr>
           <a:lstStyle/>
           <a:p>
@@ -8479,7 +8172,378 @@
               <a:buNone/>
             </a:pPr>
             <a:r>
-              <a:rPr lang="ru" sz="1400">
+              <a:t/>
+            </a:r>
+            <a:endParaRPr/>
+          </a:p>
+        </p:txBody>
+      </p:sp>
+      <p:sp>
+        <p:nvSpPr>
+          <p:cNvPr id="91" name="Google Shape;91;p16"/>
+          <p:cNvSpPr txBox="1"/>
+          <p:nvPr/>
+        </p:nvSpPr>
+        <p:spPr>
+          <a:xfrm>
+            <a:off x="3560100" y="900275"/>
+            <a:ext cx="2328600" cy="384900"/>
+          </a:xfrm>
+          <a:prstGeom prst="rect">
+            <a:avLst/>
+          </a:prstGeom>
+          <a:noFill/>
+          <a:ln>
+            <a:noFill/>
+          </a:ln>
+        </p:spPr>
+        <p:txBody>
+          <a:bodyPr anchorCtr="0" anchor="t" bIns="91425" lIns="91425" spcFirstLastPara="1" rIns="91425" wrap="square" tIns="91425">
+            <a:spAutoFit/>
+          </a:bodyPr>
+          <a:lstStyle/>
+          <a:p>
+            <a:pPr indent="0" lvl="0" marL="0" rtl="0" algn="ctr">
+              <a:spcBef>
+                <a:spcPts val="0"/>
+              </a:spcBef>
+              <a:spcAft>
+                <a:spcPts val="0"/>
+              </a:spcAft>
+              <a:buNone/>
+            </a:pPr>
+            <a:r>
+              <a:rPr lang="ru" sz="1300">
+                <a:latin typeface="Montserrat Medium"/>
+                <a:ea typeface="Montserrat Medium"/>
+                <a:cs typeface="Montserrat Medium"/>
+                <a:sym typeface="Montserrat Medium"/>
+              </a:rPr>
+              <a:t>TAM - 3.5 млрд рублей </a:t>
+            </a:r>
+            <a:endParaRPr sz="1300">
+              <a:latin typeface="Montserrat Medium"/>
+              <a:ea typeface="Montserrat Medium"/>
+              <a:cs typeface="Montserrat Medium"/>
+              <a:sym typeface="Montserrat Medium"/>
+            </a:endParaRPr>
+          </a:p>
+        </p:txBody>
+      </p:sp>
+      <p:sp>
+        <p:nvSpPr>
+          <p:cNvPr id="92" name="Google Shape;92;p16"/>
+          <p:cNvSpPr/>
+          <p:nvPr/>
+        </p:nvSpPr>
+        <p:spPr>
+          <a:xfrm>
+            <a:off x="3334950" y="1258675"/>
+            <a:ext cx="2778900" cy="2778900"/>
+          </a:xfrm>
+          <a:prstGeom prst="ellipse">
+            <a:avLst/>
+          </a:prstGeom>
+          <a:solidFill>
+            <a:srgbClr val="9C77F2"/>
+          </a:solidFill>
+          <a:ln cap="flat" cmpd="sng" w="9525">
+            <a:solidFill>
+              <a:srgbClr val="9C77F2"/>
+            </a:solidFill>
+            <a:prstDash val="solid"/>
+            <a:round/>
+            <a:headEnd len="sm" w="sm" type="none"/>
+            <a:tailEnd len="sm" w="sm" type="none"/>
+          </a:ln>
+        </p:spPr>
+        <p:txBody>
+          <a:bodyPr anchorCtr="0" anchor="ctr" bIns="91425" lIns="91425" spcFirstLastPara="1" rIns="91425" wrap="square" tIns="91425">
+            <a:noAutofit/>
+          </a:bodyPr>
+          <a:lstStyle/>
+          <a:p>
+            <a:pPr indent="0" lvl="0" marL="0" rtl="0" algn="l">
+              <a:spcBef>
+                <a:spcPts val="0"/>
+              </a:spcBef>
+              <a:spcAft>
+                <a:spcPts val="0"/>
+              </a:spcAft>
+              <a:buNone/>
+            </a:pPr>
+            <a:r>
+              <a:t/>
+            </a:r>
+            <a:endParaRPr/>
+          </a:p>
+        </p:txBody>
+      </p:sp>
+      <p:sp>
+        <p:nvSpPr>
+          <p:cNvPr id="93" name="Google Shape;93;p16"/>
+          <p:cNvSpPr txBox="1"/>
+          <p:nvPr/>
+        </p:nvSpPr>
+        <p:spPr>
+          <a:xfrm>
+            <a:off x="3491550" y="1778875"/>
+            <a:ext cx="2465700" cy="400200"/>
+          </a:xfrm>
+          <a:prstGeom prst="rect">
+            <a:avLst/>
+          </a:prstGeom>
+          <a:noFill/>
+          <a:ln>
+            <a:noFill/>
+          </a:ln>
+        </p:spPr>
+        <p:txBody>
+          <a:bodyPr anchorCtr="0" anchor="t" bIns="91425" lIns="91425" spcFirstLastPara="1" rIns="91425" wrap="square" tIns="91425">
+            <a:spAutoFit/>
+          </a:bodyPr>
+          <a:lstStyle/>
+          <a:p>
+            <a:pPr indent="0" lvl="0" marL="0" rtl="0" algn="ctr">
+              <a:spcBef>
+                <a:spcPts val="0"/>
+              </a:spcBef>
+              <a:spcAft>
+                <a:spcPts val="0"/>
+              </a:spcAft>
+              <a:buNone/>
+            </a:pPr>
+            <a:r>
+              <a:rPr lang="ru" sz="1300">
+                <a:latin typeface="Montserrat Medium"/>
+                <a:ea typeface="Montserrat Medium"/>
+                <a:cs typeface="Montserrat Medium"/>
+                <a:sym typeface="Montserrat Medium"/>
+              </a:rPr>
+              <a:t>SAM</a:t>
+            </a:r>
+            <a:r>
+              <a:rPr lang="ru" sz="1300">
+                <a:latin typeface="Montserrat Medium"/>
+                <a:ea typeface="Montserrat Medium"/>
+                <a:cs typeface="Montserrat Medium"/>
+                <a:sym typeface="Montserrat Medium"/>
+              </a:rPr>
+              <a:t> - 1.05 млрд рублей</a:t>
+            </a:r>
+            <a:r>
+              <a:rPr lang="ru">
+                <a:latin typeface="Montserrat Medium"/>
+                <a:ea typeface="Montserrat Medium"/>
+                <a:cs typeface="Montserrat Medium"/>
+                <a:sym typeface="Montserrat Medium"/>
+              </a:rPr>
+              <a:t> </a:t>
+            </a:r>
+            <a:endParaRPr>
+              <a:latin typeface="Montserrat Medium"/>
+              <a:ea typeface="Montserrat Medium"/>
+              <a:cs typeface="Montserrat Medium"/>
+              <a:sym typeface="Montserrat Medium"/>
+            </a:endParaRPr>
+          </a:p>
+        </p:txBody>
+      </p:sp>
+      <p:sp>
+        <p:nvSpPr>
+          <p:cNvPr id="94" name="Google Shape;94;p16"/>
+          <p:cNvSpPr/>
+          <p:nvPr/>
+        </p:nvSpPr>
+        <p:spPr>
+          <a:xfrm>
+            <a:off x="3757050" y="2102875"/>
+            <a:ext cx="1934700" cy="1934700"/>
+          </a:xfrm>
+          <a:prstGeom prst="ellipse">
+            <a:avLst/>
+          </a:prstGeom>
+          <a:solidFill>
+            <a:srgbClr val="562CEF"/>
+          </a:solidFill>
+          <a:ln cap="flat" cmpd="sng" w="9525">
+            <a:solidFill>
+              <a:srgbClr val="562CEF"/>
+            </a:solidFill>
+            <a:prstDash val="solid"/>
+            <a:round/>
+            <a:headEnd len="sm" w="sm" type="none"/>
+            <a:tailEnd len="sm" w="sm" type="none"/>
+          </a:ln>
+        </p:spPr>
+        <p:txBody>
+          <a:bodyPr anchorCtr="0" anchor="ctr" bIns="91425" lIns="91425" spcFirstLastPara="1" rIns="91425" wrap="square" tIns="91425">
+            <a:noAutofit/>
+          </a:bodyPr>
+          <a:lstStyle/>
+          <a:p>
+            <a:pPr indent="0" lvl="0" marL="0" rtl="0" algn="l">
+              <a:spcBef>
+                <a:spcPts val="0"/>
+              </a:spcBef>
+              <a:spcAft>
+                <a:spcPts val="0"/>
+              </a:spcAft>
+              <a:buNone/>
+            </a:pPr>
+            <a:r>
+              <a:t/>
+            </a:r>
+            <a:endParaRPr/>
+          </a:p>
+        </p:txBody>
+      </p:sp>
+      <p:sp>
+        <p:nvSpPr>
+          <p:cNvPr id="95" name="Google Shape;95;p16"/>
+          <p:cNvSpPr txBox="1"/>
+          <p:nvPr/>
+        </p:nvSpPr>
+        <p:spPr>
+          <a:xfrm>
+            <a:off x="3643950" y="2870125"/>
+            <a:ext cx="2160900" cy="400200"/>
+          </a:xfrm>
+          <a:prstGeom prst="rect">
+            <a:avLst/>
+          </a:prstGeom>
+          <a:noFill/>
+          <a:ln>
+            <a:noFill/>
+          </a:ln>
+        </p:spPr>
+        <p:txBody>
+          <a:bodyPr anchorCtr="0" anchor="t" bIns="91425" lIns="91425" spcFirstLastPara="1" rIns="91425" wrap="square" tIns="91425">
+            <a:spAutoFit/>
+          </a:bodyPr>
+          <a:lstStyle/>
+          <a:p>
+            <a:pPr indent="0" lvl="0" marL="0" rtl="0" algn="ctr">
+              <a:spcBef>
+                <a:spcPts val="0"/>
+              </a:spcBef>
+              <a:spcAft>
+                <a:spcPts val="0"/>
+              </a:spcAft>
+              <a:buNone/>
+            </a:pPr>
+            <a:r>
+              <a:rPr lang="ru" sz="1300">
+                <a:latin typeface="Montserrat Medium"/>
+                <a:ea typeface="Montserrat Medium"/>
+                <a:cs typeface="Montserrat Medium"/>
+                <a:sym typeface="Montserrat Medium"/>
+              </a:rPr>
+              <a:t>SOM - 65 млн рублей</a:t>
+            </a:r>
+            <a:r>
+              <a:rPr lang="ru">
+                <a:latin typeface="Montserrat Medium"/>
+                <a:ea typeface="Montserrat Medium"/>
+                <a:cs typeface="Montserrat Medium"/>
+                <a:sym typeface="Montserrat Medium"/>
+              </a:rPr>
+              <a:t> </a:t>
+            </a:r>
+            <a:endParaRPr>
+              <a:latin typeface="Montserrat Medium"/>
+              <a:ea typeface="Montserrat Medium"/>
+              <a:cs typeface="Montserrat Medium"/>
+              <a:sym typeface="Montserrat Medium"/>
+            </a:endParaRPr>
+          </a:p>
+        </p:txBody>
+      </p:sp>
+      <p:sp>
+        <p:nvSpPr>
+          <p:cNvPr id="96" name="Google Shape;96;p16"/>
+          <p:cNvSpPr/>
+          <p:nvPr/>
+        </p:nvSpPr>
+        <p:spPr>
+          <a:xfrm>
+            <a:off x="8491800" y="4576850"/>
+            <a:ext cx="296400" cy="296400"/>
+          </a:xfrm>
+          <a:prstGeom prst="ellipse">
+            <a:avLst/>
+          </a:prstGeom>
+          <a:solidFill>
+            <a:srgbClr val="562CEF"/>
+          </a:solidFill>
+          <a:ln cap="flat" cmpd="sng" w="9525">
+            <a:solidFill>
+              <a:srgbClr val="562CEF"/>
+            </a:solidFill>
+            <a:prstDash val="solid"/>
+            <a:round/>
+            <a:headEnd len="sm" w="sm" type="none"/>
+            <a:tailEnd len="sm" w="sm" type="none"/>
+          </a:ln>
+        </p:spPr>
+        <p:txBody>
+          <a:bodyPr anchorCtr="0" anchor="ctr" bIns="91425" lIns="91425" spcFirstLastPara="1" rIns="91425" wrap="square" tIns="91425">
+            <a:noAutofit/>
+          </a:bodyPr>
+          <a:lstStyle/>
+          <a:p>
+            <a:pPr indent="0" lvl="0" marL="0" rtl="0" algn="l">
+              <a:spcBef>
+                <a:spcPts val="0"/>
+              </a:spcBef>
+              <a:spcAft>
+                <a:spcPts val="0"/>
+              </a:spcAft>
+              <a:buNone/>
+            </a:pPr>
+            <a:r>
+              <a:t/>
+            </a:r>
+            <a:endParaRPr/>
+          </a:p>
+        </p:txBody>
+      </p:sp>
+      <p:sp>
+        <p:nvSpPr>
+          <p:cNvPr id="97" name="Google Shape;97;p16"/>
+          <p:cNvSpPr txBox="1"/>
+          <p:nvPr/>
+        </p:nvSpPr>
+        <p:spPr>
+          <a:xfrm>
+            <a:off x="8491800" y="4555700"/>
+            <a:ext cx="296400" cy="338700"/>
+          </a:xfrm>
+          <a:prstGeom prst="rect">
+            <a:avLst/>
+          </a:prstGeom>
+          <a:noFill/>
+          <a:ln>
+            <a:noFill/>
+          </a:ln>
+        </p:spPr>
+        <p:txBody>
+          <a:bodyPr anchorCtr="0" anchor="t" bIns="91425" lIns="91425" spcFirstLastPara="1" rIns="91425" wrap="square" tIns="91425">
+            <a:spAutoFit/>
+          </a:bodyPr>
+          <a:lstStyle/>
+          <a:p>
+            <a:pPr indent="0" lvl="0" marL="0" rtl="0" algn="ctr">
+              <a:spcBef>
+                <a:spcPts val="0"/>
+              </a:spcBef>
+              <a:spcAft>
+                <a:spcPts val="0"/>
+              </a:spcAft>
+              <a:buNone/>
+            </a:pPr>
+            <a:r>
+              <a:rPr lang="ru" sz="1000">
                 <a:solidFill>
                   <a:schemeClr val="lt1"/>
                 </a:solidFill>
@@ -8488,116 +8552,20 @@
                 <a:cs typeface="Montserrat Medium"/>
                 <a:sym typeface="Montserrat Medium"/>
               </a:rPr>
-              <a:t>Contact Proxy </a:t>
-            </a:r>
-            <a:r>
-              <a:rPr lang="ru" sz="1400">
-                <a:solidFill>
-                  <a:schemeClr val="lt1"/>
-                </a:solidFill>
-                <a:latin typeface="Montserrat"/>
-                <a:ea typeface="Montserrat"/>
-                <a:cs typeface="Montserrat"/>
-                <a:sym typeface="Montserrat"/>
-              </a:rPr>
-              <a:t>- сервис для анонимизации ваших контактных данных. </a:t>
-            </a:r>
-            <a:endParaRPr sz="1400">
+              <a:t>4</a:t>
+            </a:r>
+            <a:endParaRPr sz="1000">
               <a:solidFill>
                 <a:schemeClr val="lt1"/>
               </a:solidFill>
-              <a:latin typeface="Montserrat"/>
-              <a:ea typeface="Montserrat"/>
-              <a:cs typeface="Montserrat"/>
-              <a:sym typeface="Montserrat"/>
+              <a:latin typeface="Montserrat Medium"/>
+              <a:ea typeface="Montserrat Medium"/>
+              <a:cs typeface="Montserrat Medium"/>
+              <a:sym typeface="Montserrat Medium"/>
             </a:endParaRPr>
           </a:p>
-          <a:p>
-            <a:pPr indent="0" lvl="0" marL="0" rtl="0" algn="l">
-              <a:spcBef>
-                <a:spcPts val="1200"/>
-              </a:spcBef>
-              <a:spcAft>
-                <a:spcPts val="1200"/>
-              </a:spcAft>
-              <a:buNone/>
-            </a:pPr>
-            <a:r>
-              <a:rPr lang="ru" sz="1400">
-                <a:solidFill>
-                  <a:schemeClr val="lt1"/>
-                </a:solidFill>
-                <a:latin typeface="Montserrat"/>
-                <a:ea typeface="Montserrat"/>
-                <a:cs typeface="Montserrat"/>
-                <a:sym typeface="Montserrat"/>
-              </a:rPr>
-              <a:t>Мы хотим предоставить вам возможность создавать подменные номера телефонов и </a:t>
-            </a:r>
-            <a:r>
-              <a:rPr lang="ru" sz="1400">
-                <a:solidFill>
-                  <a:schemeClr val="lt1"/>
-                </a:solidFill>
-                <a:latin typeface="Montserrat"/>
-                <a:ea typeface="Montserrat"/>
-                <a:cs typeface="Montserrat"/>
-                <a:sym typeface="Montserrat"/>
-              </a:rPr>
-              <a:t>аккаунты</a:t>
-            </a:r>
-            <a:r>
-              <a:rPr lang="ru" sz="1400">
-                <a:solidFill>
-                  <a:schemeClr val="lt1"/>
-                </a:solidFill>
-                <a:latin typeface="Montserrat"/>
-                <a:ea typeface="Montserrat"/>
-                <a:cs typeface="Montserrat"/>
-                <a:sym typeface="Montserrat"/>
-              </a:rPr>
-              <a:t> в соц сетях для распространения их в сети без страха утечки личной информации.</a:t>
-            </a:r>
-            <a:endParaRPr sz="1400">
-              <a:solidFill>
-                <a:schemeClr val="lt1"/>
-              </a:solidFill>
-              <a:latin typeface="Montserrat"/>
-              <a:ea typeface="Montserrat"/>
-              <a:cs typeface="Montserrat"/>
-              <a:sym typeface="Montserrat"/>
-            </a:endParaRPr>
-          </a:p>
         </p:txBody>
       </p:sp>
-      <p:pic>
-        <p:nvPicPr>
-          <p:cNvPr id="86" name="Google Shape;86;p16"/>
-          <p:cNvPicPr preferRelativeResize="0"/>
-          <p:nvPr/>
-        </p:nvPicPr>
-        <p:blipFill>
-          <a:blip r:embed="rId3">
-            <a:alphaModFix/>
-          </a:blip>
-          <a:stretch>
-            <a:fillRect/>
-          </a:stretch>
-        </p:blipFill>
-        <p:spPr>
-          <a:xfrm>
-            <a:off x="4783800" y="388575"/>
-            <a:ext cx="3464200" cy="6345501"/>
-          </a:xfrm>
-          <a:prstGeom prst="rect">
-            <a:avLst/>
-          </a:prstGeom>
-          <a:noFill/>
-          <a:ln>
-            <a:noFill/>
-          </a:ln>
-        </p:spPr>
-      </p:pic>
     </p:spTree>
   </p:cSld>
   <p:clrMapOvr>
@@ -8611,7 +8579,7 @@
   <p:cSld>
     <p:spTree>
       <p:nvGrpSpPr>
-        <p:cNvPr id="90" name="Shape 90"/>
+        <p:cNvPr id="101" name="Shape 101"/>
         <p:cNvGrpSpPr/>
         <p:nvPr/>
       </p:nvGrpSpPr>
@@ -8625,7 +8593,7 @@
       </p:grpSpPr>
       <p:sp>
         <p:nvSpPr>
-          <p:cNvPr id="91" name="Google Shape;91;p17"/>
+          <p:cNvPr id="102" name="Google Shape;102;p17"/>
           <p:cNvSpPr txBox="1"/>
           <p:nvPr>
             <p:ph type="title"/>
@@ -8633,8 +8601,8 @@
         </p:nvSpPr>
         <p:spPr>
           <a:xfrm>
-            <a:off x="2040450" y="1595075"/>
-            <a:ext cx="5367900" cy="572700"/>
+            <a:off x="727975" y="240400"/>
+            <a:ext cx="8520600" cy="572700"/>
           </a:xfrm>
           <a:prstGeom prst="rect">
             <a:avLst/>
@@ -8642,10 +8610,118 @@
         </p:spPr>
         <p:txBody>
           <a:bodyPr anchorCtr="0" anchor="t" bIns="91425" lIns="91425" spcFirstLastPara="1" rIns="91425" wrap="square" tIns="91425">
-            <a:normAutofit fontScale="90000"/>
+            <a:normAutofit/>
           </a:bodyPr>
           <a:lstStyle/>
           <a:p>
+            <a:pPr indent="0" lvl="0" marL="0" rtl="0" algn="l">
+              <a:spcBef>
+                <a:spcPts val="0"/>
+              </a:spcBef>
+              <a:spcAft>
+                <a:spcPts val="0"/>
+              </a:spcAft>
+              <a:buSzPts val="990"/>
+              <a:buNone/>
+            </a:pPr>
+            <a:r>
+              <a:rPr lang="ru" sz="1820">
+                <a:solidFill>
+                  <a:srgbClr val="CCCCCC"/>
+                </a:solidFill>
+                <a:latin typeface="Montserrat Medium"/>
+                <a:ea typeface="Montserrat Medium"/>
+                <a:cs typeface="Montserrat Medium"/>
+                <a:sym typeface="Montserrat Medium"/>
+              </a:rPr>
+              <a:t>Наш продукт</a:t>
+            </a:r>
+            <a:endParaRPr sz="1820">
+              <a:solidFill>
+                <a:srgbClr val="CCCCCC"/>
+              </a:solidFill>
+              <a:latin typeface="Montserrat Medium"/>
+              <a:ea typeface="Montserrat Medium"/>
+              <a:cs typeface="Montserrat Medium"/>
+              <a:sym typeface="Montserrat Medium"/>
+            </a:endParaRPr>
+          </a:p>
+        </p:txBody>
+      </p:sp>
+      <p:sp>
+        <p:nvSpPr>
+          <p:cNvPr id="103" name="Google Shape;103;p17"/>
+          <p:cNvSpPr/>
+          <p:nvPr/>
+        </p:nvSpPr>
+        <p:spPr>
+          <a:xfrm>
+            <a:off x="8491800" y="4576850"/>
+            <a:ext cx="296400" cy="296400"/>
+          </a:xfrm>
+          <a:prstGeom prst="ellipse">
+            <a:avLst/>
+          </a:prstGeom>
+          <a:solidFill>
+            <a:srgbClr val="562CEF"/>
+          </a:solidFill>
+          <a:ln cap="flat" cmpd="sng" w="9525">
+            <a:solidFill>
+              <a:srgbClr val="562CEF"/>
+            </a:solidFill>
+            <a:prstDash val="solid"/>
+            <a:round/>
+            <a:headEnd len="sm" w="sm" type="none"/>
+            <a:tailEnd len="sm" w="sm" type="none"/>
+          </a:ln>
+        </p:spPr>
+        <p:txBody>
+          <a:bodyPr anchorCtr="0" anchor="ctr" bIns="91425" lIns="91425" spcFirstLastPara="1" rIns="91425" wrap="square" tIns="91425">
+            <a:noAutofit/>
+          </a:bodyPr>
+          <a:lstStyle/>
+          <a:p>
+            <a:pPr indent="0" lvl="0" marL="0" rtl="0" algn="l">
+              <a:spcBef>
+                <a:spcPts val="0"/>
+              </a:spcBef>
+              <a:spcAft>
+                <a:spcPts val="0"/>
+              </a:spcAft>
+              <a:buNone/>
+            </a:pPr>
+            <a:r>
+              <a:t/>
+            </a:r>
+            <a:endParaRPr/>
+          </a:p>
+        </p:txBody>
+      </p:sp>
+      <p:sp>
+        <p:nvSpPr>
+          <p:cNvPr id="104" name="Google Shape;104;p17"/>
+          <p:cNvSpPr txBox="1"/>
+          <p:nvPr/>
+        </p:nvSpPr>
+        <p:spPr>
+          <a:xfrm>
+            <a:off x="8491800" y="4555700"/>
+            <a:ext cx="296400" cy="338700"/>
+          </a:xfrm>
+          <a:prstGeom prst="rect">
+            <a:avLst/>
+          </a:prstGeom>
+          <a:noFill/>
+          <a:ln>
+            <a:noFill/>
+          </a:ln>
+        </p:spPr>
+        <p:txBody>
+          <a:bodyPr anchorCtr="0" anchor="t" bIns="91425" lIns="91425" spcFirstLastPara="1" rIns="91425" wrap="square" tIns="91425">
+            <a:spAutoFit/>
+          </a:bodyPr>
+          <a:lstStyle/>
+          <a:p>
             <a:pPr indent="0" lvl="0" marL="0" rtl="0" algn="ctr">
               <a:spcBef>
                 <a:spcPts val="0"/>
@@ -8656,7 +8732,7 @@
               <a:buNone/>
             </a:pPr>
             <a:r>
-              <a:rPr lang="ru">
+              <a:rPr lang="ru" sz="1000">
                 <a:solidFill>
                   <a:schemeClr val="lt1"/>
                 </a:solidFill>
@@ -8665,9 +8741,9 @@
                 <a:cs typeface="Montserrat Medium"/>
                 <a:sym typeface="Montserrat Medium"/>
               </a:rPr>
-              <a:t>Анализ Рынка</a:t>
-            </a:r>
-            <a:endParaRPr>
+              <a:t>5</a:t>
+            </a:r>
+            <a:endParaRPr sz="1000">
               <a:solidFill>
                 <a:schemeClr val="lt1"/>
               </a:solidFill>
@@ -8679,6 +8755,164 @@
           </a:p>
         </p:txBody>
       </p:sp>
+      <p:sp>
+        <p:nvSpPr>
+          <p:cNvPr id="105" name="Google Shape;105;p17"/>
+          <p:cNvSpPr txBox="1"/>
+          <p:nvPr>
+            <p:ph idx="1" type="body"/>
+          </p:nvPr>
+        </p:nvSpPr>
+        <p:spPr>
+          <a:xfrm>
+            <a:off x="762000" y="1178275"/>
+            <a:ext cx="2972700" cy="3390600"/>
+          </a:xfrm>
+          <a:prstGeom prst="rect">
+            <a:avLst/>
+          </a:prstGeom>
+        </p:spPr>
+        <p:txBody>
+          <a:bodyPr anchorCtr="0" anchor="t" bIns="91425" lIns="91425" spcFirstLastPara="1" rIns="91425" wrap="square" tIns="91425">
+            <a:normAutofit/>
+          </a:bodyPr>
+          <a:lstStyle/>
+          <a:p>
+            <a:pPr indent="0" lvl="0" marL="0" rtl="0" algn="l">
+              <a:spcBef>
+                <a:spcPts val="0"/>
+              </a:spcBef>
+              <a:spcAft>
+                <a:spcPts val="0"/>
+              </a:spcAft>
+              <a:buNone/>
+            </a:pPr>
+            <a:r>
+              <a:rPr lang="ru">
+                <a:solidFill>
+                  <a:schemeClr val="lt1"/>
+                </a:solidFill>
+                <a:latin typeface="Montserrat"/>
+                <a:ea typeface="Montserrat"/>
+                <a:cs typeface="Montserrat"/>
+                <a:sym typeface="Montserrat"/>
+              </a:rPr>
+              <a:t>Удобное мобильное и веб приложение для доступа с любого устройства из любой точки мира, где есть интернет.</a:t>
+            </a:r>
+            <a:endParaRPr sz="1400">
+              <a:solidFill>
+                <a:schemeClr val="lt1"/>
+              </a:solidFill>
+              <a:latin typeface="Montserrat"/>
+              <a:ea typeface="Montserrat"/>
+              <a:cs typeface="Montserrat"/>
+              <a:sym typeface="Montserrat"/>
+            </a:endParaRPr>
+          </a:p>
+          <a:p>
+            <a:pPr indent="0" lvl="0" marL="0" rtl="0" algn="l">
+              <a:spcBef>
+                <a:spcPts val="1200"/>
+              </a:spcBef>
+              <a:spcAft>
+                <a:spcPts val="0"/>
+              </a:spcAft>
+              <a:buNone/>
+            </a:pPr>
+            <a:r>
+              <a:t/>
+            </a:r>
+            <a:endParaRPr>
+              <a:solidFill>
+                <a:schemeClr val="lt1"/>
+              </a:solidFill>
+              <a:latin typeface="Montserrat"/>
+              <a:ea typeface="Montserrat"/>
+              <a:cs typeface="Montserrat"/>
+              <a:sym typeface="Montserrat"/>
+            </a:endParaRPr>
+          </a:p>
+          <a:p>
+            <a:pPr indent="0" lvl="0" marL="0" rtl="0" algn="l">
+              <a:spcBef>
+                <a:spcPts val="1200"/>
+              </a:spcBef>
+              <a:spcAft>
+                <a:spcPts val="1200"/>
+              </a:spcAft>
+              <a:buNone/>
+            </a:pPr>
+            <a:r>
+              <a:t/>
+            </a:r>
+            <a:endParaRPr>
+              <a:solidFill>
+                <a:schemeClr val="lt1"/>
+              </a:solidFill>
+              <a:latin typeface="Montserrat"/>
+              <a:ea typeface="Montserrat"/>
+              <a:cs typeface="Montserrat"/>
+              <a:sym typeface="Montserrat"/>
+            </a:endParaRPr>
+          </a:p>
+        </p:txBody>
+      </p:sp>
+      <p:pic>
+        <p:nvPicPr>
+          <p:cNvPr id="106" name="Google Shape;106;p17"/>
+          <p:cNvPicPr preferRelativeResize="0"/>
+          <p:nvPr/>
+        </p:nvPicPr>
+        <p:blipFill>
+          <a:blip r:embed="rId3">
+            <a:alphaModFix/>
+          </a:blip>
+          <a:stretch>
+            <a:fillRect/>
+          </a:stretch>
+        </p:blipFill>
+        <p:spPr>
+          <a:xfrm>
+            <a:off x="3734700" y="1214550"/>
+            <a:ext cx="3166251" cy="1959058"/>
+          </a:xfrm>
+          <a:prstGeom prst="rect">
+            <a:avLst/>
+          </a:prstGeom>
+          <a:noFill/>
+          <a:ln>
+            <a:noFill/>
+          </a:ln>
+        </p:spPr>
+      </p:pic>
+      <p:pic>
+        <p:nvPicPr>
+          <p:cNvPr id="107" name="Google Shape;107;p17"/>
+          <p:cNvPicPr preferRelativeResize="0"/>
+          <p:nvPr/>
+        </p:nvPicPr>
+        <p:blipFill>
+          <a:blip r:embed="rId4">
+            <a:alphaModFix/>
+          </a:blip>
+          <a:stretch>
+            <a:fillRect/>
+          </a:stretch>
+        </p:blipFill>
+        <p:spPr>
+          <a:xfrm>
+            <a:off x="6900951" y="813100"/>
+            <a:ext cx="1815824" cy="3326113"/>
+          </a:xfrm>
+          <a:prstGeom prst="rect">
+            <a:avLst/>
+          </a:prstGeom>
+          <a:noFill/>
+          <a:ln>
+            <a:noFill/>
+          </a:ln>
+        </p:spPr>
+      </p:pic>
     </p:spTree>
   </p:cSld>
   <p:clrMapOvr>
@@ -8692,7 +8926,7 @@
   <p:cSld>
     <p:spTree>
       <p:nvGrpSpPr>
-        <p:cNvPr id="95" name="Shape 95"/>
+        <p:cNvPr id="111" name="Shape 111"/>
         <p:cNvGrpSpPr/>
         <p:nvPr/>
       </p:nvGrpSpPr>
@@ -8706,7 +8940,7 @@
       </p:grpSpPr>
       <p:sp>
         <p:nvSpPr>
-          <p:cNvPr id="96" name="Google Shape;96;p18"/>
+          <p:cNvPr id="112" name="Google Shape;112;p18"/>
           <p:cNvSpPr txBox="1"/>
           <p:nvPr>
             <p:ph type="title"/>
@@ -8714,47 +8948,8 @@
         </p:nvSpPr>
         <p:spPr>
           <a:xfrm>
-            <a:off x="311700" y="445025"/>
+            <a:off x="727975" y="240400"/>
             <a:ext cx="8520600" cy="572700"/>
-          </a:xfrm>
-          <a:prstGeom prst="rect">
-            <a:avLst/>
-          </a:prstGeom>
-        </p:spPr>
-        <p:txBody>
-          <a:bodyPr anchorCtr="0" anchor="t" bIns="91425" lIns="91425" spcFirstLastPara="1" rIns="91425" wrap="square" tIns="91425">
-            <a:normAutofit fontScale="90000"/>
-          </a:bodyPr>
-          <a:lstStyle/>
-          <a:p>
-            <a:pPr indent="0" lvl="0" marL="0" rtl="0" algn="l">
-              <a:spcBef>
-                <a:spcPts val="0"/>
-              </a:spcBef>
-              <a:spcAft>
-                <a:spcPts val="0"/>
-              </a:spcAft>
-              <a:buNone/>
-            </a:pPr>
-            <a:r>
-              <a:t/>
-            </a:r>
-            <a:endParaRPr/>
-          </a:p>
-        </p:txBody>
-      </p:sp>
-      <p:sp>
-        <p:nvSpPr>
-          <p:cNvPr id="97" name="Google Shape;97;p18"/>
-          <p:cNvSpPr txBox="1"/>
-          <p:nvPr>
-            <p:ph idx="1" type="body"/>
-          </p:nvPr>
-        </p:nvSpPr>
-        <p:spPr>
-          <a:xfrm>
-            <a:off x="740825" y="1152475"/>
-            <a:ext cx="3555900" cy="3416400"/>
           </a:xfrm>
           <a:prstGeom prst="rect">
             <a:avLst/>
@@ -8771,7 +8966,96 @@
                 <a:spcPts val="0"/>
               </a:spcBef>
               <a:spcAft>
+                <a:spcPts val="0"/>
+              </a:spcAft>
+              <a:buSzPts val="990"/>
+              <a:buNone/>
+            </a:pPr>
+            <a:r>
+              <a:rPr lang="ru" sz="1820">
+                <a:solidFill>
+                  <a:srgbClr val="CCCCCC"/>
+                </a:solidFill>
+                <a:latin typeface="Montserrat Medium"/>
+                <a:ea typeface="Montserrat Medium"/>
+                <a:cs typeface="Montserrat Medium"/>
+                <a:sym typeface="Montserrat Medium"/>
+              </a:rPr>
+              <a:t>Бизнес-модель</a:t>
+            </a:r>
+            <a:endParaRPr sz="1820">
+              <a:solidFill>
+                <a:srgbClr val="CCCCCC"/>
+              </a:solidFill>
+              <a:latin typeface="Montserrat Medium"/>
+              <a:ea typeface="Montserrat Medium"/>
+              <a:cs typeface="Montserrat Medium"/>
+              <a:sym typeface="Montserrat Medium"/>
+            </a:endParaRPr>
+          </a:p>
+        </p:txBody>
+      </p:sp>
+      <p:sp>
+        <p:nvSpPr>
+          <p:cNvPr id="113" name="Google Shape;113;p18"/>
+          <p:cNvSpPr txBox="1"/>
+          <p:nvPr>
+            <p:ph idx="1" type="body"/>
+          </p:nvPr>
+        </p:nvSpPr>
+        <p:spPr>
+          <a:xfrm>
+            <a:off x="762000" y="1178275"/>
+            <a:ext cx="3962400" cy="3390600"/>
+          </a:xfrm>
+          <a:prstGeom prst="rect">
+            <a:avLst/>
+          </a:prstGeom>
+        </p:spPr>
+        <p:txBody>
+          <a:bodyPr anchorCtr="0" anchor="t" bIns="91425" lIns="91425" spcFirstLastPara="1" rIns="91425" wrap="square" tIns="91425">
+            <a:normAutofit/>
+          </a:bodyPr>
+          <a:lstStyle/>
+          <a:p>
+            <a:pPr indent="0" lvl="0" marL="0" rtl="0" algn="l">
+              <a:spcBef>
+                <a:spcPts val="0"/>
+              </a:spcBef>
+              <a:spcAft>
+                <a:spcPts val="0"/>
+              </a:spcAft>
+              <a:buNone/>
+            </a:pPr>
+            <a:r>
+              <a:rPr lang="ru">
+                <a:solidFill>
+                  <a:schemeClr val="lt1"/>
+                </a:solidFill>
+                <a:latin typeface="Montserrat"/>
+                <a:ea typeface="Montserrat"/>
+                <a:cs typeface="Montserrat"/>
+                <a:sym typeface="Montserrat"/>
+              </a:rPr>
+              <a:t>Ежемесячная подписка</a:t>
+            </a:r>
+            <a:endParaRPr>
+              <a:solidFill>
+                <a:schemeClr val="lt1"/>
+              </a:solidFill>
+              <a:latin typeface="Montserrat"/>
+              <a:ea typeface="Montserrat"/>
+              <a:cs typeface="Montserrat"/>
+              <a:sym typeface="Montserrat"/>
+            </a:endParaRPr>
+          </a:p>
+          <a:p>
+            <a:pPr indent="0" lvl="0" marL="0" rtl="0" algn="l">
+              <a:spcBef>
                 <a:spcPts val="1200"/>
+              </a:spcBef>
+              <a:spcAft>
+                <a:spcPts val="0"/>
               </a:spcAft>
               <a:buNone/>
             </a:pPr>
@@ -8785,7 +9069,7 @@
                 <a:cs typeface="Montserrat"/>
                 <a:sym typeface="Montserrat"/>
               </a:rPr>
-              <a:t>Готовы давать свои личные  контакты (номер телефона, соц.сети) для разового общения?</a:t>
+              <a:t>Начальная подписка: 100 рублей в месяц</a:t>
             </a:r>
             <a:endParaRPr sz="1400">
               <a:solidFill>
@@ -8797,64 +9081,10 @@
               <a:sym typeface="Montserrat"/>
             </a:endParaRPr>
           </a:p>
-        </p:txBody>
-      </p:sp>
-      <p:pic>
-        <p:nvPicPr>
-          <p:cNvPr id="98" name="Google Shape;98;p18"/>
-          <p:cNvPicPr preferRelativeResize="0"/>
-          <p:nvPr/>
-        </p:nvPicPr>
-        <p:blipFill>
-          <a:blip r:embed="rId3">
-            <a:alphaModFix/>
-          </a:blip>
-          <a:stretch>
-            <a:fillRect/>
-          </a:stretch>
-        </p:blipFill>
-        <p:spPr>
-          <a:xfrm>
-            <a:off x="3983225" y="445023"/>
-            <a:ext cx="4614149" cy="3416400"/>
-          </a:xfrm>
-          <a:prstGeom prst="rect">
-            <a:avLst/>
-          </a:prstGeom>
-          <a:noFill/>
-          <a:ln>
-            <a:noFill/>
-          </a:ln>
-        </p:spPr>
-      </p:pic>
-      <p:sp>
-        <p:nvSpPr>
-          <p:cNvPr id="99" name="Google Shape;99;p18"/>
-          <p:cNvSpPr txBox="1"/>
-          <p:nvPr/>
-        </p:nvSpPr>
-        <p:spPr>
-          <a:xfrm>
-            <a:off x="5867000" y="1017725"/>
-            <a:ext cx="846600" cy="400200"/>
-          </a:xfrm>
-          <a:prstGeom prst="rect">
-            <a:avLst/>
-          </a:prstGeom>
-          <a:noFill/>
-          <a:ln>
-            <a:noFill/>
-          </a:ln>
-        </p:spPr>
-        <p:txBody>
-          <a:bodyPr anchorCtr="0" anchor="t" bIns="91425" lIns="91425" spcFirstLastPara="1" rIns="91425" wrap="square" tIns="91425">
-            <a:spAutoFit/>
-          </a:bodyPr>
-          <a:lstStyle/>
           <a:p>
             <a:pPr indent="0" lvl="0" marL="0" rtl="0" algn="l">
               <a:spcBef>
-                <a:spcPts val="0"/>
+                <a:spcPts val="1200"/>
               </a:spcBef>
               <a:spcAft>
                 <a:spcPts val="0"/>
@@ -8866,93 +9096,67 @@
                 <a:solidFill>
                   <a:schemeClr val="lt1"/>
                 </a:solidFill>
-                <a:latin typeface="Montserrat Medium"/>
-                <a:ea typeface="Montserrat Medium"/>
-                <a:cs typeface="Montserrat Medium"/>
-                <a:sym typeface="Montserrat Medium"/>
+                <a:latin typeface="Montserrat"/>
+                <a:ea typeface="Montserrat"/>
+                <a:cs typeface="Montserrat"/>
+                <a:sym typeface="Montserrat"/>
               </a:rPr>
-              <a:t>39%</a:t>
+              <a:t>Единоразовая покупка</a:t>
             </a:r>
             <a:endParaRPr>
               <a:solidFill>
                 <a:schemeClr val="lt1"/>
               </a:solidFill>
-              <a:latin typeface="Montserrat Medium"/>
-              <a:ea typeface="Montserrat Medium"/>
-              <a:cs typeface="Montserrat Medium"/>
-              <a:sym typeface="Montserrat Medium"/>
+              <a:latin typeface="Montserrat"/>
+              <a:ea typeface="Montserrat"/>
+              <a:cs typeface="Montserrat"/>
+              <a:sym typeface="Montserrat"/>
             </a:endParaRPr>
           </a:p>
-        </p:txBody>
-      </p:sp>
-      <p:sp>
-        <p:nvSpPr>
-          <p:cNvPr id="100" name="Google Shape;100;p18"/>
-          <p:cNvSpPr txBox="1"/>
-          <p:nvPr/>
-        </p:nvSpPr>
-        <p:spPr>
-          <a:xfrm>
-            <a:off x="5051775" y="2772825"/>
-            <a:ext cx="557400" cy="400200"/>
-          </a:xfrm>
-          <a:prstGeom prst="rect">
-            <a:avLst/>
-          </a:prstGeom>
-          <a:noFill/>
-          <a:ln>
-            <a:noFill/>
-          </a:ln>
-        </p:spPr>
-        <p:txBody>
-          <a:bodyPr anchorCtr="0" anchor="t" bIns="91425" lIns="91425" spcFirstLastPara="1" rIns="91425" wrap="square" tIns="91425">
-            <a:spAutoFit/>
-          </a:bodyPr>
-          <a:lstStyle/>
           <a:p>
             <a:pPr indent="0" lvl="0" marL="0" rtl="0" algn="l">
               <a:spcBef>
-                <a:spcPts val="0"/>
-              </a:spcBef>
-              <a:spcAft>
-                <a:spcPts val="0"/>
-              </a:spcAft>
-              <a:buNone/>
-            </a:pPr>
-            <a:r>
-              <a:rPr lang="ru">
+                <a:spcPts val="1200"/>
+              </a:spcBef>
+              <a:spcAft>
+                <a:spcPts val="1200"/>
+              </a:spcAft>
+              <a:buNone/>
+            </a:pPr>
+            <a:r>
+              <a:rPr lang="ru" sz="1400">
                 <a:solidFill>
                   <a:schemeClr val="lt1"/>
                 </a:solidFill>
-                <a:latin typeface="Montserrat Medium"/>
-                <a:ea typeface="Montserrat Medium"/>
-                <a:cs typeface="Montserrat Medium"/>
-                <a:sym typeface="Montserrat Medium"/>
+                <a:latin typeface="Montserrat"/>
+                <a:ea typeface="Montserrat"/>
+                <a:cs typeface="Montserrat"/>
+                <a:sym typeface="Montserrat"/>
               </a:rPr>
-              <a:t>61%</a:t>
-            </a:r>
-            <a:endParaRPr>
+              <a:t>Покупка расширения функционала.</a:t>
+            </a:r>
+            <a:endParaRPr sz="1400">
               <a:solidFill>
                 <a:schemeClr val="lt1"/>
               </a:solidFill>
-              <a:latin typeface="Montserrat Medium"/>
-              <a:ea typeface="Montserrat Medium"/>
-              <a:cs typeface="Montserrat Medium"/>
-              <a:sym typeface="Montserrat Medium"/>
+              <a:latin typeface="Montserrat"/>
+              <a:ea typeface="Montserrat"/>
+              <a:cs typeface="Montserrat"/>
+              <a:sym typeface="Montserrat"/>
             </a:endParaRPr>
           </a:p>
         </p:txBody>
       </p:sp>
       <p:sp>
         <p:nvSpPr>
-          <p:cNvPr id="101" name="Google Shape;101;p18"/>
+          <p:cNvPr id="114" name="Google Shape;114;p18"/>
           <p:cNvSpPr/>
           <p:nvPr/>
         </p:nvSpPr>
         <p:spPr>
           <a:xfrm>
-            <a:off x="7521225" y="1855600"/>
-            <a:ext cx="261000" cy="261000"/>
+            <a:off x="8491800" y="4576850"/>
+            <a:ext cx="296400" cy="296400"/>
           </a:xfrm>
           <a:prstGeom prst="ellipse">
             <a:avLst/>
@@ -8994,50 +9198,59 @@
       </p:sp>
       <p:sp>
         <p:nvSpPr>
-          <p:cNvPr id="102" name="Google Shape;102;p18"/>
-          <p:cNvSpPr/>
+          <p:cNvPr id="115" name="Google Shape;115;p18"/>
+          <p:cNvSpPr txBox="1"/>
           <p:nvPr/>
         </p:nvSpPr>
         <p:spPr>
           <a:xfrm>
-            <a:off x="7521225" y="2159000"/>
-            <a:ext cx="261000" cy="261000"/>
-          </a:xfrm>
-          <a:prstGeom prst="ellipse">
-            <a:avLst/>
-          </a:prstGeom>
-          <a:solidFill>
-            <a:srgbClr val="90A8F7"/>
-          </a:solidFill>
-          <a:ln cap="flat" cmpd="sng" w="9525">
-            <a:solidFill>
-              <a:srgbClr val="90A8F7"/>
-            </a:solidFill>
-            <a:prstDash val="solid"/>
-            <a:round/>
-            <a:headEnd len="sm" w="sm" type="none"/>
-            <a:tailEnd len="sm" w="sm" type="none"/>
+            <a:off x="8491800" y="4555700"/>
+            <a:ext cx="296400" cy="338700"/>
+          </a:xfrm>
+          <a:prstGeom prst="rect">
+            <a:avLst/>
+          </a:prstGeom>
+          <a:noFill/>
+          <a:ln>
+            <a:noFill/>
           </a:ln>
         </p:spPr>
         <p:txBody>
-          <a:bodyPr anchorCtr="0" anchor="ctr" bIns="91425" lIns="91425" spcFirstLastPara="1" rIns="91425" wrap="square" tIns="91425">
-            <a:noAutofit/>
+          <a:bodyPr anchorCtr="0" anchor="t" bIns="91425" lIns="91425" spcFirstLastPara="1" rIns="91425" wrap="square" tIns="91425">
+            <a:spAutoFit/>
           </a:bodyPr>
           <a:lstStyle/>
           <a:p>
-            <a:pPr indent="0" lvl="0" marL="0" rtl="0" algn="l">
-              <a:spcBef>
-                <a:spcPts val="0"/>
-              </a:spcBef>
-              <a:spcAft>
-                <a:spcPts val="0"/>
-              </a:spcAft>
-              <a:buNone/>
-            </a:pPr>
-            <a:r>
-              <a:t/>
-            </a:r>
-            <a:endParaRPr/>
+            <a:pPr indent="0" lvl="0" marL="0" rtl="0" algn="ctr">
+              <a:spcBef>
+                <a:spcPts val="0"/>
+              </a:spcBef>
+              <a:spcAft>
+                <a:spcPts val="0"/>
+              </a:spcAft>
+              <a:buNone/>
+            </a:pPr>
+            <a:r>
+              <a:rPr lang="ru" sz="1000">
+                <a:solidFill>
+                  <a:schemeClr val="lt1"/>
+                </a:solidFill>
+                <a:latin typeface="Montserrat Medium"/>
+                <a:ea typeface="Montserrat Medium"/>
+                <a:cs typeface="Montserrat Medium"/>
+                <a:sym typeface="Montserrat Medium"/>
+              </a:rPr>
+              <a:t>6</a:t>
+            </a:r>
+            <a:endParaRPr sz="1000">
+              <a:solidFill>
+                <a:schemeClr val="lt1"/>
+              </a:solidFill>
+              <a:latin typeface="Montserrat Medium"/>
+              <a:ea typeface="Montserrat Medium"/>
+              <a:cs typeface="Montserrat Medium"/>
+              <a:sym typeface="Montserrat Medium"/>
+            </a:endParaRPr>
           </a:p>
         </p:txBody>
       </p:sp>
@@ -9054,7 +9267,7 @@
   <p:cSld>
     <p:spTree>
       <p:nvGrpSpPr>
-        <p:cNvPr id="106" name="Shape 106"/>
+        <p:cNvPr id="119" name="Shape 119"/>
         <p:cNvGrpSpPr/>
         <p:nvPr/>
       </p:nvGrpSpPr>
@@ -9068,7 +9281,7 @@
       </p:grpSpPr>
       <p:sp>
         <p:nvSpPr>
-          <p:cNvPr id="107" name="Google Shape;107;p19"/>
+          <p:cNvPr id="120" name="Google Shape;120;p19"/>
           <p:cNvSpPr txBox="1"/>
           <p:nvPr>
             <p:ph type="title"/>
@@ -9076,47 +9289,8 @@
         </p:nvSpPr>
         <p:spPr>
           <a:xfrm>
-            <a:off x="311700" y="445025"/>
+            <a:off x="727975" y="240400"/>
             <a:ext cx="8520600" cy="572700"/>
-          </a:xfrm>
-          <a:prstGeom prst="rect">
-            <a:avLst/>
-          </a:prstGeom>
-        </p:spPr>
-        <p:txBody>
-          <a:bodyPr anchorCtr="0" anchor="t" bIns="91425" lIns="91425" spcFirstLastPara="1" rIns="91425" wrap="square" tIns="91425">
-            <a:normAutofit fontScale="90000"/>
-          </a:bodyPr>
-          <a:lstStyle/>
-          <a:p>
-            <a:pPr indent="0" lvl="0" marL="0" rtl="0" algn="l">
-              <a:spcBef>
-                <a:spcPts val="0"/>
-              </a:spcBef>
-              <a:spcAft>
-                <a:spcPts val="0"/>
-              </a:spcAft>
-              <a:buNone/>
-            </a:pPr>
-            <a:r>
-              <a:t/>
-            </a:r>
-            <a:endParaRPr/>
-          </a:p>
-        </p:txBody>
-      </p:sp>
-      <p:sp>
-        <p:nvSpPr>
-          <p:cNvPr id="108" name="Google Shape;108;p19"/>
-          <p:cNvSpPr txBox="1"/>
-          <p:nvPr>
-            <p:ph idx="1" type="body"/>
-          </p:nvPr>
-        </p:nvSpPr>
-        <p:spPr>
-          <a:xfrm>
-            <a:off x="754950" y="1152475"/>
-            <a:ext cx="2554200" cy="3416400"/>
           </a:xfrm>
           <a:prstGeom prst="rect">
             <a:avLst/>
@@ -9133,12 +9307,497 @@
                 <a:spcPts val="0"/>
               </a:spcBef>
               <a:spcAft>
-                <a:spcPts val="1200"/>
-              </a:spcAft>
-              <a:buNone/>
-            </a:pPr>
-            <a:r>
-              <a:rPr lang="ru" sz="1400">
+                <a:spcPts val="0"/>
+              </a:spcAft>
+              <a:buSzPts val="990"/>
+              <a:buNone/>
+            </a:pPr>
+            <a:r>
+              <a:rPr lang="ru" sz="1820">
+                <a:solidFill>
+                  <a:srgbClr val="CCCCCC"/>
+                </a:solidFill>
+                <a:latin typeface="Montserrat Medium"/>
+                <a:ea typeface="Montserrat Medium"/>
+                <a:cs typeface="Montserrat Medium"/>
+                <a:sym typeface="Montserrat Medium"/>
+              </a:rPr>
+              <a:t>Трекшн</a:t>
+            </a:r>
+            <a:endParaRPr sz="1820">
+              <a:solidFill>
+                <a:srgbClr val="CCCCCC"/>
+              </a:solidFill>
+              <a:latin typeface="Montserrat Medium"/>
+              <a:ea typeface="Montserrat Medium"/>
+              <a:cs typeface="Montserrat Medium"/>
+              <a:sym typeface="Montserrat Medium"/>
+            </a:endParaRPr>
+          </a:p>
+        </p:txBody>
+      </p:sp>
+      <p:sp>
+        <p:nvSpPr>
+          <p:cNvPr id="121" name="Google Shape;121;p19"/>
+          <p:cNvSpPr/>
+          <p:nvPr/>
+        </p:nvSpPr>
+        <p:spPr>
+          <a:xfrm>
+            <a:off x="8491800" y="4576850"/>
+            <a:ext cx="296400" cy="296400"/>
+          </a:xfrm>
+          <a:prstGeom prst="ellipse">
+            <a:avLst/>
+          </a:prstGeom>
+          <a:solidFill>
+            <a:srgbClr val="562CEF"/>
+          </a:solidFill>
+          <a:ln cap="flat" cmpd="sng" w="9525">
+            <a:solidFill>
+              <a:srgbClr val="562CEF"/>
+            </a:solidFill>
+            <a:prstDash val="solid"/>
+            <a:round/>
+            <a:headEnd len="sm" w="sm" type="none"/>
+            <a:tailEnd len="sm" w="sm" type="none"/>
+          </a:ln>
+        </p:spPr>
+        <p:txBody>
+          <a:bodyPr anchorCtr="0" anchor="ctr" bIns="91425" lIns="91425" spcFirstLastPara="1" rIns="91425" wrap="square" tIns="91425">
+            <a:noAutofit/>
+          </a:bodyPr>
+          <a:lstStyle/>
+          <a:p>
+            <a:pPr indent="0" lvl="0" marL="0" rtl="0" algn="l">
+              <a:spcBef>
+                <a:spcPts val="0"/>
+              </a:spcBef>
+              <a:spcAft>
+                <a:spcPts val="0"/>
+              </a:spcAft>
+              <a:buNone/>
+            </a:pPr>
+            <a:r>
+              <a:t/>
+            </a:r>
+            <a:endParaRPr/>
+          </a:p>
+        </p:txBody>
+      </p:sp>
+      <p:sp>
+        <p:nvSpPr>
+          <p:cNvPr id="122" name="Google Shape;122;p19"/>
+          <p:cNvSpPr txBox="1"/>
+          <p:nvPr/>
+        </p:nvSpPr>
+        <p:spPr>
+          <a:xfrm>
+            <a:off x="8491800" y="4555700"/>
+            <a:ext cx="296400" cy="338700"/>
+          </a:xfrm>
+          <a:prstGeom prst="rect">
+            <a:avLst/>
+          </a:prstGeom>
+          <a:noFill/>
+          <a:ln>
+            <a:noFill/>
+          </a:ln>
+        </p:spPr>
+        <p:txBody>
+          <a:bodyPr anchorCtr="0" anchor="t" bIns="91425" lIns="91425" spcFirstLastPara="1" rIns="91425" wrap="square" tIns="91425">
+            <a:spAutoFit/>
+          </a:bodyPr>
+          <a:lstStyle/>
+          <a:p>
+            <a:pPr indent="0" lvl="0" marL="0" rtl="0" algn="ctr">
+              <a:spcBef>
+                <a:spcPts val="0"/>
+              </a:spcBef>
+              <a:spcAft>
+                <a:spcPts val="0"/>
+              </a:spcAft>
+              <a:buNone/>
+            </a:pPr>
+            <a:r>
+              <a:rPr lang="ru" sz="1000">
+                <a:solidFill>
+                  <a:schemeClr val="lt1"/>
+                </a:solidFill>
+                <a:latin typeface="Montserrat Medium"/>
+                <a:ea typeface="Montserrat Medium"/>
+                <a:cs typeface="Montserrat Medium"/>
+                <a:sym typeface="Montserrat Medium"/>
+              </a:rPr>
+              <a:t>7</a:t>
+            </a:r>
+            <a:endParaRPr sz="1000">
+              <a:solidFill>
+                <a:schemeClr val="lt1"/>
+              </a:solidFill>
+              <a:latin typeface="Montserrat Medium"/>
+              <a:ea typeface="Montserrat Medium"/>
+              <a:cs typeface="Montserrat Medium"/>
+              <a:sym typeface="Montserrat Medium"/>
+            </a:endParaRPr>
+          </a:p>
+        </p:txBody>
+      </p:sp>
+      <p:sp>
+        <p:nvSpPr>
+          <p:cNvPr id="123" name="Google Shape;123;p19"/>
+          <p:cNvSpPr/>
+          <p:nvPr/>
+        </p:nvSpPr>
+        <p:spPr>
+          <a:xfrm>
+            <a:off x="853700" y="1017800"/>
+            <a:ext cx="296400" cy="296400"/>
+          </a:xfrm>
+          <a:prstGeom prst="ellipse">
+            <a:avLst/>
+          </a:prstGeom>
+          <a:solidFill>
+            <a:srgbClr val="562CEF"/>
+          </a:solidFill>
+          <a:ln cap="flat" cmpd="sng" w="9525">
+            <a:solidFill>
+              <a:srgbClr val="562CEF"/>
+            </a:solidFill>
+            <a:prstDash val="solid"/>
+            <a:round/>
+            <a:headEnd len="sm" w="sm" type="none"/>
+            <a:tailEnd len="sm" w="sm" type="none"/>
+          </a:ln>
+        </p:spPr>
+        <p:txBody>
+          <a:bodyPr anchorCtr="0" anchor="ctr" bIns="91425" lIns="91425" spcFirstLastPara="1" rIns="91425" wrap="square" tIns="91425">
+            <a:noAutofit/>
+          </a:bodyPr>
+          <a:lstStyle/>
+          <a:p>
+            <a:pPr indent="0" lvl="0" marL="0" rtl="0" algn="l">
+              <a:spcBef>
+                <a:spcPts val="0"/>
+              </a:spcBef>
+              <a:spcAft>
+                <a:spcPts val="0"/>
+              </a:spcAft>
+              <a:buNone/>
+            </a:pPr>
+            <a:r>
+              <a:t/>
+            </a:r>
+            <a:endParaRPr/>
+          </a:p>
+        </p:txBody>
+      </p:sp>
+      <p:sp>
+        <p:nvSpPr>
+          <p:cNvPr id="124" name="Google Shape;124;p19"/>
+          <p:cNvSpPr txBox="1"/>
+          <p:nvPr/>
+        </p:nvSpPr>
+        <p:spPr>
+          <a:xfrm>
+            <a:off x="853700" y="996650"/>
+            <a:ext cx="296400" cy="338700"/>
+          </a:xfrm>
+          <a:prstGeom prst="rect">
+            <a:avLst/>
+          </a:prstGeom>
+          <a:noFill/>
+          <a:ln>
+            <a:noFill/>
+          </a:ln>
+        </p:spPr>
+        <p:txBody>
+          <a:bodyPr anchorCtr="0" anchor="t" bIns="91425" lIns="91425" spcFirstLastPara="1" rIns="91425" wrap="square" tIns="91425">
+            <a:spAutoFit/>
+          </a:bodyPr>
+          <a:lstStyle/>
+          <a:p>
+            <a:pPr indent="0" lvl="0" marL="0" rtl="0" algn="ctr">
+              <a:spcBef>
+                <a:spcPts val="0"/>
+              </a:spcBef>
+              <a:spcAft>
+                <a:spcPts val="0"/>
+              </a:spcAft>
+              <a:buNone/>
+            </a:pPr>
+            <a:r>
+              <a:rPr lang="ru" sz="1000">
+                <a:solidFill>
+                  <a:schemeClr val="lt1"/>
+                </a:solidFill>
+                <a:latin typeface="Montserrat Medium"/>
+                <a:ea typeface="Montserrat Medium"/>
+                <a:cs typeface="Montserrat Medium"/>
+                <a:sym typeface="Montserrat Medium"/>
+              </a:rPr>
+              <a:t>1</a:t>
+            </a:r>
+            <a:endParaRPr sz="1000">
+              <a:solidFill>
+                <a:schemeClr val="lt1"/>
+              </a:solidFill>
+              <a:latin typeface="Montserrat Medium"/>
+              <a:ea typeface="Montserrat Medium"/>
+              <a:cs typeface="Montserrat Medium"/>
+              <a:sym typeface="Montserrat Medium"/>
+            </a:endParaRPr>
+          </a:p>
+        </p:txBody>
+      </p:sp>
+      <p:sp>
+        <p:nvSpPr>
+          <p:cNvPr id="125" name="Google Shape;125;p19"/>
+          <p:cNvSpPr/>
+          <p:nvPr/>
+        </p:nvSpPr>
+        <p:spPr>
+          <a:xfrm>
+            <a:off x="853700" y="1891988"/>
+            <a:ext cx="296400" cy="296400"/>
+          </a:xfrm>
+          <a:prstGeom prst="ellipse">
+            <a:avLst/>
+          </a:prstGeom>
+          <a:solidFill>
+            <a:srgbClr val="562CEF"/>
+          </a:solidFill>
+          <a:ln cap="flat" cmpd="sng" w="9525">
+            <a:solidFill>
+              <a:srgbClr val="562CEF"/>
+            </a:solidFill>
+            <a:prstDash val="solid"/>
+            <a:round/>
+            <a:headEnd len="sm" w="sm" type="none"/>
+            <a:tailEnd len="sm" w="sm" type="none"/>
+          </a:ln>
+        </p:spPr>
+        <p:txBody>
+          <a:bodyPr anchorCtr="0" anchor="ctr" bIns="91425" lIns="91425" spcFirstLastPara="1" rIns="91425" wrap="square" tIns="91425">
+            <a:noAutofit/>
+          </a:bodyPr>
+          <a:lstStyle/>
+          <a:p>
+            <a:pPr indent="0" lvl="0" marL="0" rtl="0" algn="l">
+              <a:spcBef>
+                <a:spcPts val="0"/>
+              </a:spcBef>
+              <a:spcAft>
+                <a:spcPts val="0"/>
+              </a:spcAft>
+              <a:buNone/>
+            </a:pPr>
+            <a:r>
+              <a:t/>
+            </a:r>
+            <a:endParaRPr/>
+          </a:p>
+        </p:txBody>
+      </p:sp>
+      <p:sp>
+        <p:nvSpPr>
+          <p:cNvPr id="126" name="Google Shape;126;p19"/>
+          <p:cNvSpPr txBox="1"/>
+          <p:nvPr/>
+        </p:nvSpPr>
+        <p:spPr>
+          <a:xfrm>
+            <a:off x="853700" y="1870838"/>
+            <a:ext cx="296400" cy="338700"/>
+          </a:xfrm>
+          <a:prstGeom prst="rect">
+            <a:avLst/>
+          </a:prstGeom>
+          <a:noFill/>
+          <a:ln>
+            <a:noFill/>
+          </a:ln>
+        </p:spPr>
+        <p:txBody>
+          <a:bodyPr anchorCtr="0" anchor="t" bIns="91425" lIns="91425" spcFirstLastPara="1" rIns="91425" wrap="square" tIns="91425">
+            <a:spAutoFit/>
+          </a:bodyPr>
+          <a:lstStyle/>
+          <a:p>
+            <a:pPr indent="0" lvl="0" marL="0" rtl="0" algn="ctr">
+              <a:spcBef>
+                <a:spcPts val="0"/>
+              </a:spcBef>
+              <a:spcAft>
+                <a:spcPts val="0"/>
+              </a:spcAft>
+              <a:buNone/>
+            </a:pPr>
+            <a:r>
+              <a:rPr lang="ru" sz="1000">
+                <a:solidFill>
+                  <a:schemeClr val="lt1"/>
+                </a:solidFill>
+                <a:latin typeface="Montserrat Medium"/>
+                <a:ea typeface="Montserrat Medium"/>
+                <a:cs typeface="Montserrat Medium"/>
+                <a:sym typeface="Montserrat Medium"/>
+              </a:rPr>
+              <a:t>2</a:t>
+            </a:r>
+            <a:endParaRPr sz="1000">
+              <a:solidFill>
+                <a:schemeClr val="lt1"/>
+              </a:solidFill>
+              <a:latin typeface="Montserrat Medium"/>
+              <a:ea typeface="Montserrat Medium"/>
+              <a:cs typeface="Montserrat Medium"/>
+              <a:sym typeface="Montserrat Medium"/>
+            </a:endParaRPr>
+          </a:p>
+        </p:txBody>
+      </p:sp>
+      <p:sp>
+        <p:nvSpPr>
+          <p:cNvPr id="127" name="Google Shape;127;p19"/>
+          <p:cNvSpPr/>
+          <p:nvPr/>
+        </p:nvSpPr>
+        <p:spPr>
+          <a:xfrm>
+            <a:off x="853700" y="2778575"/>
+            <a:ext cx="296400" cy="296400"/>
+          </a:xfrm>
+          <a:prstGeom prst="ellipse">
+            <a:avLst/>
+          </a:prstGeom>
+          <a:solidFill>
+            <a:srgbClr val="562CEF"/>
+          </a:solidFill>
+          <a:ln cap="flat" cmpd="sng" w="9525">
+            <a:solidFill>
+              <a:srgbClr val="562CEF"/>
+            </a:solidFill>
+            <a:prstDash val="solid"/>
+            <a:round/>
+            <a:headEnd len="sm" w="sm" type="none"/>
+            <a:tailEnd len="sm" w="sm" type="none"/>
+          </a:ln>
+        </p:spPr>
+        <p:txBody>
+          <a:bodyPr anchorCtr="0" anchor="ctr" bIns="91425" lIns="91425" spcFirstLastPara="1" rIns="91425" wrap="square" tIns="91425">
+            <a:noAutofit/>
+          </a:bodyPr>
+          <a:lstStyle/>
+          <a:p>
+            <a:pPr indent="0" lvl="0" marL="0" rtl="0" algn="l">
+              <a:spcBef>
+                <a:spcPts val="0"/>
+              </a:spcBef>
+              <a:spcAft>
+                <a:spcPts val="0"/>
+              </a:spcAft>
+              <a:buNone/>
+            </a:pPr>
+            <a:r>
+              <a:t/>
+            </a:r>
+            <a:endParaRPr/>
+          </a:p>
+        </p:txBody>
+      </p:sp>
+      <p:sp>
+        <p:nvSpPr>
+          <p:cNvPr id="128" name="Google Shape;128;p19"/>
+          <p:cNvSpPr txBox="1"/>
+          <p:nvPr/>
+        </p:nvSpPr>
+        <p:spPr>
+          <a:xfrm>
+            <a:off x="853700" y="2757425"/>
+            <a:ext cx="296400" cy="338700"/>
+          </a:xfrm>
+          <a:prstGeom prst="rect">
+            <a:avLst/>
+          </a:prstGeom>
+          <a:noFill/>
+          <a:ln>
+            <a:noFill/>
+          </a:ln>
+        </p:spPr>
+        <p:txBody>
+          <a:bodyPr anchorCtr="0" anchor="t" bIns="91425" lIns="91425" spcFirstLastPara="1" rIns="91425" wrap="square" tIns="91425">
+            <a:spAutoFit/>
+          </a:bodyPr>
+          <a:lstStyle/>
+          <a:p>
+            <a:pPr indent="0" lvl="0" marL="0" rtl="0" algn="ctr">
+              <a:spcBef>
+                <a:spcPts val="0"/>
+              </a:spcBef>
+              <a:spcAft>
+                <a:spcPts val="0"/>
+              </a:spcAft>
+              <a:buNone/>
+            </a:pPr>
+            <a:r>
+              <a:rPr lang="ru" sz="1000">
+                <a:solidFill>
+                  <a:schemeClr val="lt1"/>
+                </a:solidFill>
+                <a:latin typeface="Montserrat Medium"/>
+                <a:ea typeface="Montserrat Medium"/>
+                <a:cs typeface="Montserrat Medium"/>
+                <a:sym typeface="Montserrat Medium"/>
+              </a:rPr>
+              <a:t>3</a:t>
+            </a:r>
+            <a:endParaRPr sz="1000">
+              <a:solidFill>
+                <a:schemeClr val="lt1"/>
+              </a:solidFill>
+              <a:latin typeface="Montserrat Medium"/>
+              <a:ea typeface="Montserrat Medium"/>
+              <a:cs typeface="Montserrat Medium"/>
+              <a:sym typeface="Montserrat Medium"/>
+            </a:endParaRPr>
+          </a:p>
+        </p:txBody>
+      </p:sp>
+      <p:sp>
+        <p:nvSpPr>
+          <p:cNvPr id="129" name="Google Shape;129;p19"/>
+          <p:cNvSpPr txBox="1"/>
+          <p:nvPr>
+            <p:ph idx="1" type="body"/>
+          </p:nvPr>
+        </p:nvSpPr>
+        <p:spPr>
+          <a:xfrm>
+            <a:off x="1150100" y="962625"/>
+            <a:ext cx="7454400" cy="669900"/>
+          </a:xfrm>
+          <a:prstGeom prst="rect">
+            <a:avLst/>
+          </a:prstGeom>
+        </p:spPr>
+        <p:txBody>
+          <a:bodyPr anchorCtr="0" anchor="t" bIns="91425" lIns="91425" spcFirstLastPara="1" rIns="91425" wrap="square" tIns="91425">
+            <a:noAutofit/>
+          </a:bodyPr>
+          <a:lstStyle/>
+          <a:p>
+            <a:pPr indent="0" lvl="0" marL="0" rtl="0" algn="l">
+              <a:spcBef>
+                <a:spcPts val="0"/>
+              </a:spcBef>
+              <a:spcAft>
+                <a:spcPts val="0"/>
+              </a:spcAft>
+              <a:buNone/>
+            </a:pPr>
+            <a:r>
+              <a:rPr lang="ru" sz="1500">
                 <a:solidFill>
                   <a:schemeClr val="lt1"/>
                 </a:solidFill>
@@ -9147,9 +9806,9 @@
                 <a:cs typeface="Montserrat"/>
                 <a:sym typeface="Montserrat"/>
               </a:rPr>
-              <a:t>Готовы ли вы давать контакты своих социальных сетей заинтересованным лицам?</a:t>
-            </a:r>
-            <a:endParaRPr>
+              <a:t>Участники акселератора стартапов NSU.catalyst</a:t>
+            </a:r>
+            <a:endParaRPr sz="1500">
               <a:solidFill>
                 <a:schemeClr val="lt1"/>
               </a:solidFill>
@@ -9159,58 +9818,74 @@
               <a:sym typeface="Montserrat"/>
             </a:endParaRPr>
           </a:p>
+          <a:p>
+            <a:pPr indent="0" lvl="0" marL="0" rtl="0" algn="l">
+              <a:spcBef>
+                <a:spcPts val="1200"/>
+              </a:spcBef>
+              <a:spcAft>
+                <a:spcPts val="0"/>
+              </a:spcAft>
+              <a:buNone/>
+            </a:pPr>
+            <a:r>
+              <a:t/>
+            </a:r>
+            <a:endParaRPr sz="1400">
+              <a:solidFill>
+                <a:schemeClr val="lt1"/>
+              </a:solidFill>
+              <a:latin typeface="Montserrat"/>
+              <a:ea typeface="Montserrat"/>
+              <a:cs typeface="Montserrat"/>
+              <a:sym typeface="Montserrat"/>
+            </a:endParaRPr>
+          </a:p>
+          <a:p>
+            <a:pPr indent="0" lvl="0" marL="0" rtl="0" algn="l">
+              <a:spcBef>
+                <a:spcPts val="1200"/>
+              </a:spcBef>
+              <a:spcAft>
+                <a:spcPts val="1200"/>
+              </a:spcAft>
+              <a:buNone/>
+            </a:pPr>
+            <a:r>
+              <a:t/>
+            </a:r>
+            <a:endParaRPr sz="1400">
+              <a:solidFill>
+                <a:schemeClr val="lt1"/>
+              </a:solidFill>
+              <a:latin typeface="Montserrat"/>
+              <a:ea typeface="Montserrat"/>
+              <a:cs typeface="Montserrat"/>
+              <a:sym typeface="Montserrat"/>
+            </a:endParaRPr>
+          </a:p>
         </p:txBody>
       </p:sp>
-      <p:pic>
-        <p:nvPicPr>
-          <p:cNvPr id="109" name="Google Shape;109;p19"/>
-          <p:cNvPicPr preferRelativeResize="0"/>
-          <p:nvPr/>
-        </p:nvPicPr>
-        <p:blipFill>
-          <a:blip r:embed="rId3">
-            <a:alphaModFix/>
-          </a:blip>
-          <a:stretch>
-            <a:fillRect/>
-          </a:stretch>
-        </p:blipFill>
-        <p:spPr>
-          <a:xfrm>
-            <a:off x="3179465" y="318025"/>
-            <a:ext cx="5758160" cy="3717949"/>
+      <p:sp>
+        <p:nvSpPr>
+          <p:cNvPr id="130" name="Google Shape;130;p19"/>
+          <p:cNvSpPr txBox="1"/>
+          <p:nvPr>
+            <p:ph idx="1" type="body"/>
+          </p:nvPr>
+        </p:nvSpPr>
+        <p:spPr>
+          <a:xfrm>
+            <a:off x="1150100" y="1822825"/>
+            <a:ext cx="7454400" cy="669900"/>
           </a:xfrm>
           <a:prstGeom prst="rect">
             <a:avLst/>
           </a:prstGeom>
-          <a:noFill/>
-          <a:ln>
-            <a:noFill/>
-          </a:ln>
-        </p:spPr>
-      </p:pic>
-      <p:sp>
-        <p:nvSpPr>
-          <p:cNvPr id="110" name="Google Shape;110;p19"/>
-          <p:cNvSpPr txBox="1"/>
-          <p:nvPr/>
-        </p:nvSpPr>
-        <p:spPr>
-          <a:xfrm>
-            <a:off x="4251275" y="1088275"/>
-            <a:ext cx="846600" cy="400200"/>
-          </a:xfrm>
-          <a:prstGeom prst="rect">
-            <a:avLst/>
-          </a:prstGeom>
-          <a:noFill/>
-          <a:ln>
-            <a:noFill/>
-          </a:ln>
         </p:spPr>
         <p:txBody>
           <a:bodyPr anchorCtr="0" anchor="t" bIns="91425" lIns="91425" spcFirstLastPara="1" rIns="91425" wrap="square" tIns="91425">
-            <a:spAutoFit/>
+            <a:noAutofit/>
           </a:bodyPr>
           <a:lstStyle/>
           <a:p>
@@ -9224,177 +9899,173 @@
               <a:buNone/>
             </a:pPr>
             <a:r>
-              <a:rPr lang="ru">
+              <a:rPr lang="ru" sz="1500">
                 <a:solidFill>
                   <a:schemeClr val="lt1"/>
                 </a:solidFill>
-                <a:latin typeface="Montserrat Medium"/>
-                <a:ea typeface="Montserrat Medium"/>
-                <a:cs typeface="Montserrat Medium"/>
-                <a:sym typeface="Montserrat Medium"/>
+                <a:latin typeface="Montserrat"/>
+                <a:ea typeface="Montserrat"/>
+                <a:cs typeface="Montserrat"/>
+                <a:sym typeface="Montserrat"/>
               </a:rPr>
-              <a:t>15</a:t>
-            </a:r>
-            <a:r>
-              <a:rPr lang="ru">
+              <a:t>Проект является преддипломной практикой </a:t>
+            </a:r>
+            <a:endParaRPr sz="1500">
+              <a:solidFill>
+                <a:schemeClr val="lt1"/>
+              </a:solidFill>
+              <a:latin typeface="Montserrat"/>
+              <a:ea typeface="Montserrat"/>
+              <a:cs typeface="Montserrat"/>
+              <a:sym typeface="Montserrat"/>
+            </a:endParaRPr>
+          </a:p>
+          <a:p>
+            <a:pPr indent="0" lvl="0" marL="0" rtl="0" algn="l">
+              <a:spcBef>
+                <a:spcPts val="1200"/>
+              </a:spcBef>
+              <a:spcAft>
+                <a:spcPts val="0"/>
+              </a:spcAft>
+              <a:buNone/>
+            </a:pPr>
+            <a:r>
+              <a:t/>
+            </a:r>
+            <a:endParaRPr sz="1400">
+              <a:solidFill>
+                <a:schemeClr val="lt1"/>
+              </a:solidFill>
+              <a:latin typeface="Montserrat"/>
+              <a:ea typeface="Montserrat"/>
+              <a:cs typeface="Montserrat"/>
+              <a:sym typeface="Montserrat"/>
+            </a:endParaRPr>
+          </a:p>
+          <a:p>
+            <a:pPr indent="0" lvl="0" marL="0" rtl="0" algn="l">
+              <a:spcBef>
+                <a:spcPts val="1200"/>
+              </a:spcBef>
+              <a:spcAft>
+                <a:spcPts val="1200"/>
+              </a:spcAft>
+              <a:buNone/>
+            </a:pPr>
+            <a:r>
+              <a:t/>
+            </a:r>
+            <a:endParaRPr sz="1400">
+              <a:solidFill>
+                <a:schemeClr val="lt1"/>
+              </a:solidFill>
+              <a:latin typeface="Montserrat"/>
+              <a:ea typeface="Montserrat"/>
+              <a:cs typeface="Montserrat"/>
+              <a:sym typeface="Montserrat"/>
+            </a:endParaRPr>
+          </a:p>
+        </p:txBody>
+      </p:sp>
+      <p:sp>
+        <p:nvSpPr>
+          <p:cNvPr id="131" name="Google Shape;131;p19"/>
+          <p:cNvSpPr txBox="1"/>
+          <p:nvPr>
+            <p:ph idx="1" type="body"/>
+          </p:nvPr>
+        </p:nvSpPr>
+        <p:spPr>
+          <a:xfrm>
+            <a:off x="1150100" y="2719013"/>
+            <a:ext cx="7454400" cy="669900"/>
+          </a:xfrm>
+          <a:prstGeom prst="rect">
+            <a:avLst/>
+          </a:prstGeom>
+        </p:spPr>
+        <p:txBody>
+          <a:bodyPr anchorCtr="0" anchor="t" bIns="91425" lIns="91425" spcFirstLastPara="1" rIns="91425" wrap="square" tIns="91425">
+            <a:noAutofit/>
+          </a:bodyPr>
+          <a:lstStyle/>
+          <a:p>
+            <a:pPr indent="0" lvl="0" marL="0" rtl="0" algn="l">
+              <a:spcBef>
+                <a:spcPts val="0"/>
+              </a:spcBef>
+              <a:spcAft>
+                <a:spcPts val="0"/>
+              </a:spcAft>
+              <a:buNone/>
+            </a:pPr>
+            <a:r>
+              <a:rPr lang="ru" sz="1500">
                 <a:solidFill>
                   <a:schemeClr val="lt1"/>
                 </a:solidFill>
-                <a:latin typeface="Montserrat Medium"/>
-                <a:ea typeface="Montserrat Medium"/>
-                <a:cs typeface="Montserrat Medium"/>
-                <a:sym typeface="Montserrat Medium"/>
+                <a:latin typeface="Montserrat"/>
+                <a:ea typeface="Montserrat"/>
+                <a:cs typeface="Montserrat"/>
+                <a:sym typeface="Montserrat"/>
               </a:rPr>
-              <a:t>%</a:t>
-            </a:r>
-            <a:endParaRPr>
+              <a:t>Ведется разработка MVP версии сервиса</a:t>
+            </a:r>
+            <a:endParaRPr sz="1500">
               <a:solidFill>
                 <a:schemeClr val="lt1"/>
               </a:solidFill>
-              <a:latin typeface="Montserrat Medium"/>
-              <a:ea typeface="Montserrat Medium"/>
-              <a:cs typeface="Montserrat Medium"/>
-              <a:sym typeface="Montserrat Medium"/>
+              <a:latin typeface="Montserrat"/>
+              <a:ea typeface="Montserrat"/>
+              <a:cs typeface="Montserrat"/>
+              <a:sym typeface="Montserrat"/>
             </a:endParaRPr>
           </a:p>
-        </p:txBody>
-      </p:sp>
-      <p:sp>
-        <p:nvSpPr>
-          <p:cNvPr id="111" name="Google Shape;111;p19"/>
-          <p:cNvSpPr txBox="1"/>
-          <p:nvPr/>
-        </p:nvSpPr>
-        <p:spPr>
-          <a:xfrm>
-            <a:off x="5189625" y="1382625"/>
-            <a:ext cx="846600" cy="400200"/>
-          </a:xfrm>
-          <a:prstGeom prst="rect">
-            <a:avLst/>
-          </a:prstGeom>
-          <a:noFill/>
-          <a:ln>
-            <a:noFill/>
-          </a:ln>
-        </p:spPr>
-        <p:txBody>
-          <a:bodyPr anchorCtr="0" anchor="t" bIns="91425" lIns="91425" spcFirstLastPara="1" rIns="91425" wrap="square" tIns="91425">
-            <a:spAutoFit/>
-          </a:bodyPr>
-          <a:lstStyle/>
           <a:p>
             <a:pPr indent="0" lvl="0" marL="0" rtl="0" algn="l">
               <a:spcBef>
-                <a:spcPts val="0"/>
-              </a:spcBef>
-              <a:spcAft>
-                <a:spcPts val="0"/>
-              </a:spcAft>
-              <a:buNone/>
-            </a:pPr>
-            <a:r>
-              <a:rPr lang="ru">
-                <a:solidFill>
-                  <a:schemeClr val="lt1"/>
-                </a:solidFill>
-                <a:latin typeface="Montserrat Medium"/>
-                <a:ea typeface="Montserrat Medium"/>
-                <a:cs typeface="Montserrat Medium"/>
-                <a:sym typeface="Montserrat Medium"/>
-              </a:rPr>
-              <a:t>21</a:t>
-            </a:r>
-            <a:r>
-              <a:rPr lang="ru">
-                <a:solidFill>
-                  <a:schemeClr val="lt1"/>
-                </a:solidFill>
-                <a:latin typeface="Montserrat Medium"/>
-                <a:ea typeface="Montserrat Medium"/>
-                <a:cs typeface="Montserrat Medium"/>
-                <a:sym typeface="Montserrat Medium"/>
-              </a:rPr>
-              <a:t>%</a:t>
-            </a:r>
-            <a:endParaRPr>
+                <a:spcPts val="1200"/>
+              </a:spcBef>
+              <a:spcAft>
+                <a:spcPts val="0"/>
+              </a:spcAft>
+              <a:buNone/>
+            </a:pPr>
+            <a:r>
+              <a:t/>
+            </a:r>
+            <a:endParaRPr sz="1400">
               <a:solidFill>
                 <a:schemeClr val="lt1"/>
               </a:solidFill>
-              <a:latin typeface="Montserrat Medium"/>
-              <a:ea typeface="Montserrat Medium"/>
-              <a:cs typeface="Montserrat Medium"/>
-              <a:sym typeface="Montserrat Medium"/>
+              <a:latin typeface="Montserrat"/>
+              <a:ea typeface="Montserrat"/>
+              <a:cs typeface="Montserrat"/>
+              <a:sym typeface="Montserrat"/>
             </a:endParaRPr>
           </a:p>
-        </p:txBody>
-      </p:sp>
-      <p:sp>
-        <p:nvSpPr>
-          <p:cNvPr id="112" name="Google Shape;112;p19"/>
-          <p:cNvSpPr txBox="1"/>
-          <p:nvPr/>
-        </p:nvSpPr>
-        <p:spPr>
-          <a:xfrm>
-            <a:off x="4019825" y="2801700"/>
-            <a:ext cx="846600" cy="400200"/>
-          </a:xfrm>
-          <a:prstGeom prst="rect">
-            <a:avLst/>
-          </a:prstGeom>
-          <a:noFill/>
-          <a:ln>
-            <a:noFill/>
-          </a:ln>
-        </p:spPr>
-        <p:txBody>
-          <a:bodyPr anchorCtr="0" anchor="t" bIns="91425" lIns="91425" spcFirstLastPara="1" rIns="91425" wrap="square" tIns="91425">
-            <a:spAutoFit/>
-          </a:bodyPr>
-          <a:lstStyle/>
           <a:p>
             <a:pPr indent="0" lvl="0" marL="0" rtl="0" algn="l">
               <a:spcBef>
-                <a:spcPts val="0"/>
-              </a:spcBef>
-              <a:spcAft>
-                <a:spcPts val="0"/>
-              </a:spcAft>
-              <a:buNone/>
-            </a:pPr>
-            <a:r>
-              <a:rPr lang="ru">
-                <a:solidFill>
-                  <a:schemeClr val="lt1"/>
-                </a:solidFill>
-                <a:latin typeface="Montserrat Medium"/>
-                <a:ea typeface="Montserrat Medium"/>
-                <a:cs typeface="Montserrat Medium"/>
-                <a:sym typeface="Montserrat Medium"/>
-              </a:rPr>
-              <a:t>64</a:t>
-            </a:r>
-            <a:r>
-              <a:rPr lang="ru">
-                <a:solidFill>
-                  <a:schemeClr val="lt1"/>
-                </a:solidFill>
-                <a:latin typeface="Montserrat Medium"/>
-                <a:ea typeface="Montserrat Medium"/>
-                <a:cs typeface="Montserrat Medium"/>
-                <a:sym typeface="Montserrat Medium"/>
-              </a:rPr>
-              <a:t>%</a:t>
-            </a:r>
-            <a:endParaRPr>
+                <a:spcPts val="1200"/>
+              </a:spcBef>
+              <a:spcAft>
+                <a:spcPts val="1200"/>
+              </a:spcAft>
+              <a:buNone/>
+            </a:pPr>
+            <a:r>
+              <a:t/>
+            </a:r>
+            <a:endParaRPr sz="1400">
               <a:solidFill>
                 <a:schemeClr val="lt1"/>
               </a:solidFill>
-              <a:latin typeface="Montserrat Medium"/>
-              <a:ea typeface="Montserrat Medium"/>
-              <a:cs typeface="Montserrat Medium"/>
-              <a:sym typeface="Montserrat Medium"/>
+              <a:latin typeface="Montserrat"/>
+              <a:ea typeface="Montserrat"/>
+              <a:cs typeface="Montserrat"/>
+              <a:sym typeface="Montserrat"/>
             </a:endParaRPr>
           </a:p>
         </p:txBody>
@@ -9412,7 +10083,7 @@
   <p:cSld>
     <p:spTree>
       <p:nvGrpSpPr>
-        <p:cNvPr id="116" name="Shape 116"/>
+        <p:cNvPr id="135" name="Shape 135"/>
         <p:cNvGrpSpPr/>
         <p:nvPr/>
       </p:nvGrpSpPr>
@@ -9426,7 +10097,7 @@
       </p:grpSpPr>
       <p:sp>
         <p:nvSpPr>
-          <p:cNvPr id="117" name="Google Shape;117;p20"/>
+          <p:cNvPr id="136" name="Google Shape;136;p20"/>
           <p:cNvSpPr txBox="1"/>
           <p:nvPr>
             <p:ph type="title"/>
@@ -9434,47 +10105,8 @@
         </p:nvSpPr>
         <p:spPr>
           <a:xfrm>
-            <a:off x="311700" y="445025"/>
+            <a:off x="727975" y="240400"/>
             <a:ext cx="8520600" cy="572700"/>
-          </a:xfrm>
-          <a:prstGeom prst="rect">
-            <a:avLst/>
-          </a:prstGeom>
-        </p:spPr>
-        <p:txBody>
-          <a:bodyPr anchorCtr="0" anchor="t" bIns="91425" lIns="91425" spcFirstLastPara="1" rIns="91425" wrap="square" tIns="91425">
-            <a:normAutofit fontScale="90000"/>
-          </a:bodyPr>
-          <a:lstStyle/>
-          <a:p>
-            <a:pPr indent="0" lvl="0" marL="0" rtl="0" algn="l">
-              <a:spcBef>
-                <a:spcPts val="0"/>
-              </a:spcBef>
-              <a:spcAft>
-                <a:spcPts val="0"/>
-              </a:spcAft>
-              <a:buNone/>
-            </a:pPr>
-            <a:r>
-              <a:t/>
-            </a:r>
-            <a:endParaRPr/>
-          </a:p>
-        </p:txBody>
-      </p:sp>
-      <p:sp>
-        <p:nvSpPr>
-          <p:cNvPr id="118" name="Google Shape;118;p20"/>
-          <p:cNvSpPr txBox="1"/>
-          <p:nvPr>
-            <p:ph idx="1" type="body"/>
-          </p:nvPr>
-        </p:nvSpPr>
-        <p:spPr>
-          <a:xfrm>
-            <a:off x="740825" y="1152475"/>
-            <a:ext cx="3330300" cy="3416400"/>
           </a:xfrm>
           <a:prstGeom prst="rect">
             <a:avLst/>
@@ -9491,12 +10123,175 @@
                 <a:spcPts val="0"/>
               </a:spcBef>
               <a:spcAft>
-                <a:spcPts val="1200"/>
-              </a:spcAft>
-              <a:buNone/>
-            </a:pPr>
-            <a:r>
-              <a:rPr lang="ru" sz="1400">
+                <a:spcPts val="0"/>
+              </a:spcAft>
+              <a:buSzPts val="990"/>
+              <a:buNone/>
+            </a:pPr>
+            <a:r>
+              <a:rPr lang="ru" sz="1820">
+                <a:solidFill>
+                  <a:srgbClr val="CCCCCC"/>
+                </a:solidFill>
+                <a:latin typeface="Montserrat Medium"/>
+                <a:ea typeface="Montserrat Medium"/>
+                <a:cs typeface="Montserrat Medium"/>
+                <a:sym typeface="Montserrat Medium"/>
+              </a:rPr>
+              <a:t>RoadMap</a:t>
+            </a:r>
+            <a:endParaRPr sz="1820">
+              <a:solidFill>
+                <a:srgbClr val="CCCCCC"/>
+              </a:solidFill>
+              <a:latin typeface="Montserrat Medium"/>
+              <a:ea typeface="Montserrat Medium"/>
+              <a:cs typeface="Montserrat Medium"/>
+              <a:sym typeface="Montserrat Medium"/>
+            </a:endParaRPr>
+          </a:p>
+        </p:txBody>
+      </p:sp>
+      <p:cxnSp>
+        <p:nvCxnSpPr>
+          <p:cNvPr id="137" name="Google Shape;137;p20"/>
+          <p:cNvCxnSpPr/>
+          <p:nvPr/>
+        </p:nvCxnSpPr>
+        <p:spPr>
+          <a:xfrm flipH="1" rot="10800000">
+            <a:off x="812750" y="1989800"/>
+            <a:ext cx="8401800" cy="6900"/>
+          </a:xfrm>
+          <a:prstGeom prst="straightConnector1">
+            <a:avLst/>
+          </a:prstGeom>
+          <a:noFill/>
+          <a:ln cap="flat" cmpd="sng" w="114300">
+            <a:solidFill>
+              <a:srgbClr val="562CEF"/>
+            </a:solidFill>
+            <a:prstDash val="solid"/>
+            <a:round/>
+            <a:headEnd len="med" w="med" type="none"/>
+            <a:tailEnd len="med" w="med" type="none"/>
+          </a:ln>
+        </p:spPr>
+      </p:cxnSp>
+      <p:cxnSp>
+        <p:nvCxnSpPr>
+          <p:cNvPr id="138" name="Google Shape;138;p20"/>
+          <p:cNvCxnSpPr/>
+          <p:nvPr/>
+        </p:nvCxnSpPr>
+        <p:spPr>
+          <a:xfrm rot="10800000">
+            <a:off x="3606300" y="1728575"/>
+            <a:ext cx="0" cy="338700"/>
+          </a:xfrm>
+          <a:prstGeom prst="straightConnector1">
+            <a:avLst/>
+          </a:prstGeom>
+          <a:noFill/>
+          <a:ln cap="flat" cmpd="sng" w="38100">
+            <a:solidFill>
+              <a:schemeClr val="lt1"/>
+            </a:solidFill>
+            <a:prstDash val="solid"/>
+            <a:round/>
+            <a:headEnd len="med" w="med" type="none"/>
+            <a:tailEnd len="med" w="med" type="oval"/>
+          </a:ln>
+        </p:spPr>
+      </p:cxnSp>
+      <p:cxnSp>
+        <p:nvCxnSpPr>
+          <p:cNvPr id="139" name="Google Shape;139;p20"/>
+          <p:cNvCxnSpPr/>
+          <p:nvPr/>
+        </p:nvCxnSpPr>
+        <p:spPr>
+          <a:xfrm>
+            <a:off x="5342483" y="1942875"/>
+            <a:ext cx="0" cy="345600"/>
+          </a:xfrm>
+          <a:prstGeom prst="straightConnector1">
+            <a:avLst/>
+          </a:prstGeom>
+          <a:noFill/>
+          <a:ln cap="flat" cmpd="sng" w="38100">
+            <a:solidFill>
+              <a:schemeClr val="lt1"/>
+            </a:solidFill>
+            <a:prstDash val="solid"/>
+            <a:round/>
+            <a:headEnd len="med" w="med" type="none"/>
+            <a:tailEnd len="med" w="med" type="oval"/>
+          </a:ln>
+        </p:spPr>
+      </p:cxnSp>
+      <p:cxnSp>
+        <p:nvCxnSpPr>
+          <p:cNvPr id="140" name="Google Shape;140;p20"/>
+          <p:cNvCxnSpPr/>
+          <p:nvPr/>
+        </p:nvCxnSpPr>
+        <p:spPr>
+          <a:xfrm rot="10800000">
+            <a:off x="7460424" y="1736375"/>
+            <a:ext cx="0" cy="323100"/>
+          </a:xfrm>
+          <a:prstGeom prst="straightConnector1">
+            <a:avLst/>
+          </a:prstGeom>
+          <a:noFill/>
+          <a:ln cap="flat" cmpd="sng" w="38100">
+            <a:solidFill>
+              <a:schemeClr val="lt1"/>
+            </a:solidFill>
+            <a:prstDash val="solid"/>
+            <a:round/>
+            <a:headEnd len="med" w="med" type="none"/>
+            <a:tailEnd len="med" w="med" type="oval"/>
+          </a:ln>
+        </p:spPr>
+      </p:cxnSp>
+      <p:sp>
+        <p:nvSpPr>
+          <p:cNvPr id="141" name="Google Shape;141;p20"/>
+          <p:cNvSpPr txBox="1"/>
+          <p:nvPr/>
+        </p:nvSpPr>
+        <p:spPr>
+          <a:xfrm>
+            <a:off x="2671650" y="1262975"/>
+            <a:ext cx="1869300" cy="492600"/>
+          </a:xfrm>
+          <a:prstGeom prst="rect">
+            <a:avLst/>
+          </a:prstGeom>
+          <a:noFill/>
+          <a:ln>
+            <a:noFill/>
+          </a:ln>
+        </p:spPr>
+        <p:txBody>
+          <a:bodyPr anchorCtr="0" anchor="t" bIns="91425" lIns="91425" spcFirstLastPara="1" rIns="91425" wrap="square" tIns="91425">
+            <a:spAutoFit/>
+          </a:bodyPr>
+          <a:lstStyle/>
+          <a:p>
+            <a:pPr indent="0" lvl="0" marL="0" rtl="0" algn="ctr">
+              <a:spcBef>
+                <a:spcPts val="0"/>
+              </a:spcBef>
+              <a:spcAft>
+                <a:spcPts val="0"/>
+              </a:spcAft>
+              <a:buNone/>
+            </a:pPr>
+            <a:r>
+              <a:rPr lang="ru" sz="1000">
                 <a:solidFill>
                   <a:schemeClr val="lt1"/>
                 </a:solidFill>
@@ -9505,9 +10300,9 @@
                 <a:cs typeface="Montserrat"/>
                 <a:sym typeface="Montserrat"/>
               </a:rPr>
-              <a:t>Сталкивались ли вы с ситуацией массового обзвона после публикации своих контактов  на каких-то электронных ресурсах?</a:t>
-            </a:r>
-            <a:endParaRPr sz="2000">
+              <a:t>Готовое MVP и 3000 клиентов</a:t>
+            </a:r>
+            <a:endParaRPr sz="1000">
               <a:solidFill>
                 <a:schemeClr val="lt1"/>
               </a:solidFill>
@@ -9519,24 +10314,16 @@
           </a:p>
         </p:txBody>
       </p:sp>
-      <p:pic>
-        <p:nvPicPr>
-          <p:cNvPr id="119" name="Google Shape;119;p20"/>
-          <p:cNvPicPr preferRelativeResize="0"/>
+      <p:sp>
+        <p:nvSpPr>
+          <p:cNvPr id="142" name="Google Shape;142;p20"/>
+          <p:cNvSpPr txBox="1"/>
           <p:nvPr/>
-        </p:nvPicPr>
-        <p:blipFill>
-          <a:blip r:embed="rId3">
-            <a:alphaModFix/>
-          </a:blip>
-          <a:stretch>
-            <a:fillRect/>
-          </a:stretch>
-        </p:blipFill>
-        <p:spPr>
-          <a:xfrm>
-            <a:off x="4030100" y="651600"/>
-            <a:ext cx="4641200" cy="3445125"/>
+        </p:nvSpPr>
+        <p:spPr>
+          <a:xfrm>
+            <a:off x="3352500" y="2051550"/>
+            <a:ext cx="1244700" cy="338700"/>
           </a:xfrm>
           <a:prstGeom prst="rect">
             <a:avLst/>
@@ -9546,17 +10333,311 @@
             <a:noFill/>
           </a:ln>
         </p:spPr>
-      </p:pic>
-      <p:sp>
-        <p:nvSpPr>
-          <p:cNvPr id="120" name="Google Shape;120;p20"/>
+        <p:txBody>
+          <a:bodyPr anchorCtr="0" anchor="t" bIns="91425" lIns="91425" spcFirstLastPara="1" rIns="91425" wrap="square" tIns="91425">
+            <a:spAutoFit/>
+          </a:bodyPr>
+          <a:lstStyle/>
+          <a:p>
+            <a:pPr indent="0" lvl="0" marL="0" rtl="0" algn="l">
+              <a:spcBef>
+                <a:spcPts val="0"/>
+              </a:spcBef>
+              <a:spcAft>
+                <a:spcPts val="0"/>
+              </a:spcAft>
+              <a:buNone/>
+            </a:pPr>
+            <a:r>
+              <a:rPr lang="ru" sz="1000">
+                <a:solidFill>
+                  <a:srgbClr val="999999"/>
+                </a:solidFill>
+                <a:latin typeface="Montserrat"/>
+                <a:ea typeface="Montserrat"/>
+                <a:cs typeface="Montserrat"/>
+                <a:sym typeface="Montserrat"/>
+              </a:rPr>
+              <a:t>2023</a:t>
+            </a:r>
+            <a:endParaRPr sz="1000">
+              <a:solidFill>
+                <a:srgbClr val="999999"/>
+              </a:solidFill>
+              <a:latin typeface="Montserrat"/>
+              <a:ea typeface="Montserrat"/>
+              <a:cs typeface="Montserrat"/>
+              <a:sym typeface="Montserrat"/>
+            </a:endParaRPr>
+          </a:p>
+        </p:txBody>
+      </p:sp>
+      <p:sp>
+        <p:nvSpPr>
+          <p:cNvPr id="143" name="Google Shape;143;p20"/>
+          <p:cNvSpPr txBox="1"/>
+          <p:nvPr/>
+        </p:nvSpPr>
+        <p:spPr>
+          <a:xfrm>
+            <a:off x="5060558" y="1604175"/>
+            <a:ext cx="821400" cy="338700"/>
+          </a:xfrm>
+          <a:prstGeom prst="rect">
+            <a:avLst/>
+          </a:prstGeom>
+          <a:noFill/>
+          <a:ln>
+            <a:noFill/>
+          </a:ln>
+        </p:spPr>
+        <p:txBody>
+          <a:bodyPr anchorCtr="0" anchor="t" bIns="91425" lIns="91425" spcFirstLastPara="1" rIns="91425" wrap="square" tIns="91425">
+            <a:spAutoFit/>
+          </a:bodyPr>
+          <a:lstStyle/>
+          <a:p>
+            <a:pPr indent="0" lvl="0" marL="0" rtl="0" algn="l">
+              <a:spcBef>
+                <a:spcPts val="0"/>
+              </a:spcBef>
+              <a:spcAft>
+                <a:spcPts val="0"/>
+              </a:spcAft>
+              <a:buNone/>
+            </a:pPr>
+            <a:r>
+              <a:rPr lang="ru" sz="1000">
+                <a:solidFill>
+                  <a:srgbClr val="999999"/>
+                </a:solidFill>
+                <a:latin typeface="Montserrat"/>
+                <a:ea typeface="Montserrat"/>
+                <a:cs typeface="Montserrat"/>
+                <a:sym typeface="Montserrat"/>
+              </a:rPr>
+              <a:t>2024</a:t>
+            </a:r>
+            <a:endParaRPr sz="1000">
+              <a:solidFill>
+                <a:srgbClr val="999999"/>
+              </a:solidFill>
+              <a:latin typeface="Montserrat"/>
+              <a:ea typeface="Montserrat"/>
+              <a:cs typeface="Montserrat"/>
+              <a:sym typeface="Montserrat"/>
+            </a:endParaRPr>
+          </a:p>
+        </p:txBody>
+      </p:sp>
+      <p:sp>
+        <p:nvSpPr>
+          <p:cNvPr id="144" name="Google Shape;144;p20"/>
+          <p:cNvSpPr txBox="1"/>
+          <p:nvPr/>
+        </p:nvSpPr>
+        <p:spPr>
+          <a:xfrm>
+            <a:off x="4103550" y="2325450"/>
+            <a:ext cx="2735400" cy="338700"/>
+          </a:xfrm>
+          <a:prstGeom prst="rect">
+            <a:avLst/>
+          </a:prstGeom>
+          <a:noFill/>
+          <a:ln>
+            <a:noFill/>
+          </a:ln>
+        </p:spPr>
+        <p:txBody>
+          <a:bodyPr anchorCtr="0" anchor="t" bIns="91425" lIns="91425" spcFirstLastPara="1" rIns="91425" wrap="square" tIns="91425">
+            <a:spAutoFit/>
+          </a:bodyPr>
+          <a:lstStyle/>
+          <a:p>
+            <a:pPr indent="0" lvl="0" marL="0" rtl="0" algn="ctr">
+              <a:spcBef>
+                <a:spcPts val="0"/>
+              </a:spcBef>
+              <a:spcAft>
+                <a:spcPts val="0"/>
+              </a:spcAft>
+              <a:buNone/>
+            </a:pPr>
+            <a:r>
+              <a:rPr lang="ru" sz="1000">
+                <a:solidFill>
+                  <a:schemeClr val="lt1"/>
+                </a:solidFill>
+                <a:latin typeface="Montserrat"/>
+                <a:ea typeface="Montserrat"/>
+                <a:cs typeface="Montserrat"/>
+                <a:sym typeface="Montserrat"/>
+              </a:rPr>
+              <a:t>Выпуск версии для </a:t>
+            </a:r>
+            <a:r>
+              <a:rPr lang="ru" sz="1000">
+                <a:solidFill>
+                  <a:schemeClr val="lt1"/>
+                </a:solidFill>
+                <a:latin typeface="Montserrat"/>
+                <a:ea typeface="Montserrat"/>
+                <a:cs typeface="Montserrat"/>
+                <a:sym typeface="Montserrat"/>
+              </a:rPr>
+              <a:t>юридических</a:t>
+            </a:r>
+            <a:r>
+              <a:rPr lang="ru" sz="1000">
+                <a:solidFill>
+                  <a:schemeClr val="lt1"/>
+                </a:solidFill>
+                <a:latin typeface="Montserrat"/>
+                <a:ea typeface="Montserrat"/>
+                <a:cs typeface="Montserrat"/>
+                <a:sym typeface="Montserrat"/>
+              </a:rPr>
+              <a:t> лиц</a:t>
+            </a:r>
+            <a:endParaRPr sz="1000">
+              <a:solidFill>
+                <a:schemeClr val="lt1"/>
+              </a:solidFill>
+              <a:latin typeface="Montserrat"/>
+              <a:ea typeface="Montserrat"/>
+              <a:cs typeface="Montserrat"/>
+              <a:sym typeface="Montserrat"/>
+            </a:endParaRPr>
+          </a:p>
+        </p:txBody>
+      </p:sp>
+      <p:sp>
+        <p:nvSpPr>
+          <p:cNvPr id="145" name="Google Shape;145;p20"/>
+          <p:cNvSpPr txBox="1"/>
+          <p:nvPr/>
+        </p:nvSpPr>
+        <p:spPr>
+          <a:xfrm>
+            <a:off x="7217399" y="2051550"/>
+            <a:ext cx="958200" cy="338700"/>
+          </a:xfrm>
+          <a:prstGeom prst="rect">
+            <a:avLst/>
+          </a:prstGeom>
+          <a:noFill/>
+          <a:ln>
+            <a:noFill/>
+          </a:ln>
+        </p:spPr>
+        <p:txBody>
+          <a:bodyPr anchorCtr="0" anchor="t" bIns="91425" lIns="91425" spcFirstLastPara="1" rIns="91425" wrap="square" tIns="91425">
+            <a:spAutoFit/>
+          </a:bodyPr>
+          <a:lstStyle/>
+          <a:p>
+            <a:pPr indent="0" lvl="0" marL="0" rtl="0" algn="l">
+              <a:spcBef>
+                <a:spcPts val="0"/>
+              </a:spcBef>
+              <a:spcAft>
+                <a:spcPts val="0"/>
+              </a:spcAft>
+              <a:buNone/>
+            </a:pPr>
+            <a:r>
+              <a:rPr lang="ru" sz="1000">
+                <a:solidFill>
+                  <a:srgbClr val="999999"/>
+                </a:solidFill>
+                <a:latin typeface="Montserrat"/>
+                <a:ea typeface="Montserrat"/>
+                <a:cs typeface="Montserrat"/>
+                <a:sym typeface="Montserrat"/>
+              </a:rPr>
+              <a:t>2025</a:t>
+            </a:r>
+            <a:endParaRPr sz="1000">
+              <a:solidFill>
+                <a:srgbClr val="999999"/>
+              </a:solidFill>
+              <a:latin typeface="Montserrat"/>
+              <a:ea typeface="Montserrat"/>
+              <a:cs typeface="Montserrat"/>
+              <a:sym typeface="Montserrat"/>
+            </a:endParaRPr>
+          </a:p>
+        </p:txBody>
+      </p:sp>
+      <p:sp>
+        <p:nvSpPr>
+          <p:cNvPr id="146" name="Google Shape;146;p20"/>
+          <p:cNvSpPr txBox="1"/>
+          <p:nvPr/>
+        </p:nvSpPr>
+        <p:spPr>
+          <a:xfrm>
+            <a:off x="6288100" y="1354925"/>
+            <a:ext cx="2417700" cy="338700"/>
+          </a:xfrm>
+          <a:prstGeom prst="rect">
+            <a:avLst/>
+          </a:prstGeom>
+          <a:noFill/>
+          <a:ln>
+            <a:noFill/>
+          </a:ln>
+        </p:spPr>
+        <p:txBody>
+          <a:bodyPr anchorCtr="0" anchor="t" bIns="91425" lIns="91425" spcFirstLastPara="1" rIns="91425" wrap="square" tIns="91425">
+            <a:spAutoFit/>
+          </a:bodyPr>
+          <a:lstStyle/>
+          <a:p>
+            <a:pPr indent="0" lvl="0" marL="0" rtl="0" algn="l">
+              <a:spcBef>
+                <a:spcPts val="0"/>
+              </a:spcBef>
+              <a:spcAft>
+                <a:spcPts val="0"/>
+              </a:spcAft>
+              <a:buNone/>
+            </a:pPr>
+            <a:r>
+              <a:rPr lang="ru" sz="1000">
+                <a:solidFill>
+                  <a:schemeClr val="lt1"/>
+                </a:solidFill>
+                <a:latin typeface="Montserrat"/>
+                <a:ea typeface="Montserrat"/>
+                <a:cs typeface="Montserrat"/>
+                <a:sym typeface="Montserrat"/>
+              </a:rPr>
+              <a:t>Партнерство с лидерами рынка</a:t>
+            </a:r>
+            <a:endParaRPr sz="1000">
+              <a:solidFill>
+                <a:schemeClr val="lt1"/>
+              </a:solidFill>
+              <a:latin typeface="Montserrat"/>
+              <a:ea typeface="Montserrat"/>
+              <a:cs typeface="Montserrat"/>
+              <a:sym typeface="Montserrat"/>
+            </a:endParaRPr>
+          </a:p>
+        </p:txBody>
+      </p:sp>
+      <p:sp>
+        <p:nvSpPr>
+          <p:cNvPr id="147" name="Google Shape;147;p20"/>
           <p:cNvSpPr/>
           <p:nvPr/>
         </p:nvSpPr>
         <p:spPr>
           <a:xfrm>
-            <a:off x="7725850" y="2194275"/>
-            <a:ext cx="261000" cy="261000"/>
+            <a:off x="8491800" y="4576850"/>
+            <a:ext cx="296400" cy="296400"/>
           </a:xfrm>
           <a:prstGeom prst="ellipse">
             <a:avLst/>
@@ -9598,63 +10679,14 @@
       </p:sp>
       <p:sp>
         <p:nvSpPr>
-          <p:cNvPr id="121" name="Google Shape;121;p20"/>
-          <p:cNvSpPr/>
-          <p:nvPr/>
-        </p:nvSpPr>
-        <p:spPr>
-          <a:xfrm>
-            <a:off x="7725850" y="2504650"/>
-            <a:ext cx="261000" cy="261000"/>
-          </a:xfrm>
-          <a:prstGeom prst="ellipse">
-            <a:avLst/>
-          </a:prstGeom>
-          <a:solidFill>
-            <a:srgbClr val="90A8F7"/>
-          </a:solidFill>
-          <a:ln cap="flat" cmpd="sng" w="9525">
-            <a:solidFill>
-              <a:srgbClr val="90A8F7"/>
-            </a:solidFill>
-            <a:prstDash val="solid"/>
-            <a:round/>
-            <a:headEnd len="sm" w="sm" type="none"/>
-            <a:tailEnd len="sm" w="sm" type="none"/>
-          </a:ln>
-        </p:spPr>
-        <p:txBody>
-          <a:bodyPr anchorCtr="0" anchor="ctr" bIns="91425" lIns="91425" spcFirstLastPara="1" rIns="91425" wrap="square" tIns="91425">
-            <a:noAutofit/>
-          </a:bodyPr>
-          <a:lstStyle/>
-          <a:p>
-            <a:pPr indent="0" lvl="0" marL="0" rtl="0" algn="l">
-              <a:spcBef>
-                <a:spcPts val="0"/>
-              </a:spcBef>
-              <a:spcAft>
-                <a:spcPts val="0"/>
-              </a:spcAft>
-              <a:buNone/>
-            </a:pPr>
-            <a:r>
-              <a:t/>
-            </a:r>
-            <a:endParaRPr/>
-          </a:p>
-        </p:txBody>
-      </p:sp>
-      <p:sp>
-        <p:nvSpPr>
-          <p:cNvPr id="122" name="Google Shape;122;p20"/>
+          <p:cNvPr id="148" name="Google Shape;148;p20"/>
           <p:cNvSpPr txBox="1"/>
           <p:nvPr/>
         </p:nvSpPr>
         <p:spPr>
           <a:xfrm>
-            <a:off x="5782325" y="1152475"/>
-            <a:ext cx="846600" cy="400200"/>
+            <a:off x="8491800" y="4555700"/>
+            <a:ext cx="296400" cy="338700"/>
           </a:xfrm>
           <a:prstGeom prst="rect">
             <a:avLst/>
@@ -9670,17 +10702,17 @@
           </a:bodyPr>
           <a:lstStyle/>
           <a:p>
-            <a:pPr indent="0" lvl="0" marL="0" rtl="0" algn="l">
-              <a:spcBef>
-                <a:spcPts val="0"/>
-              </a:spcBef>
-              <a:spcAft>
-                <a:spcPts val="0"/>
-              </a:spcAft>
-              <a:buNone/>
-            </a:pPr>
-            <a:r>
-              <a:rPr lang="ru">
+            <a:pPr indent="0" lvl="0" marL="0" rtl="0" algn="ctr">
+              <a:spcBef>
+                <a:spcPts val="0"/>
+              </a:spcBef>
+              <a:spcAft>
+                <a:spcPts val="0"/>
+              </a:spcAft>
+              <a:buNone/>
+            </a:pPr>
+            <a:r>
+              <a:rPr lang="ru" sz="1000">
                 <a:solidFill>
                   <a:schemeClr val="lt1"/>
                 </a:solidFill>
@@ -9689,21 +10721,9 @@
                 <a:cs typeface="Montserrat Medium"/>
                 <a:sym typeface="Montserrat Medium"/>
               </a:rPr>
-              <a:t>40</a:t>
-            </a:r>
-            <a:r>
-              <a:rPr lang="ru">
-                <a:solidFill>
-                  <a:schemeClr val="lt1"/>
-                </a:solidFill>
-                <a:latin typeface="Montserrat Medium"/>
-                <a:ea typeface="Montserrat Medium"/>
-                <a:cs typeface="Montserrat Medium"/>
-                <a:sym typeface="Montserrat Medium"/>
-              </a:rPr>
-              <a:t>%</a:t>
-            </a:r>
-            <a:endParaRPr>
+              <a:t>8</a:t>
+            </a:r>
+            <a:endParaRPr sz="1000">
               <a:solidFill>
                 <a:schemeClr val="lt1"/>
               </a:solidFill>
@@ -9715,16 +10735,42 @@
           </a:p>
         </p:txBody>
       </p:sp>
-      <p:sp>
-        <p:nvSpPr>
-          <p:cNvPr id="123" name="Google Shape;123;p20"/>
+      <p:cxnSp>
+        <p:nvCxnSpPr>
+          <p:cNvPr id="149" name="Google Shape;149;p20"/>
+          <p:cNvCxnSpPr/>
+          <p:nvPr/>
+        </p:nvCxnSpPr>
+        <p:spPr>
+          <a:xfrm rot="10800000">
+            <a:off x="812750" y="1728575"/>
+            <a:ext cx="0" cy="338700"/>
+          </a:xfrm>
+          <a:prstGeom prst="straightConnector1">
+            <a:avLst/>
+          </a:prstGeom>
+          <a:noFill/>
+          <a:ln cap="flat" cmpd="sng" w="38100">
+            <a:solidFill>
+              <a:schemeClr val="lt1"/>
+            </a:solidFill>
+            <a:prstDash val="solid"/>
+            <a:round/>
+            <a:headEnd len="med" w="med" type="none"/>
+            <a:tailEnd len="med" w="med" type="oval"/>
+          </a:ln>
+        </p:spPr>
+      </p:cxnSp>
+      <p:sp>
+        <p:nvSpPr>
+          <p:cNvPr id="150" name="Google Shape;150;p20"/>
           <p:cNvSpPr txBox="1"/>
           <p:nvPr/>
         </p:nvSpPr>
         <p:spPr>
           <a:xfrm>
-            <a:off x="5222125" y="3364375"/>
-            <a:ext cx="846600" cy="400200"/>
+            <a:off x="340275" y="2051550"/>
+            <a:ext cx="1244700" cy="338700"/>
           </a:xfrm>
           <a:prstGeom prst="rect">
             <a:avLst/>
@@ -9750,37 +10796,281 @@
               <a:buNone/>
             </a:pPr>
             <a:r>
-              <a:rPr lang="ru">
+              <a:rPr lang="ru" sz="1000">
+                <a:solidFill>
+                  <a:srgbClr val="999999"/>
+                </a:solidFill>
+                <a:latin typeface="Montserrat"/>
+                <a:ea typeface="Montserrat"/>
+                <a:cs typeface="Montserrat"/>
+                <a:sym typeface="Montserrat"/>
+              </a:rPr>
+              <a:t>Август </a:t>
+            </a:r>
+            <a:r>
+              <a:rPr lang="ru" sz="1000">
+                <a:solidFill>
+                  <a:srgbClr val="999999"/>
+                </a:solidFill>
+                <a:latin typeface="Montserrat"/>
+                <a:ea typeface="Montserrat"/>
+                <a:cs typeface="Montserrat"/>
+                <a:sym typeface="Montserrat"/>
+              </a:rPr>
+              <a:t>2022</a:t>
+            </a:r>
+            <a:endParaRPr sz="1000">
+              <a:solidFill>
+                <a:srgbClr val="999999"/>
+              </a:solidFill>
+              <a:latin typeface="Montserrat"/>
+              <a:ea typeface="Montserrat"/>
+              <a:cs typeface="Montserrat"/>
+              <a:sym typeface="Montserrat"/>
+            </a:endParaRPr>
+          </a:p>
+        </p:txBody>
+      </p:sp>
+      <p:sp>
+        <p:nvSpPr>
+          <p:cNvPr id="151" name="Google Shape;151;p20"/>
+          <p:cNvSpPr txBox="1"/>
+          <p:nvPr/>
+        </p:nvSpPr>
+        <p:spPr>
+          <a:xfrm>
+            <a:off x="340275" y="1354925"/>
+            <a:ext cx="1869300" cy="338700"/>
+          </a:xfrm>
+          <a:prstGeom prst="rect">
+            <a:avLst/>
+          </a:prstGeom>
+          <a:noFill/>
+          <a:ln>
+            <a:noFill/>
+          </a:ln>
+        </p:spPr>
+        <p:txBody>
+          <a:bodyPr anchorCtr="0" anchor="t" bIns="91425" lIns="91425" spcFirstLastPara="1" rIns="91425" wrap="square" tIns="91425">
+            <a:spAutoFit/>
+          </a:bodyPr>
+          <a:lstStyle/>
+          <a:p>
+            <a:pPr indent="0" lvl="0" marL="0" rtl="0" algn="l">
+              <a:spcBef>
+                <a:spcPts val="0"/>
+              </a:spcBef>
+              <a:spcAft>
+                <a:spcPts val="0"/>
+              </a:spcAft>
+              <a:buNone/>
+            </a:pPr>
+            <a:r>
+              <a:rPr lang="ru" sz="1000">
                 <a:solidFill>
                   <a:schemeClr val="lt1"/>
                 </a:solidFill>
-                <a:latin typeface="Montserrat Medium"/>
-                <a:ea typeface="Montserrat Medium"/>
-                <a:cs typeface="Montserrat Medium"/>
-                <a:sym typeface="Montserrat Medium"/>
+                <a:latin typeface="Montserrat"/>
+                <a:ea typeface="Montserrat"/>
+                <a:cs typeface="Montserrat"/>
+                <a:sym typeface="Montserrat"/>
               </a:rPr>
-              <a:t>60</a:t>
-            </a:r>
-            <a:r>
-              <a:rPr lang="ru">
+              <a:t>Старт проекта</a:t>
+            </a:r>
+            <a:endParaRPr sz="1000">
+              <a:solidFill>
+                <a:schemeClr val="lt1"/>
+              </a:solidFill>
+              <a:latin typeface="Montserrat"/>
+              <a:ea typeface="Montserrat"/>
+              <a:cs typeface="Montserrat"/>
+              <a:sym typeface="Montserrat"/>
+            </a:endParaRPr>
+          </a:p>
+        </p:txBody>
+      </p:sp>
+      <p:cxnSp>
+        <p:nvCxnSpPr>
+          <p:cNvPr id="152" name="Google Shape;152;p20"/>
+          <p:cNvCxnSpPr/>
+          <p:nvPr/>
+        </p:nvCxnSpPr>
+        <p:spPr>
+          <a:xfrm>
+            <a:off x="2152058" y="1942875"/>
+            <a:ext cx="0" cy="345600"/>
+          </a:xfrm>
+          <a:prstGeom prst="straightConnector1">
+            <a:avLst/>
+          </a:prstGeom>
+          <a:noFill/>
+          <a:ln cap="flat" cmpd="sng" w="38100">
+            <a:solidFill>
+              <a:schemeClr val="lt1"/>
+            </a:solidFill>
+            <a:prstDash val="solid"/>
+            <a:round/>
+            <a:headEnd len="med" w="med" type="none"/>
+            <a:tailEnd len="med" w="med" type="oval"/>
+          </a:ln>
+        </p:spPr>
+      </p:cxnSp>
+      <p:sp>
+        <p:nvSpPr>
+          <p:cNvPr id="153" name="Google Shape;153;p20"/>
+          <p:cNvSpPr txBox="1"/>
+          <p:nvPr/>
+        </p:nvSpPr>
+        <p:spPr>
+          <a:xfrm>
+            <a:off x="1574700" y="1604175"/>
+            <a:ext cx="1154700" cy="338700"/>
+          </a:xfrm>
+          <a:prstGeom prst="rect">
+            <a:avLst/>
+          </a:prstGeom>
+          <a:noFill/>
+          <a:ln>
+            <a:noFill/>
+          </a:ln>
+        </p:spPr>
+        <p:txBody>
+          <a:bodyPr anchorCtr="0" anchor="t" bIns="91425" lIns="91425" spcFirstLastPara="1" rIns="91425" wrap="square" tIns="91425">
+            <a:spAutoFit/>
+          </a:bodyPr>
+          <a:lstStyle/>
+          <a:p>
+            <a:pPr indent="0" lvl="0" marL="0" rtl="0" algn="l">
+              <a:spcBef>
+                <a:spcPts val="0"/>
+              </a:spcBef>
+              <a:spcAft>
+                <a:spcPts val="0"/>
+              </a:spcAft>
+              <a:buNone/>
+            </a:pPr>
+            <a:r>
+              <a:rPr lang="ru" sz="1000">
+                <a:solidFill>
+                  <a:srgbClr val="999999"/>
+                </a:solidFill>
+                <a:latin typeface="Montserrat"/>
+                <a:ea typeface="Montserrat"/>
+                <a:cs typeface="Montserrat"/>
+                <a:sym typeface="Montserrat"/>
+              </a:rPr>
+              <a:t>Осень </a:t>
+            </a:r>
+            <a:r>
+              <a:rPr lang="ru" sz="1000">
+                <a:solidFill>
+                  <a:srgbClr val="999999"/>
+                </a:solidFill>
+                <a:latin typeface="Montserrat"/>
+                <a:ea typeface="Montserrat"/>
+                <a:cs typeface="Montserrat"/>
+                <a:sym typeface="Montserrat"/>
+              </a:rPr>
+              <a:t>2022</a:t>
+            </a:r>
+            <a:endParaRPr sz="1000">
+              <a:solidFill>
+                <a:srgbClr val="999999"/>
+              </a:solidFill>
+              <a:latin typeface="Montserrat"/>
+              <a:ea typeface="Montserrat"/>
+              <a:cs typeface="Montserrat"/>
+              <a:sym typeface="Montserrat"/>
+            </a:endParaRPr>
+          </a:p>
+        </p:txBody>
+      </p:sp>
+      <p:sp>
+        <p:nvSpPr>
+          <p:cNvPr id="154" name="Google Shape;154;p20"/>
+          <p:cNvSpPr txBox="1"/>
+          <p:nvPr/>
+        </p:nvSpPr>
+        <p:spPr>
+          <a:xfrm>
+            <a:off x="1117350" y="2333900"/>
+            <a:ext cx="2069400" cy="800400"/>
+          </a:xfrm>
+          <a:prstGeom prst="rect">
+            <a:avLst/>
+          </a:prstGeom>
+          <a:noFill/>
+          <a:ln>
+            <a:noFill/>
+          </a:ln>
+        </p:spPr>
+        <p:txBody>
+          <a:bodyPr anchorCtr="0" anchor="t" bIns="91425" lIns="91425" spcFirstLastPara="1" rIns="91425" wrap="square" tIns="91425">
+            <a:spAutoFit/>
+          </a:bodyPr>
+          <a:lstStyle/>
+          <a:p>
+            <a:pPr indent="0" lvl="0" marL="0" rtl="0" algn="ctr">
+              <a:spcBef>
+                <a:spcPts val="0"/>
+              </a:spcBef>
+              <a:spcAft>
+                <a:spcPts val="0"/>
+              </a:spcAft>
+              <a:buNone/>
+            </a:pPr>
+            <a:r>
+              <a:rPr lang="ru" sz="1000">
                 <a:solidFill>
                   <a:schemeClr val="lt1"/>
                 </a:solidFill>
-                <a:latin typeface="Montserrat Medium"/>
-                <a:ea typeface="Montserrat Medium"/>
-                <a:cs typeface="Montserrat Medium"/>
-                <a:sym typeface="Montserrat Medium"/>
+                <a:latin typeface="Montserrat"/>
+                <a:ea typeface="Montserrat"/>
+                <a:cs typeface="Montserrat"/>
+                <a:sym typeface="Montserrat"/>
               </a:rPr>
-              <a:t>%</a:t>
-            </a:r>
-            <a:endParaRPr>
+              <a:t>Подтверждена проблема и найдены первые потенциальные клиенты,</a:t>
+            </a:r>
+            <a:endParaRPr sz="1000">
               <a:solidFill>
                 <a:schemeClr val="lt1"/>
               </a:solidFill>
-              <a:latin typeface="Montserrat Medium"/>
-              <a:ea typeface="Montserrat Medium"/>
-              <a:cs typeface="Montserrat Medium"/>
-              <a:sym typeface="Montserrat Medium"/>
+              <a:latin typeface="Montserrat"/>
+              <a:ea typeface="Montserrat"/>
+              <a:cs typeface="Montserrat"/>
+              <a:sym typeface="Montserrat"/>
+            </a:endParaRPr>
+          </a:p>
+          <a:p>
+            <a:pPr indent="0" lvl="0" marL="0" rtl="0" algn="ctr">
+              <a:spcBef>
+                <a:spcPts val="0"/>
+              </a:spcBef>
+              <a:spcAft>
+                <a:spcPts val="0"/>
+              </a:spcAft>
+              <a:buNone/>
+            </a:pPr>
+            <a:r>
+              <a:rPr lang="ru" sz="1000">
+                <a:solidFill>
+                  <a:schemeClr val="lt1"/>
+                </a:solidFill>
+                <a:latin typeface="Montserrat"/>
+                <a:ea typeface="Montserrat"/>
+                <a:cs typeface="Montserrat"/>
+                <a:sym typeface="Montserrat"/>
+              </a:rPr>
+              <a:t>начата разработка MVP</a:t>
+            </a:r>
+            <a:endParaRPr sz="1000">
+              <a:solidFill>
+                <a:schemeClr val="lt1"/>
+              </a:solidFill>
+              <a:latin typeface="Montserrat"/>
+              <a:ea typeface="Montserrat"/>
+              <a:cs typeface="Montserrat"/>
+              <a:sym typeface="Montserrat"/>
             </a:endParaRPr>
           </a:p>
         </p:txBody>
@@ -9798,7 +11088,7 @@
   <p:cSld>
     <p:spTree>
       <p:nvGrpSpPr>
-        <p:cNvPr id="127" name="Shape 127"/>
+        <p:cNvPr id="158" name="Shape 158"/>
         <p:cNvGrpSpPr/>
         <p:nvPr/>
       </p:nvGrpSpPr>
@@ -9812,16 +11102,16 @@
       </p:grpSpPr>
       <p:sp>
         <p:nvSpPr>
-          <p:cNvPr id="128" name="Google Shape;128;p21"/>
+          <p:cNvPr id="159" name="Google Shape;159;p21"/>
           <p:cNvSpPr txBox="1"/>
           <p:nvPr>
-            <p:ph idx="1" type="body"/>
+            <p:ph type="title"/>
           </p:nvPr>
         </p:nvSpPr>
         <p:spPr>
           <a:xfrm>
-            <a:off x="740825" y="606625"/>
-            <a:ext cx="3069300" cy="2279100"/>
+            <a:off x="727975" y="240400"/>
+            <a:ext cx="8520600" cy="572700"/>
           </a:xfrm>
           <a:prstGeom prst="rect">
             <a:avLst/>
@@ -9829,7 +11119,7 @@
         </p:spPr>
         <p:txBody>
           <a:bodyPr anchorCtr="0" anchor="t" bIns="91425" lIns="91425" spcFirstLastPara="1" rIns="91425" wrap="square" tIns="91425">
-            <a:normAutofit fontScale="47500"/>
+            <a:normAutofit/>
           </a:bodyPr>
           <a:lstStyle/>
           <a:p>
@@ -9840,104 +11130,143 @@
               <a:spcAft>
                 <a:spcPts val="0"/>
               </a:spcAft>
-              <a:buNone/>
-            </a:pPr>
-            <a:r>
-              <a:rPr lang="ru" sz="3013">
+              <a:buSzPts val="990"/>
+              <a:buNone/>
+            </a:pPr>
+            <a:r>
+              <a:rPr lang="ru" sz="1820">
+                <a:solidFill>
+                  <a:srgbClr val="CCCCCC"/>
+                </a:solidFill>
+                <a:latin typeface="Montserrat Medium"/>
+                <a:ea typeface="Montserrat Medium"/>
+                <a:cs typeface="Montserrat Medium"/>
+                <a:sym typeface="Montserrat Medium"/>
+              </a:rPr>
+              <a:t>Команда</a:t>
+            </a:r>
+            <a:endParaRPr sz="1820">
+              <a:solidFill>
+                <a:srgbClr val="CCCCCC"/>
+              </a:solidFill>
+              <a:latin typeface="Montserrat Medium"/>
+              <a:ea typeface="Montserrat Medium"/>
+              <a:cs typeface="Montserrat Medium"/>
+              <a:sym typeface="Montserrat Medium"/>
+            </a:endParaRPr>
+          </a:p>
+        </p:txBody>
+      </p:sp>
+      <p:sp>
+        <p:nvSpPr>
+          <p:cNvPr id="160" name="Google Shape;160;p21"/>
+          <p:cNvSpPr/>
+          <p:nvPr/>
+        </p:nvSpPr>
+        <p:spPr>
+          <a:xfrm>
+            <a:off x="8491800" y="4576850"/>
+            <a:ext cx="296400" cy="296400"/>
+          </a:xfrm>
+          <a:prstGeom prst="ellipse">
+            <a:avLst/>
+          </a:prstGeom>
+          <a:solidFill>
+            <a:srgbClr val="562CEF"/>
+          </a:solidFill>
+          <a:ln cap="flat" cmpd="sng" w="9525">
+            <a:solidFill>
+              <a:srgbClr val="562CEF"/>
+            </a:solidFill>
+            <a:prstDash val="solid"/>
+            <a:round/>
+            <a:headEnd len="sm" w="sm" type="none"/>
+            <a:tailEnd len="sm" w="sm" type="none"/>
+          </a:ln>
+        </p:spPr>
+        <p:txBody>
+          <a:bodyPr anchorCtr="0" anchor="ctr" bIns="91425" lIns="91425" spcFirstLastPara="1" rIns="91425" wrap="square" tIns="91425">
+            <a:noAutofit/>
+          </a:bodyPr>
+          <a:lstStyle/>
+          <a:p>
+            <a:pPr indent="0" lvl="0" marL="0" rtl="0" algn="l">
+              <a:spcBef>
+                <a:spcPts val="0"/>
+              </a:spcBef>
+              <a:spcAft>
+                <a:spcPts val="0"/>
+              </a:spcAft>
+              <a:buNone/>
+            </a:pPr>
+            <a:r>
+              <a:t/>
+            </a:r>
+            <a:endParaRPr/>
+          </a:p>
+        </p:txBody>
+      </p:sp>
+      <p:sp>
+        <p:nvSpPr>
+          <p:cNvPr id="161" name="Google Shape;161;p21"/>
+          <p:cNvSpPr txBox="1"/>
+          <p:nvPr/>
+        </p:nvSpPr>
+        <p:spPr>
+          <a:xfrm>
+            <a:off x="8464800" y="4555700"/>
+            <a:ext cx="350400" cy="338700"/>
+          </a:xfrm>
+          <a:prstGeom prst="rect">
+            <a:avLst/>
+          </a:prstGeom>
+          <a:noFill/>
+          <a:ln>
+            <a:noFill/>
+          </a:ln>
+        </p:spPr>
+        <p:txBody>
+          <a:bodyPr anchorCtr="0" anchor="t" bIns="91425" lIns="91425" spcFirstLastPara="1" rIns="91425" wrap="square" tIns="91425">
+            <a:spAutoFit/>
+          </a:bodyPr>
+          <a:lstStyle/>
+          <a:p>
+            <a:pPr indent="0" lvl="0" marL="0" rtl="0" algn="ctr">
+              <a:spcBef>
+                <a:spcPts val="0"/>
+              </a:spcBef>
+              <a:spcAft>
+                <a:spcPts val="0"/>
+              </a:spcAft>
+              <a:buNone/>
+            </a:pPr>
+            <a:r>
+              <a:rPr lang="ru" sz="1000">
                 <a:solidFill>
                   <a:schemeClr val="lt1"/>
                 </a:solidFill>
-                <a:latin typeface="Montserrat"/>
-                <a:ea typeface="Montserrat"/>
-                <a:cs typeface="Montserrat"/>
-                <a:sym typeface="Montserrat"/>
+                <a:latin typeface="Montserrat Medium"/>
+                <a:ea typeface="Montserrat Medium"/>
+                <a:cs typeface="Montserrat Medium"/>
+                <a:sym typeface="Montserrat Medium"/>
               </a:rPr>
-              <a:t>Какие способы общения вы предпочитаете для связи с клиентами/покупателями/партнерами/заинтересованными лицами?</a:t>
-            </a:r>
-            <a:endParaRPr sz="3013">
+              <a:t>9</a:t>
+            </a:r>
+            <a:endParaRPr sz="1000">
               <a:solidFill>
                 <a:schemeClr val="lt1"/>
               </a:solidFill>
-              <a:latin typeface="Montserrat"/>
-              <a:ea typeface="Montserrat"/>
-              <a:cs typeface="Montserrat"/>
-              <a:sym typeface="Montserrat"/>
-            </a:endParaRPr>
-          </a:p>
-          <a:p>
-            <a:pPr indent="0" lvl="0" marL="0" rtl="0" algn="l">
-              <a:spcBef>
-                <a:spcPts val="1200"/>
-              </a:spcBef>
-              <a:spcAft>
-                <a:spcPts val="0"/>
-              </a:spcAft>
-              <a:buNone/>
-            </a:pPr>
-            <a:r>
-              <a:t/>
-            </a:r>
-            <a:endParaRPr sz="1400">
-              <a:solidFill>
-                <a:schemeClr val="lt1"/>
-              </a:solidFill>
-              <a:latin typeface="Montserrat"/>
-              <a:ea typeface="Montserrat"/>
-              <a:cs typeface="Montserrat"/>
-              <a:sym typeface="Montserrat"/>
-            </a:endParaRPr>
-          </a:p>
-          <a:p>
-            <a:pPr indent="0" lvl="0" marL="0" rtl="0" algn="l">
-              <a:spcBef>
-                <a:spcPts val="1200"/>
-              </a:spcBef>
-              <a:spcAft>
-                <a:spcPts val="0"/>
-              </a:spcAft>
-              <a:buNone/>
-            </a:pPr>
-            <a:r>
-              <a:t/>
-            </a:r>
-            <a:endParaRPr sz="1400">
-              <a:solidFill>
-                <a:schemeClr val="lt1"/>
-              </a:solidFill>
-              <a:latin typeface="Montserrat"/>
-              <a:ea typeface="Montserrat"/>
-              <a:cs typeface="Montserrat"/>
-              <a:sym typeface="Montserrat"/>
-            </a:endParaRPr>
-          </a:p>
-          <a:p>
-            <a:pPr indent="0" lvl="0" marL="0" rtl="0" algn="l">
-              <a:spcBef>
-                <a:spcPts val="1200"/>
-              </a:spcBef>
-              <a:spcAft>
-                <a:spcPts val="1200"/>
-              </a:spcAft>
-              <a:buNone/>
-            </a:pPr>
-            <a:r>
-              <a:t/>
-            </a:r>
-            <a:endParaRPr sz="1400">
-              <a:solidFill>
-                <a:schemeClr val="lt1"/>
-              </a:solidFill>
-              <a:latin typeface="Montserrat"/>
-              <a:ea typeface="Montserrat"/>
-              <a:cs typeface="Montserrat"/>
-              <a:sym typeface="Montserrat"/>
+              <a:latin typeface="Montserrat Medium"/>
+              <a:ea typeface="Montserrat Medium"/>
+              <a:cs typeface="Montserrat Medium"/>
+              <a:sym typeface="Montserrat Medium"/>
             </a:endParaRPr>
           </a:p>
         </p:txBody>
       </p:sp>
       <p:pic>
         <p:nvPicPr>
-          <p:cNvPr id="129" name="Google Shape;129;p21"/>
+          <p:cNvPr id="162" name="Google Shape;162;p21"/>
           <p:cNvPicPr preferRelativeResize="0"/>
           <p:nvPr/>
         </p:nvPicPr>
@@ -9951,11 +11280,13 @@
         </p:blipFill>
         <p:spPr>
           <a:xfrm>
-            <a:off x="4647499" y="2641649"/>
-            <a:ext cx="4468251" cy="1670825"/>
-          </a:xfrm>
-          <a:prstGeom prst="rect">
-            <a:avLst/>
+            <a:off x="812750" y="670650"/>
+            <a:ext cx="967800" cy="967800"/>
+          </a:xfrm>
+          <a:prstGeom prst="roundRect">
+            <a:avLst>
+              <a:gd fmla="val 16667" name="adj"/>
+            </a:avLst>
           </a:prstGeom>
           <a:noFill/>
           <a:ln>
@@ -9965,7 +11296,7 @@
       </p:pic>
       <p:pic>
         <p:nvPicPr>
-          <p:cNvPr id="130" name="Google Shape;130;p21"/>
+          <p:cNvPr id="163" name="Google Shape;163;p21"/>
           <p:cNvPicPr preferRelativeResize="0"/>
           <p:nvPr/>
         </p:nvPicPr>
@@ -9979,11 +11310,13 @@
         </p:blipFill>
         <p:spPr>
           <a:xfrm>
-            <a:off x="3532825" y="247025"/>
-            <a:ext cx="5731126" cy="2324720"/>
-          </a:xfrm>
-          <a:prstGeom prst="rect">
-            <a:avLst/>
+            <a:off x="812750" y="1889775"/>
+            <a:ext cx="967800" cy="967800"/>
+          </a:xfrm>
+          <a:prstGeom prst="roundRect">
+            <a:avLst>
+              <a:gd fmla="val 16667" name="adj"/>
+            </a:avLst>
           </a:prstGeom>
           <a:noFill/>
           <a:ln>
@@ -9991,16 +11324,76 @@
           </a:ln>
         </p:spPr>
       </p:pic>
-      <p:sp>
-        <p:nvSpPr>
-          <p:cNvPr id="131" name="Google Shape;131;p21"/>
+      <p:pic>
+        <p:nvPicPr>
+          <p:cNvPr id="164" name="Google Shape;164;p21"/>
+          <p:cNvPicPr preferRelativeResize="0"/>
+          <p:nvPr/>
+        </p:nvPicPr>
+        <p:blipFill>
+          <a:blip r:embed="rId5">
+            <a:alphaModFix/>
+          </a:blip>
+          <a:stretch>
+            <a:fillRect/>
+          </a:stretch>
+        </p:blipFill>
+        <p:spPr>
+          <a:xfrm>
+            <a:off x="812750" y="3108900"/>
+            <a:ext cx="967800" cy="967800"/>
+          </a:xfrm>
+          <a:prstGeom prst="roundRect">
+            <a:avLst>
+              <a:gd fmla="val 16667" name="adj"/>
+            </a:avLst>
+          </a:prstGeom>
+          <a:noFill/>
+          <a:ln>
+            <a:noFill/>
+          </a:ln>
+        </p:spPr>
+      </p:pic>
+      <p:pic>
+        <p:nvPicPr>
+          <p:cNvPr id="165" name="Google Shape;165;p21"/>
+          <p:cNvPicPr preferRelativeResize="0"/>
+          <p:nvPr/>
+        </p:nvPicPr>
+        <p:blipFill>
+          <a:blip r:embed="rId6">
+            <a:alphaModFix/>
+          </a:blip>
+          <a:stretch>
+            <a:fillRect/>
+          </a:stretch>
+        </p:blipFill>
+        <p:spPr>
+          <a:xfrm>
+            <a:off x="4724400" y="670650"/>
+            <a:ext cx="967800" cy="967800"/>
+          </a:xfrm>
+          <a:prstGeom prst="roundRect">
+            <a:avLst>
+              <a:gd fmla="val 16667" name="adj"/>
+            </a:avLst>
+          </a:prstGeom>
+          <a:noFill/>
+          <a:ln>
+            <a:noFill/>
+          </a:ln>
+        </p:spPr>
+      </p:pic>
+      <p:sp>
+        <p:nvSpPr>
+          <p:cNvPr id="166" name="Google Shape;166;p21"/>
           <p:cNvSpPr txBox="1"/>
           <p:nvPr/>
         </p:nvSpPr>
         <p:spPr>
           <a:xfrm>
-            <a:off x="740825" y="2815175"/>
-            <a:ext cx="3654900" cy="648000"/>
+            <a:off x="1827338" y="576175"/>
+            <a:ext cx="2850300" cy="400200"/>
           </a:xfrm>
           <a:prstGeom prst="rect">
             <a:avLst/>
@@ -10017,19 +11410,306 @@
           <a:lstStyle/>
           <a:p>
             <a:pPr indent="0" lvl="0" marL="0" rtl="0" algn="l">
-              <a:lnSpc>
-                <a:spcPct val="115000"/>
-              </a:lnSpc>
-              <a:spcBef>
-                <a:spcPts val="0"/>
-              </a:spcBef>
-              <a:spcAft>
-                <a:spcPts val="1200"/>
+              <a:spcBef>
+                <a:spcPts val="0"/>
+              </a:spcBef>
+              <a:spcAft>
+                <a:spcPts val="0"/>
               </a:spcAft>
               <a:buNone/>
             </a:pPr>
             <a:r>
               <a:rPr lang="ru">
+                <a:solidFill>
+                  <a:schemeClr val="lt1"/>
+                </a:solidFill>
+                <a:latin typeface="Montserrat Medium"/>
+                <a:ea typeface="Montserrat Medium"/>
+                <a:cs typeface="Montserrat Medium"/>
+                <a:sym typeface="Montserrat Medium"/>
+              </a:rPr>
+              <a:t>Лопаткин Василий</a:t>
+            </a:r>
+            <a:endParaRPr>
+              <a:solidFill>
+                <a:schemeClr val="lt1"/>
+              </a:solidFill>
+              <a:latin typeface="Montserrat Medium"/>
+              <a:ea typeface="Montserrat Medium"/>
+              <a:cs typeface="Montserrat Medium"/>
+              <a:sym typeface="Montserrat Medium"/>
+            </a:endParaRPr>
+          </a:p>
+        </p:txBody>
+      </p:sp>
+      <p:sp>
+        <p:nvSpPr>
+          <p:cNvPr id="167" name="Google Shape;167;p21"/>
+          <p:cNvSpPr txBox="1"/>
+          <p:nvPr/>
+        </p:nvSpPr>
+        <p:spPr>
+          <a:xfrm>
+            <a:off x="1783688" y="1796875"/>
+            <a:ext cx="2850300" cy="400200"/>
+          </a:xfrm>
+          <a:prstGeom prst="rect">
+            <a:avLst/>
+          </a:prstGeom>
+          <a:noFill/>
+          <a:ln>
+            <a:noFill/>
+          </a:ln>
+        </p:spPr>
+        <p:txBody>
+          <a:bodyPr anchorCtr="0" anchor="t" bIns="91425" lIns="91425" spcFirstLastPara="1" rIns="91425" wrap="square" tIns="91425">
+            <a:spAutoFit/>
+          </a:bodyPr>
+          <a:lstStyle/>
+          <a:p>
+            <a:pPr indent="0" lvl="0" marL="0" rtl="0" algn="l">
+              <a:spcBef>
+                <a:spcPts val="0"/>
+              </a:spcBef>
+              <a:spcAft>
+                <a:spcPts val="0"/>
+              </a:spcAft>
+              <a:buNone/>
+            </a:pPr>
+            <a:r>
+              <a:rPr lang="ru">
+                <a:solidFill>
+                  <a:schemeClr val="lt1"/>
+                </a:solidFill>
+                <a:latin typeface="Montserrat Medium"/>
+                <a:ea typeface="Montserrat Medium"/>
+                <a:cs typeface="Montserrat Medium"/>
+                <a:sym typeface="Montserrat Medium"/>
+              </a:rPr>
+              <a:t>Гуляев Тимур</a:t>
+            </a:r>
+            <a:endParaRPr>
+              <a:solidFill>
+                <a:schemeClr val="lt1"/>
+              </a:solidFill>
+              <a:latin typeface="Montserrat Medium"/>
+              <a:ea typeface="Montserrat Medium"/>
+              <a:cs typeface="Montserrat Medium"/>
+              <a:sym typeface="Montserrat Medium"/>
+            </a:endParaRPr>
+          </a:p>
+        </p:txBody>
+      </p:sp>
+      <p:sp>
+        <p:nvSpPr>
+          <p:cNvPr id="168" name="Google Shape;168;p21"/>
+          <p:cNvSpPr txBox="1"/>
+          <p:nvPr/>
+        </p:nvSpPr>
+        <p:spPr>
+          <a:xfrm>
+            <a:off x="1783688" y="3017575"/>
+            <a:ext cx="2850300" cy="400200"/>
+          </a:xfrm>
+          <a:prstGeom prst="rect">
+            <a:avLst/>
+          </a:prstGeom>
+          <a:noFill/>
+          <a:ln>
+            <a:noFill/>
+          </a:ln>
+        </p:spPr>
+        <p:txBody>
+          <a:bodyPr anchorCtr="0" anchor="t" bIns="91425" lIns="91425" spcFirstLastPara="1" rIns="91425" wrap="square" tIns="91425">
+            <a:spAutoFit/>
+          </a:bodyPr>
+          <a:lstStyle/>
+          <a:p>
+            <a:pPr indent="0" lvl="0" marL="0" rtl="0" algn="l">
+              <a:spcBef>
+                <a:spcPts val="0"/>
+              </a:spcBef>
+              <a:spcAft>
+                <a:spcPts val="0"/>
+              </a:spcAft>
+              <a:buNone/>
+            </a:pPr>
+            <a:r>
+              <a:rPr lang="ru">
+                <a:solidFill>
+                  <a:schemeClr val="lt1"/>
+                </a:solidFill>
+                <a:latin typeface="Montserrat Medium"/>
+                <a:ea typeface="Montserrat Medium"/>
+                <a:cs typeface="Montserrat Medium"/>
+                <a:sym typeface="Montserrat Medium"/>
+              </a:rPr>
+              <a:t>Рыбалко Константин</a:t>
+            </a:r>
+            <a:endParaRPr>
+              <a:solidFill>
+                <a:schemeClr val="lt1"/>
+              </a:solidFill>
+              <a:latin typeface="Montserrat Medium"/>
+              <a:ea typeface="Montserrat Medium"/>
+              <a:cs typeface="Montserrat Medium"/>
+              <a:sym typeface="Montserrat Medium"/>
+            </a:endParaRPr>
+          </a:p>
+        </p:txBody>
+      </p:sp>
+      <p:sp>
+        <p:nvSpPr>
+          <p:cNvPr id="169" name="Google Shape;169;p21"/>
+          <p:cNvSpPr txBox="1"/>
+          <p:nvPr/>
+        </p:nvSpPr>
+        <p:spPr>
+          <a:xfrm>
+            <a:off x="5738963" y="576175"/>
+            <a:ext cx="2850300" cy="400200"/>
+          </a:xfrm>
+          <a:prstGeom prst="rect">
+            <a:avLst/>
+          </a:prstGeom>
+          <a:noFill/>
+          <a:ln>
+            <a:noFill/>
+          </a:ln>
+        </p:spPr>
+        <p:txBody>
+          <a:bodyPr anchorCtr="0" anchor="t" bIns="91425" lIns="91425" spcFirstLastPara="1" rIns="91425" wrap="square" tIns="91425">
+            <a:spAutoFit/>
+          </a:bodyPr>
+          <a:lstStyle/>
+          <a:p>
+            <a:pPr indent="0" lvl="0" marL="0" rtl="0" algn="l">
+              <a:spcBef>
+                <a:spcPts val="0"/>
+              </a:spcBef>
+              <a:spcAft>
+                <a:spcPts val="0"/>
+              </a:spcAft>
+              <a:buNone/>
+            </a:pPr>
+            <a:r>
+              <a:rPr lang="ru">
+                <a:solidFill>
+                  <a:schemeClr val="lt1"/>
+                </a:solidFill>
+                <a:latin typeface="Montserrat Medium"/>
+                <a:ea typeface="Montserrat Medium"/>
+                <a:cs typeface="Montserrat Medium"/>
+                <a:sym typeface="Montserrat Medium"/>
+              </a:rPr>
+              <a:t>Горин Игорь</a:t>
+            </a:r>
+            <a:endParaRPr>
+              <a:solidFill>
+                <a:schemeClr val="lt1"/>
+              </a:solidFill>
+              <a:latin typeface="Montserrat Medium"/>
+              <a:ea typeface="Montserrat Medium"/>
+              <a:cs typeface="Montserrat Medium"/>
+              <a:sym typeface="Montserrat Medium"/>
+            </a:endParaRPr>
+          </a:p>
+        </p:txBody>
+      </p:sp>
+      <p:sp>
+        <p:nvSpPr>
+          <p:cNvPr id="170" name="Google Shape;170;p21"/>
+          <p:cNvSpPr txBox="1"/>
+          <p:nvPr/>
+        </p:nvSpPr>
+        <p:spPr>
+          <a:xfrm>
+            <a:off x="5738963" y="1796875"/>
+            <a:ext cx="2850300" cy="400200"/>
+          </a:xfrm>
+          <a:prstGeom prst="rect">
+            <a:avLst/>
+          </a:prstGeom>
+          <a:noFill/>
+          <a:ln>
+            <a:noFill/>
+          </a:ln>
+        </p:spPr>
+        <p:txBody>
+          <a:bodyPr anchorCtr="0" anchor="t" bIns="91425" lIns="91425" spcFirstLastPara="1" rIns="91425" wrap="square" tIns="91425">
+            <a:spAutoFit/>
+          </a:bodyPr>
+          <a:lstStyle/>
+          <a:p>
+            <a:pPr indent="0" lvl="0" marL="0" rtl="0" algn="l">
+              <a:spcBef>
+                <a:spcPts val="0"/>
+              </a:spcBef>
+              <a:spcAft>
+                <a:spcPts val="0"/>
+              </a:spcAft>
+              <a:buNone/>
+            </a:pPr>
+            <a:r>
+              <a:rPr lang="ru">
+                <a:solidFill>
+                  <a:schemeClr val="lt1"/>
+                </a:solidFill>
+                <a:latin typeface="Montserrat Medium"/>
+                <a:ea typeface="Montserrat Medium"/>
+                <a:cs typeface="Montserrat Medium"/>
+                <a:sym typeface="Montserrat Medium"/>
+              </a:rPr>
+              <a:t>Путинцева Александра</a:t>
+            </a:r>
+            <a:endParaRPr>
+              <a:solidFill>
+                <a:schemeClr val="lt1"/>
+              </a:solidFill>
+              <a:latin typeface="Montserrat Medium"/>
+              <a:ea typeface="Montserrat Medium"/>
+              <a:cs typeface="Montserrat Medium"/>
+              <a:sym typeface="Montserrat Medium"/>
+            </a:endParaRPr>
+          </a:p>
+        </p:txBody>
+      </p:sp>
+      <p:sp>
+        <p:nvSpPr>
+          <p:cNvPr id="171" name="Google Shape;171;p21"/>
+          <p:cNvSpPr txBox="1"/>
+          <p:nvPr/>
+        </p:nvSpPr>
+        <p:spPr>
+          <a:xfrm>
+            <a:off x="1827350" y="777100"/>
+            <a:ext cx="2763000" cy="646500"/>
+          </a:xfrm>
+          <a:prstGeom prst="rect">
+            <a:avLst/>
+          </a:prstGeom>
+          <a:noFill/>
+          <a:ln>
+            <a:noFill/>
+          </a:ln>
+        </p:spPr>
+        <p:txBody>
+          <a:bodyPr anchorCtr="0" anchor="t" bIns="91425" lIns="91425" spcFirstLastPara="1" rIns="91425" wrap="square" tIns="91425">
+            <a:spAutoFit/>
+          </a:bodyPr>
+          <a:lstStyle/>
+          <a:p>
+            <a:pPr indent="0" lvl="0" marL="0" rtl="0" algn="l">
+              <a:spcBef>
+                <a:spcPts val="0"/>
+              </a:spcBef>
+              <a:spcAft>
+                <a:spcPts val="0"/>
+              </a:spcAft>
+              <a:buNone/>
+            </a:pPr>
+            <a:r>
+              <a:rPr lang="ru" sz="1000">
                 <a:solidFill>
                   <a:schemeClr val="lt1"/>
                 </a:solidFill>
@@ -10038,12 +11718,605 @@
                 <a:cs typeface="Montserrat"/>
                 <a:sym typeface="Montserrat"/>
               </a:rPr>
-              <a:t>Какие социальные сети/мессенджеры вы используете?</a:t>
-            </a:r>
-            <a:endParaRPr/>
+              <a:t>CEO + full stack, студент ФИТ НГУ. </a:t>
+            </a:r>
+            <a:endParaRPr sz="1000">
+              <a:solidFill>
+                <a:schemeClr val="lt1"/>
+              </a:solidFill>
+              <a:latin typeface="Montserrat"/>
+              <a:ea typeface="Montserrat"/>
+              <a:cs typeface="Montserrat"/>
+              <a:sym typeface="Montserrat"/>
+            </a:endParaRPr>
+          </a:p>
+          <a:p>
+            <a:pPr indent="0" lvl="0" marL="0" rtl="0" algn="l">
+              <a:spcBef>
+                <a:spcPts val="0"/>
+              </a:spcBef>
+              <a:spcAft>
+                <a:spcPts val="0"/>
+              </a:spcAft>
+              <a:buNone/>
+            </a:pPr>
+            <a:r>
+              <a:rPr lang="ru" sz="1000">
+                <a:solidFill>
+                  <a:schemeClr val="lt1"/>
+                </a:solidFill>
+                <a:latin typeface="Montserrat"/>
+                <a:ea typeface="Montserrat"/>
+                <a:cs typeface="Montserrat"/>
+                <a:sym typeface="Montserrat"/>
+              </a:rPr>
+              <a:t>Год опыта работы. Участник </a:t>
+            </a:r>
+            <a:r>
+              <a:rPr lang="ru" sz="1000">
+                <a:solidFill>
+                  <a:schemeClr val="lt1"/>
+                </a:solidFill>
+                <a:latin typeface="Montserrat"/>
+                <a:ea typeface="Montserrat"/>
+                <a:cs typeface="Montserrat"/>
+                <a:sym typeface="Montserrat"/>
+              </a:rPr>
+              <a:t>олимпиад</a:t>
+            </a:r>
+            <a:r>
+              <a:rPr lang="ru" sz="1000">
+                <a:solidFill>
+                  <a:schemeClr val="lt1"/>
+                </a:solidFill>
+                <a:latin typeface="Montserrat"/>
+                <a:ea typeface="Montserrat"/>
+                <a:cs typeface="Montserrat"/>
+                <a:sym typeface="Montserrat"/>
+              </a:rPr>
+              <a:t> по компьютерному зрению.</a:t>
+            </a:r>
+            <a:endParaRPr sz="1000">
+              <a:solidFill>
+                <a:schemeClr val="lt1"/>
+              </a:solidFill>
+              <a:latin typeface="Montserrat"/>
+              <a:ea typeface="Montserrat"/>
+              <a:cs typeface="Montserrat"/>
+              <a:sym typeface="Montserrat"/>
+            </a:endParaRPr>
           </a:p>
         </p:txBody>
       </p:sp>
+      <p:sp>
+        <p:nvSpPr>
+          <p:cNvPr id="172" name="Google Shape;172;p21"/>
+          <p:cNvSpPr txBox="1"/>
+          <p:nvPr/>
+        </p:nvSpPr>
+        <p:spPr>
+          <a:xfrm>
+            <a:off x="1780575" y="2028363"/>
+            <a:ext cx="2763000" cy="954300"/>
+          </a:xfrm>
+          <a:prstGeom prst="rect">
+            <a:avLst/>
+          </a:prstGeom>
+          <a:noFill/>
+          <a:ln>
+            <a:noFill/>
+          </a:ln>
+        </p:spPr>
+        <p:txBody>
+          <a:bodyPr anchorCtr="0" anchor="t" bIns="91425" lIns="91425" spcFirstLastPara="1" rIns="91425" wrap="square" tIns="91425">
+            <a:spAutoFit/>
+          </a:bodyPr>
+          <a:lstStyle/>
+          <a:p>
+            <a:pPr indent="0" lvl="0" marL="0" rtl="0" algn="l">
+              <a:spcBef>
+                <a:spcPts val="0"/>
+              </a:spcBef>
+              <a:spcAft>
+                <a:spcPts val="0"/>
+              </a:spcAft>
+              <a:buNone/>
+            </a:pPr>
+            <a:r>
+              <a:rPr lang="ru" sz="1000">
+                <a:solidFill>
+                  <a:schemeClr val="lt1"/>
+                </a:solidFill>
+                <a:latin typeface="Montserrat"/>
+                <a:ea typeface="Montserrat"/>
+                <a:cs typeface="Montserrat"/>
+                <a:sym typeface="Montserrat"/>
+              </a:rPr>
+              <a:t>Mobile</a:t>
+            </a:r>
+            <a:r>
+              <a:rPr lang="ru" sz="1000">
+                <a:solidFill>
+                  <a:schemeClr val="lt1"/>
+                </a:solidFill>
+                <a:latin typeface="Montserrat"/>
+                <a:ea typeface="Montserrat"/>
+                <a:cs typeface="Montserrat"/>
+                <a:sym typeface="Montserrat"/>
+              </a:rPr>
+              <a:t>, студент ФИТ НГУ. </a:t>
+            </a:r>
+            <a:endParaRPr sz="1000">
+              <a:solidFill>
+                <a:schemeClr val="lt1"/>
+              </a:solidFill>
+              <a:latin typeface="Montserrat"/>
+              <a:ea typeface="Montserrat"/>
+              <a:cs typeface="Montserrat"/>
+              <a:sym typeface="Montserrat"/>
+            </a:endParaRPr>
+          </a:p>
+          <a:p>
+            <a:pPr indent="0" lvl="0" marL="0" rtl="0" algn="l">
+              <a:spcBef>
+                <a:spcPts val="0"/>
+              </a:spcBef>
+              <a:spcAft>
+                <a:spcPts val="0"/>
+              </a:spcAft>
+              <a:buNone/>
+            </a:pPr>
+            <a:r>
+              <a:rPr lang="ru" sz="1000">
+                <a:solidFill>
+                  <a:schemeClr val="lt1"/>
+                </a:solidFill>
+                <a:latin typeface="Montserrat"/>
+                <a:ea typeface="Montserrat"/>
+                <a:cs typeface="Montserrat"/>
+                <a:sym typeface="Montserrat"/>
+              </a:rPr>
+              <a:t>В</a:t>
+            </a:r>
+            <a:r>
+              <a:rPr lang="ru" sz="1000">
+                <a:solidFill>
+                  <a:schemeClr val="lt1"/>
+                </a:solidFill>
+                <a:latin typeface="Montserrat"/>
+                <a:ea typeface="Montserrat"/>
+                <a:cs typeface="Montserrat"/>
+                <a:sym typeface="Montserrat"/>
+              </a:rPr>
+              <a:t>торое место на чемпионате корпораций junior skills в Москве.</a:t>
+            </a:r>
+            <a:endParaRPr sz="1000">
+              <a:solidFill>
+                <a:schemeClr val="lt1"/>
+              </a:solidFill>
+              <a:latin typeface="Montserrat"/>
+              <a:ea typeface="Montserrat"/>
+              <a:cs typeface="Montserrat"/>
+              <a:sym typeface="Montserrat"/>
+            </a:endParaRPr>
+          </a:p>
+          <a:p>
+            <a:pPr indent="0" lvl="0" marL="0" rtl="0" algn="l">
+              <a:spcBef>
+                <a:spcPts val="0"/>
+              </a:spcBef>
+              <a:spcAft>
+                <a:spcPts val="0"/>
+              </a:spcAft>
+              <a:buNone/>
+            </a:pPr>
+            <a:r>
+              <a:rPr lang="ru" sz="1000">
+                <a:solidFill>
+                  <a:schemeClr val="lt1"/>
+                </a:solidFill>
+                <a:latin typeface="Montserrat"/>
+                <a:ea typeface="Montserrat"/>
+                <a:cs typeface="Montserrat"/>
+                <a:sym typeface="Montserrat"/>
+              </a:rPr>
+              <a:t>Бронзовый призер соревнований по робототехнике. </a:t>
+            </a:r>
+            <a:endParaRPr sz="1000">
+              <a:solidFill>
+                <a:schemeClr val="lt1"/>
+              </a:solidFill>
+              <a:latin typeface="Montserrat"/>
+              <a:ea typeface="Montserrat"/>
+              <a:cs typeface="Montserrat"/>
+              <a:sym typeface="Montserrat"/>
+            </a:endParaRPr>
+          </a:p>
+        </p:txBody>
+      </p:sp>
+      <p:sp>
+        <p:nvSpPr>
+          <p:cNvPr id="173" name="Google Shape;173;p21"/>
+          <p:cNvSpPr txBox="1"/>
+          <p:nvPr/>
+        </p:nvSpPr>
+        <p:spPr>
+          <a:xfrm>
+            <a:off x="1780575" y="3228588"/>
+            <a:ext cx="2763000" cy="800400"/>
+          </a:xfrm>
+          <a:prstGeom prst="rect">
+            <a:avLst/>
+          </a:prstGeom>
+          <a:noFill/>
+          <a:ln>
+            <a:noFill/>
+          </a:ln>
+        </p:spPr>
+        <p:txBody>
+          <a:bodyPr anchorCtr="0" anchor="t" bIns="91425" lIns="91425" spcFirstLastPara="1" rIns="91425" wrap="square" tIns="91425">
+            <a:spAutoFit/>
+          </a:bodyPr>
+          <a:lstStyle/>
+          <a:p>
+            <a:pPr indent="0" lvl="0" marL="0" rtl="0" algn="l">
+              <a:spcBef>
+                <a:spcPts val="0"/>
+              </a:spcBef>
+              <a:spcAft>
+                <a:spcPts val="0"/>
+              </a:spcAft>
+              <a:buNone/>
+            </a:pPr>
+            <a:r>
+              <a:rPr lang="ru" sz="1000">
+                <a:solidFill>
+                  <a:schemeClr val="lt1"/>
+                </a:solidFill>
+                <a:latin typeface="Montserrat"/>
+                <a:ea typeface="Montserrat"/>
+                <a:cs typeface="Montserrat"/>
+                <a:sym typeface="Montserrat"/>
+              </a:rPr>
+              <a:t>Front-end</a:t>
+            </a:r>
+            <a:r>
+              <a:rPr lang="ru" sz="1000">
+                <a:solidFill>
+                  <a:schemeClr val="lt1"/>
+                </a:solidFill>
+                <a:latin typeface="Montserrat"/>
+                <a:ea typeface="Montserrat"/>
+                <a:cs typeface="Montserrat"/>
+                <a:sym typeface="Montserrat"/>
+              </a:rPr>
+              <a:t>, студент ФИТ НГУ.</a:t>
+            </a:r>
+            <a:endParaRPr sz="1000">
+              <a:solidFill>
+                <a:schemeClr val="lt1"/>
+              </a:solidFill>
+              <a:latin typeface="Montserrat"/>
+              <a:ea typeface="Montserrat"/>
+              <a:cs typeface="Montserrat"/>
+              <a:sym typeface="Montserrat"/>
+            </a:endParaRPr>
+          </a:p>
+          <a:p>
+            <a:pPr indent="0" lvl="0" marL="0" rtl="0" algn="l">
+              <a:spcBef>
+                <a:spcPts val="0"/>
+              </a:spcBef>
+              <a:spcAft>
+                <a:spcPts val="0"/>
+              </a:spcAft>
+              <a:buNone/>
+            </a:pPr>
+            <a:r>
+              <a:rPr lang="ru" sz="1000">
+                <a:solidFill>
+                  <a:schemeClr val="lt1"/>
+                </a:solidFill>
+                <a:latin typeface="Montserrat"/>
+                <a:ea typeface="Montserrat"/>
+                <a:cs typeface="Montserrat"/>
+                <a:sym typeface="Montserrat"/>
+              </a:rPr>
+              <a:t>Год опыта работы. Выпускник лаборатории Сберлаб НГУ. Средний балл диплома - 4.7.</a:t>
+            </a:r>
+            <a:endParaRPr sz="1000">
+              <a:solidFill>
+                <a:schemeClr val="lt1"/>
+              </a:solidFill>
+              <a:latin typeface="Montserrat"/>
+              <a:ea typeface="Montserrat"/>
+              <a:cs typeface="Montserrat"/>
+              <a:sym typeface="Montserrat"/>
+            </a:endParaRPr>
+          </a:p>
+        </p:txBody>
+      </p:sp>
+      <p:sp>
+        <p:nvSpPr>
+          <p:cNvPr id="174" name="Google Shape;174;p21"/>
+          <p:cNvSpPr txBox="1"/>
+          <p:nvPr/>
+        </p:nvSpPr>
+        <p:spPr>
+          <a:xfrm>
+            <a:off x="5738975" y="777088"/>
+            <a:ext cx="2763000" cy="954300"/>
+          </a:xfrm>
+          <a:prstGeom prst="rect">
+            <a:avLst/>
+          </a:prstGeom>
+          <a:noFill/>
+          <a:ln>
+            <a:noFill/>
+          </a:ln>
+        </p:spPr>
+        <p:txBody>
+          <a:bodyPr anchorCtr="0" anchor="t" bIns="91425" lIns="91425" spcFirstLastPara="1" rIns="91425" wrap="square" tIns="91425">
+            <a:spAutoFit/>
+          </a:bodyPr>
+          <a:lstStyle/>
+          <a:p>
+            <a:pPr indent="0" lvl="0" marL="0" rtl="0" algn="l">
+              <a:spcBef>
+                <a:spcPts val="0"/>
+              </a:spcBef>
+              <a:spcAft>
+                <a:spcPts val="0"/>
+              </a:spcAft>
+              <a:buNone/>
+            </a:pPr>
+            <a:r>
+              <a:rPr lang="ru" sz="1000">
+                <a:solidFill>
+                  <a:schemeClr val="lt1"/>
+                </a:solidFill>
+                <a:latin typeface="Montserrat"/>
+                <a:ea typeface="Montserrat"/>
+                <a:cs typeface="Montserrat"/>
+                <a:sym typeface="Montserrat"/>
+              </a:rPr>
+              <a:t>Back-end</a:t>
+            </a:r>
+            <a:r>
+              <a:rPr lang="ru" sz="1000">
+                <a:solidFill>
+                  <a:schemeClr val="lt1"/>
+                </a:solidFill>
+                <a:latin typeface="Montserrat"/>
+                <a:ea typeface="Montserrat"/>
+                <a:cs typeface="Montserrat"/>
+                <a:sym typeface="Montserrat"/>
+              </a:rPr>
+              <a:t>, студент ФИТ НГУ. </a:t>
+            </a:r>
+            <a:endParaRPr sz="1000">
+              <a:solidFill>
+                <a:schemeClr val="lt1"/>
+              </a:solidFill>
+              <a:latin typeface="Montserrat"/>
+              <a:ea typeface="Montserrat"/>
+              <a:cs typeface="Montserrat"/>
+              <a:sym typeface="Montserrat"/>
+            </a:endParaRPr>
+          </a:p>
+          <a:p>
+            <a:pPr indent="0" lvl="0" marL="0" rtl="0" algn="l">
+              <a:spcBef>
+                <a:spcPts val="0"/>
+              </a:spcBef>
+              <a:spcAft>
+                <a:spcPts val="0"/>
+              </a:spcAft>
+              <a:buNone/>
+            </a:pPr>
+            <a:r>
+              <a:rPr lang="ru" sz="1000">
+                <a:solidFill>
+                  <a:schemeClr val="lt1"/>
+                </a:solidFill>
+                <a:latin typeface="Montserrat"/>
+                <a:ea typeface="Montserrat"/>
+                <a:cs typeface="Montserrat"/>
+                <a:sym typeface="Montserrat"/>
+              </a:rPr>
+              <a:t>Неоднократный призер олимпиад по спортивному программированию. </a:t>
+            </a:r>
+            <a:r>
+              <a:rPr lang="ru" sz="1000">
+                <a:solidFill>
+                  <a:schemeClr val="lt1"/>
+                </a:solidFill>
+                <a:latin typeface="Montserrat"/>
+                <a:ea typeface="Montserrat"/>
+                <a:cs typeface="Montserrat"/>
+                <a:sym typeface="Montserrat"/>
+              </a:rPr>
+              <a:t>Резидент</a:t>
+            </a:r>
+            <a:r>
+              <a:rPr lang="ru" sz="1000">
+                <a:solidFill>
+                  <a:schemeClr val="lt1"/>
+                </a:solidFill>
+                <a:latin typeface="Montserrat"/>
+                <a:ea typeface="Montserrat"/>
+                <a:cs typeface="Montserrat"/>
+                <a:sym typeface="Montserrat"/>
+              </a:rPr>
+              <a:t> ШИФТ лаб ЦФТ. Средний балл диплома - 4.5.</a:t>
+            </a:r>
+            <a:endParaRPr sz="1000">
+              <a:solidFill>
+                <a:schemeClr val="lt1"/>
+              </a:solidFill>
+              <a:latin typeface="Montserrat"/>
+              <a:ea typeface="Montserrat"/>
+              <a:cs typeface="Montserrat"/>
+              <a:sym typeface="Montserrat"/>
+            </a:endParaRPr>
+          </a:p>
+        </p:txBody>
+      </p:sp>
+      <p:sp>
+        <p:nvSpPr>
+          <p:cNvPr id="175" name="Google Shape;175;p21"/>
+          <p:cNvSpPr txBox="1"/>
+          <p:nvPr/>
+        </p:nvSpPr>
+        <p:spPr>
+          <a:xfrm>
+            <a:off x="5738975" y="2028376"/>
+            <a:ext cx="2763000" cy="1416000"/>
+          </a:xfrm>
+          <a:prstGeom prst="rect">
+            <a:avLst/>
+          </a:prstGeom>
+          <a:noFill/>
+          <a:ln>
+            <a:noFill/>
+          </a:ln>
+        </p:spPr>
+        <p:txBody>
+          <a:bodyPr anchorCtr="0" anchor="t" bIns="91425" lIns="91425" spcFirstLastPara="1" rIns="91425" wrap="square" tIns="91425">
+            <a:spAutoFit/>
+          </a:bodyPr>
+          <a:lstStyle/>
+          <a:p>
+            <a:pPr indent="0" lvl="0" marL="0" rtl="0" algn="l">
+              <a:spcBef>
+                <a:spcPts val="0"/>
+              </a:spcBef>
+              <a:spcAft>
+                <a:spcPts val="0"/>
+              </a:spcAft>
+              <a:buNone/>
+            </a:pPr>
+            <a:r>
+              <a:rPr lang="ru" sz="1000">
+                <a:solidFill>
+                  <a:schemeClr val="lt1"/>
+                </a:solidFill>
+                <a:latin typeface="Montserrat"/>
+                <a:ea typeface="Montserrat"/>
+                <a:cs typeface="Montserrat"/>
+                <a:sym typeface="Montserrat"/>
+              </a:rPr>
+              <a:t>Product manager</a:t>
+            </a:r>
+            <a:r>
+              <a:rPr lang="ru" sz="1000">
+                <a:solidFill>
+                  <a:schemeClr val="lt1"/>
+                </a:solidFill>
+                <a:latin typeface="Montserrat"/>
+                <a:ea typeface="Montserrat"/>
+                <a:cs typeface="Montserrat"/>
+                <a:sym typeface="Montserrat"/>
+              </a:rPr>
+              <a:t>, студент ММФ НГУ.</a:t>
+            </a:r>
+            <a:endParaRPr sz="1000">
+              <a:solidFill>
+                <a:schemeClr val="lt1"/>
+              </a:solidFill>
+              <a:latin typeface="Montserrat"/>
+              <a:ea typeface="Montserrat"/>
+              <a:cs typeface="Montserrat"/>
+              <a:sym typeface="Montserrat"/>
+            </a:endParaRPr>
+          </a:p>
+          <a:p>
+            <a:pPr indent="0" lvl="0" marL="0" rtl="0" algn="l">
+              <a:spcBef>
+                <a:spcPts val="0"/>
+              </a:spcBef>
+              <a:spcAft>
+                <a:spcPts val="0"/>
+              </a:spcAft>
+              <a:buNone/>
+            </a:pPr>
+            <a:r>
+              <a:rPr lang="ru" sz="1000">
+                <a:solidFill>
+                  <a:schemeClr val="lt1"/>
+                </a:solidFill>
+                <a:latin typeface="Montserrat"/>
+                <a:ea typeface="Montserrat"/>
+                <a:cs typeface="Montserrat"/>
+                <a:sym typeface="Montserrat"/>
+              </a:rPr>
+              <a:t>Пройден курс основ проектной деятельности. Опыт менеджера проекта. Участник мастер классов по организации работы в команде и управлению ею. Средний балл диплома - 4.7</a:t>
+            </a:r>
+            <a:endParaRPr sz="1000">
+              <a:solidFill>
+                <a:schemeClr val="lt1"/>
+              </a:solidFill>
+              <a:latin typeface="Montserrat"/>
+              <a:ea typeface="Montserrat"/>
+              <a:cs typeface="Montserrat"/>
+              <a:sym typeface="Montserrat"/>
+            </a:endParaRPr>
+          </a:p>
+          <a:p>
+            <a:pPr indent="0" lvl="0" marL="0" rtl="0" algn="l">
+              <a:spcBef>
+                <a:spcPts val="0"/>
+              </a:spcBef>
+              <a:spcAft>
+                <a:spcPts val="0"/>
+              </a:spcAft>
+              <a:buNone/>
+            </a:pPr>
+            <a:r>
+              <a:t/>
+            </a:r>
+            <a:endParaRPr sz="1000">
+              <a:solidFill>
+                <a:schemeClr val="lt1"/>
+              </a:solidFill>
+              <a:latin typeface="Montserrat"/>
+              <a:ea typeface="Montserrat"/>
+              <a:cs typeface="Montserrat"/>
+              <a:sym typeface="Montserrat"/>
+            </a:endParaRPr>
+          </a:p>
+        </p:txBody>
+      </p:sp>
+      <p:pic>
+        <p:nvPicPr>
+          <p:cNvPr id="176" name="Google Shape;176;p21"/>
+          <p:cNvPicPr preferRelativeResize="0"/>
+          <p:nvPr/>
+        </p:nvPicPr>
+        <p:blipFill>
+          <a:blip r:embed="rId7">
+            <a:alphaModFix/>
+          </a:blip>
+          <a:stretch>
+            <a:fillRect/>
+          </a:stretch>
+        </p:blipFill>
+        <p:spPr>
+          <a:xfrm>
+            <a:off x="4731177" y="1896538"/>
+            <a:ext cx="954300" cy="954300"/>
+          </a:xfrm>
+          <a:prstGeom prst="roundRect">
+            <a:avLst>
+              <a:gd fmla="val 16667" name="adj"/>
+            </a:avLst>
+          </a:prstGeom>
+          <a:noFill/>
+          <a:ln>
+            <a:noFill/>
+          </a:ln>
+        </p:spPr>
+      </p:pic>
     </p:spTree>
   </p:cSld>
   <p:clrMapOvr>
@@ -10053,6 +12326,285 @@
 </file>
 
 <file path=ppt/theme/theme1.xml><?xml version="1.0" encoding="utf-8"?>
+<a:theme xmlns:a="http://schemas.openxmlformats.org/drawingml/2006/main" xmlns:r="http://schemas.openxmlformats.org/officeDocument/2006/relationships" name="Simple Light">
+  <a:themeElements>
+    <a:clrScheme name="Simple Light">
+      <a:dk1>
+        <a:srgbClr val="2E2C2C"/>
+      </a:dk1>
+      <a:lt1>
+        <a:srgbClr val="FFFFFF"/>
+      </a:lt1>
+      <a:dk2>
+        <a:srgbClr val="595959"/>
+      </a:dk2>
+      <a:lt2>
+        <a:srgbClr val="EEEEEE"/>
+      </a:lt2>
+      <a:accent1>
+        <a:srgbClr val="4285F4"/>
+      </a:accent1>
+      <a:accent2>
+        <a:srgbClr val="212121"/>
+      </a:accent2>
+      <a:accent3>
+        <a:srgbClr val="78909C"/>
+      </a:accent3>
+      <a:accent4>
+        <a:srgbClr val="FFAB40"/>
+      </a:accent4>
+      <a:accent5>
+        <a:srgbClr val="0097A7"/>
+      </a:accent5>
+      <a:accent6>
+        <a:srgbClr val="EEFF41"/>
+      </a:accent6>
+      <a:hlink>
+        <a:srgbClr val="0097A7"/>
+      </a:hlink>
+      <a:folHlink>
+        <a:srgbClr val="0097A7"/>
+      </a:folHlink>
+    </a:clrScheme>
+    <a:fontScheme name="Office">
+      <a:majorFont>
+        <a:latin typeface="Arial"/>
+        <a:ea typeface=""/>
+        <a:cs typeface=""/>
+        <a:font script="Jpan" typeface="ＭＳ Ｐゴシック"/>
+        <a:font script="Hang" typeface="맑은 고딕"/>
+        <a:font script="Hans" typeface="宋体"/>
+        <a:font script="Hant" typeface="新細明體"/>
+        <a:font script="Arab" typeface="Times New Roman"/>
+        <a:font script="Hebr" typeface="Times New Roman"/>
+        <a:font script="Thai" typeface="Angsana New"/>
+        <a:font script="Ethi" typeface="Nyala"/>
+        <a:font script="Beng" typeface="Vrinda"/>
+        <a:font script="Gujr" typeface="Shruti"/>
+        <a:font script="Khmr" typeface="MoolBoran"/>
+        <a:font script="Knda" typeface="Tunga"/>
+        <a:font script="Guru" typeface="Raavi"/>
+        <a:font script="Cans" typeface="Euphemia"/>
+        <a:font script="Cher" typeface="Plantagenet Cherokee"/>
+        <a:font script="Yiii" typeface="Microsoft Yi Baiti"/>
+        <a:font script="Tibt" typeface="Microsoft Himalaya"/>
+        <a:font script="Thaa" typeface="MV Boli"/>
+        <a:font script="Deva" typeface="Mangal"/>
+        <a:font script="Telu" typeface="Gautami"/>
+        <a:font script="Taml" typeface="Latha"/>
+        <a:font script="Syrc" typeface="Estrangelo Edessa"/>
+        <a:font script="Orya" typeface="Kalinga"/>
+        <a:font script="Mlym" typeface="Kartika"/>
+        <a:font script="Laoo" typeface="DokChampa"/>
+        <a:font script="Sinh" typeface="Iskoola Pota"/>
+        <a:font script="Mong" typeface="Mongolian Baiti"/>
+        <a:font script="Viet" typeface="Times New Roman"/>
+        <a:font script="Uigh" typeface="Microsoft Uighur"/>
+        <a:font script="Geor" typeface="Sylfaen"/>
+      </a:majorFont>
+      <a:minorFont>
+        <a:latin typeface="Arial"/>
+        <a:ea typeface=""/>
+        <a:cs typeface=""/>
+        <a:font script="Jpan" typeface="ＭＳ Ｐゴシック"/>
+        <a:font script="Hang" typeface="맑은 고딕"/>
+        <a:font script="Hans" typeface="宋体"/>
+        <a:font script="Hant" typeface="新細明體"/>
+        <a:font script="Arab" typeface="Arial"/>
+        <a:font script="Hebr" typeface="Arial"/>
+        <a:font script="Thai" typeface="Cordia New"/>
+        <a:font script="Ethi" typeface="Nyala"/>
+        <a:font script="Beng" typeface="Vrinda"/>
+        <a:font script="Gujr" typeface="Shruti"/>
+        <a:font script="Khmr" typeface="DaunPenh"/>
+        <a:font script="Knda" typeface="Tunga"/>
+        <a:font script="Guru" typeface="Raavi"/>
+        <a:font script="Cans" typeface="Euphemia"/>
+        <a:font script="Cher" typeface="Plantagenet Cherokee"/>
+        <a:font script="Yiii" typeface="Microsoft Yi Baiti"/>
+        <a:font script="Tibt" typeface="Microsoft Himalaya"/>
+        <a:font script="Thaa" typeface="MV Boli"/>
+        <a:font script="Deva" typeface="Mangal"/>
+        <a:font script="Telu" typeface="Gautami"/>
+        <a:font script="Taml" typeface="Latha"/>
+        <a:font script="Syrc" typeface="Estrangelo Edessa"/>
+        <a:font script="Orya" typeface="Kalinga"/>
+        <a:font script="Mlym" typeface="Kartika"/>
+        <a:font script="Laoo" typeface="DokChampa"/>
+        <a:font script="Sinh" typeface="Iskoola Pota"/>
+        <a:font script="Mong" typeface="Mongolian Baiti"/>
+        <a:font script="Viet" typeface="Arial"/>
+        <a:font script="Uigh" typeface="Microsoft Uighur"/>
+        <a:font script="Geor" typeface="Sylfaen"/>
+      </a:minorFont>
+    </a:fontScheme>
+    <a:fmtScheme name="Office">
+      <a:fillStyleLst>
+        <a:solidFill>
+          <a:schemeClr val="phClr"/>
+        </a:solidFill>
+        <a:gradFill rotWithShape="1">
+          <a:gsLst>
+            <a:gs pos="0">
+              <a:schemeClr val="phClr">
+                <a:tint val="50000"/>
+                <a:satMod val="300000"/>
+              </a:schemeClr>
+            </a:gs>
+            <a:gs pos="35000">
+              <a:schemeClr val="phClr">
+                <a:tint val="37000"/>
+                <a:satMod val="300000"/>
+              </a:schemeClr>
+            </a:gs>
+            <a:gs pos="100000">
+              <a:schemeClr val="phClr">
+                <a:tint val="15000"/>
+                <a:satMod val="350000"/>
+              </a:schemeClr>
+            </a:gs>
+          </a:gsLst>
+          <a:lin ang="16200000" scaled="1"/>
+        </a:gradFill>
+        <a:gradFill rotWithShape="1">
+          <a:gsLst>
+            <a:gs pos="0">
+              <a:schemeClr val="phClr">
+                <a:tint val="100000"/>
+                <a:shade val="100000"/>
+                <a:satMod val="130000"/>
+              </a:schemeClr>
+            </a:gs>
+            <a:gs pos="100000">
+              <a:schemeClr val="phClr">
+                <a:tint val="50000"/>
+                <a:shade val="100000"/>
+                <a:satMod val="350000"/>
+              </a:schemeClr>
+            </a:gs>
+          </a:gsLst>
+          <a:lin ang="16200000" scaled="0"/>
+        </a:gradFill>
+      </a:fillStyleLst>
+      <a:lnStyleLst>
+        <a:ln w="9525" cap="flat" cmpd="sng" algn="ctr">
+          <a:solidFill>
+            <a:schemeClr val="phClr">
+              <a:shade val="95000"/>
+              <a:satMod val="105000"/>
+            </a:schemeClr>
+          </a:solidFill>
+          <a:prstDash val="solid"/>
+        </a:ln>
+        <a:ln w="25400" cap="flat" cmpd="sng" algn="ctr">
+          <a:solidFill>
+            <a:schemeClr val="phClr"/>
+          </a:solidFill>
+          <a:prstDash val="solid"/>
+        </a:ln>
+        <a:ln w="38100" cap="flat" cmpd="sng" algn="ctr">
+          <a:solidFill>
+            <a:schemeClr val="phClr"/>
+          </a:solidFill>
+          <a:prstDash val="solid"/>
+        </a:ln>
+      </a:lnStyleLst>
+      <a:effectStyleLst>
+        <a:effectStyle>
+          <a:effectLst>
+            <a:outerShdw blurRad="40000" dist="20000" dir="5400000" rotWithShape="0">
+              <a:srgbClr val="000000">
+                <a:alpha val="38000"/>
+              </a:srgbClr>
+            </a:outerShdw>
+          </a:effectLst>
+        </a:effectStyle>
+        <a:effectStyle>
+          <a:effectLst>
+            <a:outerShdw blurRad="40000" dist="23000" dir="5400000" rotWithShape="0">
+              <a:srgbClr val="000000">
+                <a:alpha val="35000"/>
+              </a:srgbClr>
+            </a:outerShdw>
+          </a:effectLst>
+        </a:effectStyle>
+        <a:effectStyle>
+          <a:effectLst>
+            <a:outerShdw blurRad="40000" dist="23000" dir="5400000" rotWithShape="0">
+              <a:srgbClr val="000000">
+                <a:alpha val="35000"/>
+              </a:srgbClr>
+            </a:outerShdw>
+          </a:effectLst>
+          <a:scene3d>
+            <a:camera prst="orthographicFront">
+              <a:rot lat="0" lon="0" rev="0"/>
+            </a:camera>
+            <a:lightRig rig="threePt" dir="t">
+              <a:rot lat="0" lon="0" rev="1200000"/>
+            </a:lightRig>
+          </a:scene3d>
+          <a:sp3d>
+            <a:bevelT w="63500" h="25400"/>
+          </a:sp3d>
+        </a:effectStyle>
+      </a:effectStyleLst>
+      <a:bgFillStyleLst>
+        <a:solidFill>
+          <a:schemeClr val="phClr"/>
+        </a:solidFill>
+        <a:gradFill rotWithShape="1">
+          <a:gsLst>
+            <a:gs pos="0">
+              <a:schemeClr val="phClr">
+                <a:tint val="40000"/>
+                <a:satMod val="350000"/>
+              </a:schemeClr>
+            </a:gs>
+            <a:gs pos="40000">
+              <a:schemeClr val="phClr">
+                <a:tint val="45000"/>
+                <a:shade val="99000"/>
+                <a:satMod val="350000"/>
+              </a:schemeClr>
+            </a:gs>
+            <a:gs pos="100000">
+              <a:schemeClr val="phClr">
+                <a:shade val="20000"/>
+                <a:satMod val="255000"/>
+              </a:schemeClr>
+            </a:gs>
+          </a:gsLst>
+          <a:path path="circle">
+            <a:fillToRect l="50000" t="-80000" r="50000" b="180000"/>
+          </a:path>
+        </a:gradFill>
+        <a:gradFill rotWithShape="1">
+          <a:gsLst>
+            <a:gs pos="0">
+              <a:schemeClr val="phClr">
+                <a:tint val="80000"/>
+                <a:satMod val="300000"/>
+              </a:schemeClr>
+            </a:gs>
+            <a:gs pos="100000">
+              <a:schemeClr val="phClr">
+                <a:shade val="30000"/>
+                <a:satMod val="200000"/>
+              </a:schemeClr>
+            </a:gs>
+          </a:gsLst>
+          <a:path path="circle">
+            <a:fillToRect l="50000" t="50000" r="50000" b="50000"/>
+          </a:path>
+        </a:gradFill>
+      </a:bgFillStyleLst>
+    </a:fmtScheme>
+  </a:themeElements>
+</a:theme>
+</file>
+
+<file path=ppt/theme/theme2.xml><?xml version="1.0" encoding="utf-8"?>
 <a:theme xmlns:a="http://schemas.openxmlformats.org/drawingml/2006/main" xmlns:r="http://schemas.openxmlformats.org/officeDocument/2006/relationships">
   <a:themeElements>
     <a:clrScheme name="Default">
@@ -10329,283 +12881,4 @@
     </a:fmtScheme>
   </a:themeElements>
 </a:theme>
-</file>
-
-<file path=ppt/theme/theme2.xml><?xml version="1.0" encoding="utf-8"?>
-<a:theme xmlns:a="http://schemas.openxmlformats.org/drawingml/2006/main" xmlns:r="http://schemas.openxmlformats.org/officeDocument/2006/relationships" name="Simple Light">
-  <a:themeElements>
-    <a:clrScheme name="Simple Light">
-      <a:dk1>
-        <a:srgbClr val="2E2C2C"/>
-      </a:dk1>
-      <a:lt1>
-        <a:srgbClr val="FFFFFF"/>
-      </a:lt1>
-      <a:dk2>
-        <a:srgbClr val="595959"/>
-      </a:dk2>
-      <a:lt2>
-        <a:srgbClr val="EEEEEE"/>
-      </a:lt2>
-      <a:accent1>
-        <a:srgbClr val="4285F4"/>
-      </a:accent1>
-      <a:accent2>
-        <a:srgbClr val="212121"/>
-      </a:accent2>
-      <a:accent3>
-        <a:srgbClr val="78909C"/>
-      </a:accent3>
-      <a:accent4>
-        <a:srgbClr val="FFAB40"/>
-      </a:accent4>
-      <a:accent5>
-        <a:srgbClr val="0097A7"/>
-      </a:accent5>
-      <a:accent6>
-        <a:srgbClr val="EEFF41"/>
-      </a:accent6>
-      <a:hlink>
-        <a:srgbClr val="0097A7"/>
-      </a:hlink>
-      <a:folHlink>
-        <a:srgbClr val="0097A7"/>
-      </a:folHlink>
-    </a:clrScheme>
-    <a:fontScheme name="Office">
-      <a:majorFont>
-        <a:latin typeface="Arial"/>
-        <a:ea typeface=""/>
-        <a:cs typeface=""/>
-        <a:font script="Jpan" typeface="ＭＳ Ｐゴシック"/>
-        <a:font script="Hang" typeface="맑은 고딕"/>
-        <a:font script="Hans" typeface="宋体"/>
-        <a:font script="Hant" typeface="新細明體"/>
-        <a:font script="Arab" typeface="Times New Roman"/>
-        <a:font script="Hebr" typeface="Times New Roman"/>
-        <a:font script="Thai" typeface="Angsana New"/>
-        <a:font script="Ethi" typeface="Nyala"/>
-        <a:font script="Beng" typeface="Vrinda"/>
-        <a:font script="Gujr" typeface="Shruti"/>
-        <a:font script="Khmr" typeface="MoolBoran"/>
-        <a:font script="Knda" typeface="Tunga"/>
-        <a:font script="Guru" typeface="Raavi"/>
-        <a:font script="Cans" typeface="Euphemia"/>
-        <a:font script="Cher" typeface="Plantagenet Cherokee"/>
-        <a:font script="Yiii" typeface="Microsoft Yi Baiti"/>
-        <a:font script="Tibt" typeface="Microsoft Himalaya"/>
-        <a:font script="Thaa" typeface="MV Boli"/>
-        <a:font script="Deva" typeface="Mangal"/>
-        <a:font script="Telu" typeface="Gautami"/>
-        <a:font script="Taml" typeface="Latha"/>
-        <a:font script="Syrc" typeface="Estrangelo Edessa"/>
-        <a:font script="Orya" typeface="Kalinga"/>
-        <a:font script="Mlym" typeface="Kartika"/>
-        <a:font script="Laoo" typeface="DokChampa"/>
-        <a:font script="Sinh" typeface="Iskoola Pota"/>
-        <a:font script="Mong" typeface="Mongolian Baiti"/>
-        <a:font script="Viet" typeface="Times New Roman"/>
-        <a:font script="Uigh" typeface="Microsoft Uighur"/>
-        <a:font script="Geor" typeface="Sylfaen"/>
-      </a:majorFont>
-      <a:minorFont>
-        <a:latin typeface="Arial"/>
-        <a:ea typeface=""/>
-        <a:cs typeface=""/>
-        <a:font script="Jpan" typeface="ＭＳ Ｐゴシック"/>
-        <a:font script="Hang" typeface="맑은 고딕"/>
-        <a:font script="Hans" typeface="宋体"/>
-        <a:font script="Hant" typeface="新細明體"/>
-        <a:font script="Arab" typeface="Arial"/>
-        <a:font script="Hebr" typeface="Arial"/>
-        <a:font script="Thai" typeface="Cordia New"/>
-        <a:font script="Ethi" typeface="Nyala"/>
-        <a:font script="Beng" typeface="Vrinda"/>
-        <a:font script="Gujr" typeface="Shruti"/>
-        <a:font script="Khmr" typeface="DaunPenh"/>
-        <a:font script="Knda" typeface="Tunga"/>
-        <a:font script="Guru" typeface="Raavi"/>
-        <a:font script="Cans" typeface="Euphemia"/>
-        <a:font script="Cher" typeface="Plantagenet Cherokee"/>
-        <a:font script="Yiii" typeface="Microsoft Yi Baiti"/>
-        <a:font script="Tibt" typeface="Microsoft Himalaya"/>
-        <a:font script="Thaa" typeface="MV Boli"/>
-        <a:font script="Deva" typeface="Mangal"/>
-        <a:font script="Telu" typeface="Gautami"/>
-        <a:font script="Taml" typeface="Latha"/>
-        <a:font script="Syrc" typeface="Estrangelo Edessa"/>
-        <a:font script="Orya" typeface="Kalinga"/>
-        <a:font script="Mlym" typeface="Kartika"/>
-        <a:font script="Laoo" typeface="DokChampa"/>
-        <a:font script="Sinh" typeface="Iskoola Pota"/>
-        <a:font script="Mong" typeface="Mongolian Baiti"/>
-        <a:font script="Viet" typeface="Arial"/>
-        <a:font script="Uigh" typeface="Microsoft Uighur"/>
-        <a:font script="Geor" typeface="Sylfaen"/>
-      </a:minorFont>
-    </a:fontScheme>
-    <a:fmtScheme name="Office">
-      <a:fillStyleLst>
-        <a:solidFill>
-          <a:schemeClr val="phClr"/>
-        </a:solidFill>
-        <a:gradFill rotWithShape="1">
-          <a:gsLst>
-            <a:gs pos="0">
-              <a:schemeClr val="phClr">
-                <a:tint val="50000"/>
-                <a:satMod val="300000"/>
-              </a:schemeClr>
-            </a:gs>
-            <a:gs pos="35000">
-              <a:schemeClr val="phClr">
-                <a:tint val="37000"/>
-                <a:satMod val="300000"/>
-              </a:schemeClr>
-            </a:gs>
-            <a:gs pos="100000">
-              <a:schemeClr val="phClr">
-                <a:tint val="15000"/>
-                <a:satMod val="350000"/>
-              </a:schemeClr>
-            </a:gs>
-          </a:gsLst>
-          <a:lin ang="16200000" scaled="1"/>
-        </a:gradFill>
-        <a:gradFill rotWithShape="1">
-          <a:gsLst>
-            <a:gs pos="0">
-              <a:schemeClr val="phClr">
-                <a:tint val="100000"/>
-                <a:shade val="100000"/>
-                <a:satMod val="130000"/>
-              </a:schemeClr>
-            </a:gs>
-            <a:gs pos="100000">
-              <a:schemeClr val="phClr">
-                <a:tint val="50000"/>
-                <a:shade val="100000"/>
-                <a:satMod val="350000"/>
-              </a:schemeClr>
-            </a:gs>
-          </a:gsLst>
-          <a:lin ang="16200000" scaled="0"/>
-        </a:gradFill>
-      </a:fillStyleLst>
-      <a:lnStyleLst>
-        <a:ln w="9525" cap="flat" cmpd="sng" algn="ctr">
-          <a:solidFill>
-            <a:schemeClr val="phClr">
-              <a:shade val="95000"/>
-              <a:satMod val="105000"/>
-            </a:schemeClr>
-          </a:solidFill>
-          <a:prstDash val="solid"/>
-        </a:ln>
-        <a:ln w="25400" cap="flat" cmpd="sng" algn="ctr">
-          <a:solidFill>
-            <a:schemeClr val="phClr"/>
-          </a:solidFill>
-          <a:prstDash val="solid"/>
-        </a:ln>
-        <a:ln w="38100" cap="flat" cmpd="sng" algn="ctr">
-          <a:solidFill>
-            <a:schemeClr val="phClr"/>
-          </a:solidFill>
-          <a:prstDash val="solid"/>
-        </a:ln>
-      </a:lnStyleLst>
-      <a:effectStyleLst>
-        <a:effectStyle>
-          <a:effectLst>
-            <a:outerShdw blurRad="40000" dist="20000" dir="5400000" rotWithShape="0">
-              <a:srgbClr val="000000">
-                <a:alpha val="38000"/>
-              </a:srgbClr>
-            </a:outerShdw>
-          </a:effectLst>
-        </a:effectStyle>
-        <a:effectStyle>
-          <a:effectLst>
-            <a:outerShdw blurRad="40000" dist="23000" dir="5400000" rotWithShape="0">
-              <a:srgbClr val="000000">
-                <a:alpha val="35000"/>
-              </a:srgbClr>
-            </a:outerShdw>
-          </a:effectLst>
-        </a:effectStyle>
-        <a:effectStyle>
-          <a:effectLst>
-            <a:outerShdw blurRad="40000" dist="23000" dir="5400000" rotWithShape="0">
-              <a:srgbClr val="000000">
-                <a:alpha val="35000"/>
-              </a:srgbClr>
-            </a:outerShdw>
-          </a:effectLst>
-          <a:scene3d>
-            <a:camera prst="orthographicFront">
-              <a:rot lat="0" lon="0" rev="0"/>
-            </a:camera>
-            <a:lightRig rig="threePt" dir="t">
-              <a:rot lat="0" lon="0" rev="1200000"/>
-            </a:lightRig>
-          </a:scene3d>
-          <a:sp3d>
-            <a:bevelT w="63500" h="25400"/>
-          </a:sp3d>
-        </a:effectStyle>
-      </a:effectStyleLst>
-      <a:bgFillStyleLst>
-        <a:solidFill>
-          <a:schemeClr val="phClr"/>
-        </a:solidFill>
-        <a:gradFill rotWithShape="1">
-          <a:gsLst>
-            <a:gs pos="0">
-              <a:schemeClr val="phClr">
-                <a:tint val="40000"/>
-                <a:satMod val="350000"/>
-              </a:schemeClr>
-            </a:gs>
-            <a:gs pos="40000">
-              <a:schemeClr val="phClr">
-                <a:tint val="45000"/>
-                <a:shade val="99000"/>
-                <a:satMod val="350000"/>
-              </a:schemeClr>
-            </a:gs>
-            <a:gs pos="100000">
-              <a:schemeClr val="phClr">
-                <a:shade val="20000"/>
-                <a:satMod val="255000"/>
-              </a:schemeClr>
-            </a:gs>
-          </a:gsLst>
-          <a:path path="circle">
-            <a:fillToRect l="50000" t="-80000" r="50000" b="180000"/>
-          </a:path>
-        </a:gradFill>
-        <a:gradFill rotWithShape="1">
-          <a:gsLst>
-            <a:gs pos="0">
-              <a:schemeClr val="phClr">
-                <a:tint val="80000"/>
-                <a:satMod val="300000"/>
-              </a:schemeClr>
-            </a:gs>
-            <a:gs pos="100000">
-              <a:schemeClr val="phClr">
-                <a:shade val="30000"/>
-                <a:satMod val="200000"/>
-              </a:schemeClr>
-            </a:gs>
-          </a:gsLst>
-          <a:path path="circle">
-            <a:fillToRect l="50000" t="50000" r="50000" b="50000"/>
-          </a:path>
-        </a:gradFill>
-      </a:bgFillStyleLst>
-    </a:fmtScheme>
-  </a:themeElements>
-</a:theme>
 </file>